--- a/Tyyliopas.pptx
+++ b/Tyyliopas.pptx
@@ -5,17 +5,18 @@
     <p:sldMasterId id="2147483660" r:id="rId1"/>
   </p:sldMasterIdLst>
   <p:sldIdLst>
-    <p:sldId id="256" r:id="rId2"/>
-    <p:sldId id="257" r:id="rId3"/>
-    <p:sldId id="258" r:id="rId4"/>
-    <p:sldId id="259" r:id="rId5"/>
-    <p:sldId id="260" r:id="rId6"/>
-    <p:sldId id="261" r:id="rId7"/>
-    <p:sldId id="262" r:id="rId8"/>
-    <p:sldId id="263" r:id="rId9"/>
-    <p:sldId id="264" r:id="rId10"/>
-    <p:sldId id="265" r:id="rId11"/>
-    <p:sldId id="266" r:id="rId12"/>
+    <p:sldId id="267" r:id="rId2"/>
+    <p:sldId id="256" r:id="rId3"/>
+    <p:sldId id="257" r:id="rId4"/>
+    <p:sldId id="258" r:id="rId5"/>
+    <p:sldId id="259" r:id="rId6"/>
+    <p:sldId id="260" r:id="rId7"/>
+    <p:sldId id="261" r:id="rId8"/>
+    <p:sldId id="262" r:id="rId9"/>
+    <p:sldId id="263" r:id="rId10"/>
+    <p:sldId id="264" r:id="rId11"/>
+    <p:sldId id="265" r:id="rId12"/>
+    <p:sldId id="266" r:id="rId13"/>
   </p:sldIdLst>
   <p:sldSz cx="6858000" cy="12192000"/>
   <p:notesSz cx="6858000" cy="9144000"/>
@@ -114,6 +115,11 @@
       </a:defRPr>
     </a:lvl9pPr>
   </p:defaultTextStyle>
+  <p:extLst>
+    <p:ext uri="{EFAFB233-063F-42B5-8137-9DF3F51BA10A}">
+      <p15:sldGuideLst xmlns:p15="http://schemas.microsoft.com/office/powerpoint/2012/main"/>
+    </p:ext>
+  </p:extLst>
 </p:presentation>
 </file>
 
@@ -248,7 +254,7 @@
           <a:p>
             <a:fld id="{3F203BD8-3AC2-436D-9012-560323A04983}" type="datetimeFigureOut">
               <a:rPr lang="fi-FI" smtClean="0"/>
-              <a:t>16.2.2018</a:t>
+              <a:t>23.2.2018</a:t>
             </a:fld>
             <a:endParaRPr lang="fi-FI"/>
           </a:p>
@@ -418,7 +424,7 @@
           <a:p>
             <a:fld id="{3F203BD8-3AC2-436D-9012-560323A04983}" type="datetimeFigureOut">
               <a:rPr lang="fi-FI" smtClean="0"/>
-              <a:t>16.2.2018</a:t>
+              <a:t>23.2.2018</a:t>
             </a:fld>
             <a:endParaRPr lang="fi-FI"/>
           </a:p>
@@ -598,7 +604,7 @@
           <a:p>
             <a:fld id="{3F203BD8-3AC2-436D-9012-560323A04983}" type="datetimeFigureOut">
               <a:rPr lang="fi-FI" smtClean="0"/>
-              <a:t>16.2.2018</a:t>
+              <a:t>23.2.2018</a:t>
             </a:fld>
             <a:endParaRPr lang="fi-FI"/>
           </a:p>
@@ -768,7 +774,7 @@
           <a:p>
             <a:fld id="{3F203BD8-3AC2-436D-9012-560323A04983}" type="datetimeFigureOut">
               <a:rPr lang="fi-FI" smtClean="0"/>
-              <a:t>16.2.2018</a:t>
+              <a:t>23.2.2018</a:t>
             </a:fld>
             <a:endParaRPr lang="fi-FI"/>
           </a:p>
@@ -1012,7 +1018,7 @@
           <a:p>
             <a:fld id="{3F203BD8-3AC2-436D-9012-560323A04983}" type="datetimeFigureOut">
               <a:rPr lang="fi-FI" smtClean="0"/>
-              <a:t>16.2.2018</a:t>
+              <a:t>23.2.2018</a:t>
             </a:fld>
             <a:endParaRPr lang="fi-FI"/>
           </a:p>
@@ -1244,7 +1250,7 @@
           <a:p>
             <a:fld id="{3F203BD8-3AC2-436D-9012-560323A04983}" type="datetimeFigureOut">
               <a:rPr lang="fi-FI" smtClean="0"/>
-              <a:t>16.2.2018</a:t>
+              <a:t>23.2.2018</a:t>
             </a:fld>
             <a:endParaRPr lang="fi-FI"/>
           </a:p>
@@ -1611,7 +1617,7 @@
           <a:p>
             <a:fld id="{3F203BD8-3AC2-436D-9012-560323A04983}" type="datetimeFigureOut">
               <a:rPr lang="fi-FI" smtClean="0"/>
-              <a:t>16.2.2018</a:t>
+              <a:t>23.2.2018</a:t>
             </a:fld>
             <a:endParaRPr lang="fi-FI"/>
           </a:p>
@@ -1729,7 +1735,7 @@
           <a:p>
             <a:fld id="{3F203BD8-3AC2-436D-9012-560323A04983}" type="datetimeFigureOut">
               <a:rPr lang="fi-FI" smtClean="0"/>
-              <a:t>16.2.2018</a:t>
+              <a:t>23.2.2018</a:t>
             </a:fld>
             <a:endParaRPr lang="fi-FI"/>
           </a:p>
@@ -1824,7 +1830,7 @@
           <a:p>
             <a:fld id="{3F203BD8-3AC2-436D-9012-560323A04983}" type="datetimeFigureOut">
               <a:rPr lang="fi-FI" smtClean="0"/>
-              <a:t>16.2.2018</a:t>
+              <a:t>23.2.2018</a:t>
             </a:fld>
             <a:endParaRPr lang="fi-FI"/>
           </a:p>
@@ -2101,7 +2107,7 @@
           <a:p>
             <a:fld id="{3F203BD8-3AC2-436D-9012-560323A04983}" type="datetimeFigureOut">
               <a:rPr lang="fi-FI" smtClean="0"/>
-              <a:t>16.2.2018</a:t>
+              <a:t>23.2.2018</a:t>
             </a:fld>
             <a:endParaRPr lang="fi-FI"/>
           </a:p>
@@ -2358,7 +2364,7 @@
           <a:p>
             <a:fld id="{3F203BD8-3AC2-436D-9012-560323A04983}" type="datetimeFigureOut">
               <a:rPr lang="fi-FI" smtClean="0"/>
-              <a:t>16.2.2018</a:t>
+              <a:t>23.2.2018</a:t>
             </a:fld>
             <a:endParaRPr lang="fi-FI"/>
           </a:p>
@@ -2580,7 +2586,7 @@
           <a:p>
             <a:fld id="{3F203BD8-3AC2-436D-9012-560323A04983}" type="datetimeFigureOut">
               <a:rPr lang="fi-FI" smtClean="0"/>
-              <a:t>16.2.2018</a:t>
+              <a:t>23.2.2018</a:t>
             </a:fld>
             <a:endParaRPr lang="fi-FI"/>
           </a:p>
@@ -2987,883 +2993,56 @@
       </p:grpSpPr>
       <p:sp>
         <p:nvSpPr>
-          <p:cNvPr id="23" name="Rectangle 7"/>
+          <p:cNvPr id="7" name="Rectangle 6"/>
           <p:cNvSpPr/>
           <p:nvPr/>
         </p:nvSpPr>
         <p:spPr>
           <a:xfrm>
-            <a:off x="2153265" y="3097164"/>
-            <a:ext cx="4085301" cy="339214"/>
+            <a:off x="3923" y="3425664"/>
+            <a:ext cx="5631543" cy="7765143"/>
           </a:xfrm>
           <a:prstGeom prst="rect">
             <a:avLst/>
           </a:prstGeom>
           <a:solidFill>
-            <a:srgbClr val="FFFFFF"/>
+            <a:schemeClr val="bg1">
+              <a:lumMod val="75000"/>
+            </a:schemeClr>
           </a:solidFill>
-          <a:ln w="12701" cap="flat">
-            <a:solidFill>
-              <a:srgbClr val="5B9BD5"/>
-            </a:solidFill>
-            <a:prstDash val="solid"/>
-            <a:miter/>
-          </a:ln>
         </p:spPr>
-        <p:txBody>
-          <a:bodyPr vert="horz" wrap="square" lIns="91440" tIns="45720" rIns="91440" bIns="45720" anchor="ctr" anchorCtr="1" compatLnSpc="1">
-            <a:noAutofit/>
-          </a:bodyPr>
+        <p:style>
+          <a:lnRef idx="2">
+            <a:schemeClr val="accent1">
+              <a:shade val="50000"/>
+            </a:schemeClr>
+          </a:lnRef>
+          <a:fillRef idx="1">
+            <a:schemeClr val="accent1"/>
+          </a:fillRef>
+          <a:effectRef idx="0">
+            <a:schemeClr val="accent1"/>
+          </a:effectRef>
+          <a:fontRef idx="minor">
+            <a:schemeClr val="lt1"/>
+          </a:fontRef>
+        </p:style>
+        <p:txBody>
+          <a:bodyPr rtlCol="0" anchor="ctr"/>
           <a:lstStyle/>
           <a:p>
-            <a:pPr marL="0" marR="0" lvl="0" indent="0" algn="ctr" defTabSz="457200" rtl="0" fontAlgn="auto" hangingPunct="1">
-              <a:lnSpc>
-                <a:spcPct val="100000"/>
-              </a:lnSpc>
-              <a:spcBef>
-                <a:spcPts val="0"/>
-              </a:spcBef>
-              <a:spcAft>
-                <a:spcPts val="0"/>
-              </a:spcAft>
-              <a:buNone/>
-              <a:tabLst/>
-              <a:defRPr sz="1800" b="0" i="0" u="none" strike="noStrike" kern="0" cap="none" spc="0" baseline="0">
-                <a:solidFill>
-                  <a:srgbClr val="000000"/>
-                </a:solidFill>
-                <a:uFillTx/>
-              </a:defRPr>
-            </a:pPr>
-            <a:endParaRPr lang="fi-FI" sz="1800" b="0" i="0" u="none" strike="noStrike" kern="1200" cap="none" spc="0" baseline="0">
-              <a:solidFill>
-                <a:srgbClr val="000000"/>
-              </a:solidFill>
-              <a:uFillTx/>
-              <a:latin typeface="Calibri"/>
-            </a:endParaRPr>
-          </a:p>
-        </p:txBody>
-      </p:sp>
-      <p:sp>
-        <p:nvSpPr>
-          <p:cNvPr id="24" name="Rectangle 8"/>
-          <p:cNvSpPr/>
-          <p:nvPr/>
-        </p:nvSpPr>
-        <p:spPr>
-          <a:xfrm>
-            <a:off x="2153265" y="3642850"/>
-            <a:ext cx="4085301" cy="339214"/>
-          </a:xfrm>
-          <a:prstGeom prst="rect">
-            <a:avLst/>
-          </a:prstGeom>
-          <a:solidFill>
-            <a:srgbClr val="FFFFFF"/>
-          </a:solidFill>
-          <a:ln w="12701" cap="flat">
-            <a:solidFill>
-              <a:srgbClr val="5B9BD5"/>
-            </a:solidFill>
-            <a:prstDash val="solid"/>
-            <a:miter/>
-          </a:ln>
-        </p:spPr>
-        <p:txBody>
-          <a:bodyPr vert="horz" wrap="square" lIns="91440" tIns="45720" rIns="91440" bIns="45720" anchor="ctr" anchorCtr="1" compatLnSpc="1">
-            <a:noAutofit/>
-          </a:bodyPr>
-          <a:lstStyle/>
-          <a:p>
-            <a:pPr marL="0" marR="0" lvl="0" indent="0" algn="ctr" defTabSz="457200" rtl="0" fontAlgn="auto" hangingPunct="1">
-              <a:lnSpc>
-                <a:spcPct val="100000"/>
-              </a:lnSpc>
-              <a:spcBef>
-                <a:spcPts val="0"/>
-              </a:spcBef>
-              <a:spcAft>
-                <a:spcPts val="0"/>
-              </a:spcAft>
-              <a:buNone/>
-              <a:tabLst/>
-              <a:defRPr sz="1800" b="0" i="0" u="none" strike="noStrike" kern="0" cap="none" spc="0" baseline="0">
-                <a:solidFill>
-                  <a:srgbClr val="000000"/>
-                </a:solidFill>
-                <a:uFillTx/>
-              </a:defRPr>
-            </a:pPr>
-            <a:endParaRPr lang="fi-FI" sz="1800" b="0" i="0" u="none" strike="noStrike" kern="1200" cap="none" spc="0" baseline="0">
-              <a:solidFill>
-                <a:srgbClr val="000000"/>
-              </a:solidFill>
-              <a:uFillTx/>
-              <a:latin typeface="Calibri"/>
-            </a:endParaRPr>
-          </a:p>
-        </p:txBody>
-      </p:sp>
-      <p:sp>
-        <p:nvSpPr>
-          <p:cNvPr id="25" name="Rectangle 9"/>
-          <p:cNvSpPr/>
-          <p:nvPr/>
-        </p:nvSpPr>
-        <p:spPr>
-          <a:xfrm>
-            <a:off x="2153265" y="4188537"/>
-            <a:ext cx="4085301" cy="339214"/>
-          </a:xfrm>
-          <a:prstGeom prst="rect">
-            <a:avLst/>
-          </a:prstGeom>
-          <a:solidFill>
-            <a:srgbClr val="FFFFFF"/>
-          </a:solidFill>
-          <a:ln w="12701" cap="flat">
-            <a:solidFill>
-              <a:srgbClr val="5B9BD5"/>
-            </a:solidFill>
-            <a:prstDash val="solid"/>
-            <a:miter/>
-          </a:ln>
-        </p:spPr>
-        <p:txBody>
-          <a:bodyPr vert="horz" wrap="square" lIns="91440" tIns="45720" rIns="91440" bIns="45720" anchor="ctr" anchorCtr="1" compatLnSpc="1">
-            <a:noAutofit/>
-          </a:bodyPr>
-          <a:lstStyle/>
-          <a:p>
-            <a:pPr marL="0" marR="0" lvl="0" indent="0" algn="ctr" defTabSz="457200" rtl="0" fontAlgn="auto" hangingPunct="1">
-              <a:lnSpc>
-                <a:spcPct val="100000"/>
-              </a:lnSpc>
-              <a:spcBef>
-                <a:spcPts val="0"/>
-              </a:spcBef>
-              <a:spcAft>
-                <a:spcPts val="0"/>
-              </a:spcAft>
-              <a:buNone/>
-              <a:tabLst/>
-              <a:defRPr sz="1800" b="0" i="0" u="none" strike="noStrike" kern="0" cap="none" spc="0" baseline="0">
-                <a:solidFill>
-                  <a:srgbClr val="000000"/>
-                </a:solidFill>
-                <a:uFillTx/>
-              </a:defRPr>
-            </a:pPr>
-            <a:endParaRPr lang="fi-FI" sz="1800" b="0" i="0" u="none" strike="noStrike" kern="1200" cap="none" spc="0" baseline="0">
-              <a:solidFill>
-                <a:srgbClr val="000000"/>
-              </a:solidFill>
-              <a:uFillTx/>
-              <a:latin typeface="Calibri"/>
-            </a:endParaRPr>
-          </a:p>
-        </p:txBody>
-      </p:sp>
-      <p:sp>
-        <p:nvSpPr>
-          <p:cNvPr id="26" name="Rectangle 10"/>
-          <p:cNvSpPr/>
-          <p:nvPr/>
-        </p:nvSpPr>
-        <p:spPr>
-          <a:xfrm>
-            <a:off x="2153265" y="4734232"/>
-            <a:ext cx="4085301" cy="339214"/>
-          </a:xfrm>
-          <a:prstGeom prst="rect">
-            <a:avLst/>
-          </a:prstGeom>
-          <a:solidFill>
-            <a:srgbClr val="FFFFFF"/>
-          </a:solidFill>
-          <a:ln w="12701" cap="flat">
-            <a:solidFill>
-              <a:srgbClr val="5B9BD5"/>
-            </a:solidFill>
-            <a:prstDash val="solid"/>
-            <a:miter/>
-          </a:ln>
-        </p:spPr>
-        <p:txBody>
-          <a:bodyPr vert="horz" wrap="square" lIns="91440" tIns="45720" rIns="91440" bIns="45720" anchor="ctr" anchorCtr="1" compatLnSpc="1">
-            <a:noAutofit/>
-          </a:bodyPr>
-          <a:lstStyle/>
-          <a:p>
-            <a:pPr marL="0" marR="0" lvl="0" indent="0" algn="ctr" defTabSz="457200" rtl="0" fontAlgn="auto" hangingPunct="1">
-              <a:lnSpc>
-                <a:spcPct val="100000"/>
-              </a:lnSpc>
-              <a:spcBef>
-                <a:spcPts val="0"/>
-              </a:spcBef>
-              <a:spcAft>
-                <a:spcPts val="0"/>
-              </a:spcAft>
-              <a:buNone/>
-              <a:tabLst/>
-              <a:defRPr sz="1800" b="0" i="0" u="none" strike="noStrike" kern="0" cap="none" spc="0" baseline="0">
-                <a:solidFill>
-                  <a:srgbClr val="000000"/>
-                </a:solidFill>
-                <a:uFillTx/>
-              </a:defRPr>
-            </a:pPr>
-            <a:endParaRPr lang="fi-FI" sz="1800" b="0" i="0" u="none" strike="noStrike" kern="1200" cap="none" spc="0" baseline="0">
-              <a:solidFill>
-                <a:srgbClr val="000000"/>
-              </a:solidFill>
-              <a:uFillTx/>
-              <a:latin typeface="Calibri"/>
-            </a:endParaRPr>
-          </a:p>
-        </p:txBody>
-      </p:sp>
-      <p:sp>
-        <p:nvSpPr>
-          <p:cNvPr id="27" name="Rectangle 11"/>
-          <p:cNvSpPr/>
-          <p:nvPr/>
-        </p:nvSpPr>
-        <p:spPr>
-          <a:xfrm>
-            <a:off x="2153265" y="5279919"/>
-            <a:ext cx="4085301" cy="339214"/>
-          </a:xfrm>
-          <a:prstGeom prst="rect">
-            <a:avLst/>
-          </a:prstGeom>
-          <a:solidFill>
-            <a:srgbClr val="FFFFFF"/>
-          </a:solidFill>
-          <a:ln w="12701" cap="flat">
-            <a:solidFill>
-              <a:srgbClr val="5B9BD5"/>
-            </a:solidFill>
-            <a:prstDash val="solid"/>
-            <a:miter/>
-          </a:ln>
-        </p:spPr>
-        <p:txBody>
-          <a:bodyPr vert="horz" wrap="square" lIns="91440" tIns="45720" rIns="91440" bIns="45720" anchor="ctr" anchorCtr="1" compatLnSpc="1">
-            <a:noAutofit/>
-          </a:bodyPr>
-          <a:lstStyle/>
-          <a:p>
-            <a:pPr marL="0" marR="0" lvl="0" indent="0" algn="ctr" defTabSz="457200" rtl="0" fontAlgn="auto" hangingPunct="1">
-              <a:lnSpc>
-                <a:spcPct val="100000"/>
-              </a:lnSpc>
-              <a:spcBef>
-                <a:spcPts val="0"/>
-              </a:spcBef>
-              <a:spcAft>
-                <a:spcPts val="0"/>
-              </a:spcAft>
-              <a:buNone/>
-              <a:tabLst/>
-              <a:defRPr sz="1800" b="0" i="0" u="none" strike="noStrike" kern="0" cap="none" spc="0" baseline="0">
-                <a:solidFill>
-                  <a:srgbClr val="000000"/>
-                </a:solidFill>
-                <a:uFillTx/>
-              </a:defRPr>
-            </a:pPr>
-            <a:endParaRPr lang="fi-FI" sz="1800" b="0" i="0" u="none" strike="noStrike" kern="1200" cap="none" spc="0" baseline="0">
-              <a:solidFill>
-                <a:srgbClr val="000000"/>
-              </a:solidFill>
-              <a:uFillTx/>
-              <a:latin typeface="Calibri"/>
-            </a:endParaRPr>
-          </a:p>
-        </p:txBody>
-      </p:sp>
-      <p:sp>
-        <p:nvSpPr>
-          <p:cNvPr id="28" name="Rectangle 12"/>
-          <p:cNvSpPr/>
-          <p:nvPr/>
-        </p:nvSpPr>
-        <p:spPr>
-          <a:xfrm>
-            <a:off x="2153265" y="6376211"/>
-            <a:ext cx="4085301" cy="339214"/>
-          </a:xfrm>
-          <a:prstGeom prst="rect">
-            <a:avLst/>
-          </a:prstGeom>
-          <a:solidFill>
-            <a:srgbClr val="FFFFFF"/>
-          </a:solidFill>
-          <a:ln w="12701" cap="flat">
-            <a:solidFill>
-              <a:srgbClr val="5B9BD5"/>
-            </a:solidFill>
-            <a:prstDash val="solid"/>
-            <a:miter/>
-          </a:ln>
-        </p:spPr>
-        <p:txBody>
-          <a:bodyPr vert="horz" wrap="square" lIns="91440" tIns="45720" rIns="91440" bIns="45720" anchor="ctr" anchorCtr="1" compatLnSpc="1">
-            <a:noAutofit/>
-          </a:bodyPr>
-          <a:lstStyle/>
-          <a:p>
-            <a:pPr marL="0" marR="0" lvl="0" indent="0" algn="ctr" defTabSz="457200" rtl="0" fontAlgn="auto" hangingPunct="1">
-              <a:lnSpc>
-                <a:spcPct val="100000"/>
-              </a:lnSpc>
-              <a:spcBef>
-                <a:spcPts val="0"/>
-              </a:spcBef>
-              <a:spcAft>
-                <a:spcPts val="0"/>
-              </a:spcAft>
-              <a:buNone/>
-              <a:tabLst/>
-              <a:defRPr sz="1800" b="0" i="0" u="none" strike="noStrike" kern="0" cap="none" spc="0" baseline="0">
-                <a:solidFill>
-                  <a:srgbClr val="000000"/>
-                </a:solidFill>
-                <a:uFillTx/>
-              </a:defRPr>
-            </a:pPr>
-            <a:endParaRPr lang="fi-FI" sz="1800" b="0" i="0" u="none" strike="noStrike" kern="1200" cap="none" spc="0" baseline="0">
-              <a:solidFill>
-                <a:srgbClr val="000000"/>
-              </a:solidFill>
-              <a:uFillTx/>
-              <a:latin typeface="Calibri"/>
-            </a:endParaRPr>
-          </a:p>
-        </p:txBody>
-      </p:sp>
-      <p:sp>
-        <p:nvSpPr>
-          <p:cNvPr id="29" name="Rectangle 13"/>
-          <p:cNvSpPr/>
-          <p:nvPr/>
-        </p:nvSpPr>
-        <p:spPr>
-          <a:xfrm>
-            <a:off x="2153265" y="5830525"/>
-            <a:ext cx="4085301" cy="339214"/>
-          </a:xfrm>
-          <a:prstGeom prst="rect">
-            <a:avLst/>
-          </a:prstGeom>
-          <a:solidFill>
-            <a:srgbClr val="FFFFFF"/>
-          </a:solidFill>
-          <a:ln w="12701" cap="flat">
-            <a:solidFill>
-              <a:srgbClr val="5B9BD5"/>
-            </a:solidFill>
-            <a:prstDash val="solid"/>
-            <a:miter/>
-          </a:ln>
-        </p:spPr>
-        <p:txBody>
-          <a:bodyPr vert="horz" wrap="square" lIns="91440" tIns="45720" rIns="91440" bIns="45720" anchor="ctr" anchorCtr="1" compatLnSpc="1">
-            <a:noAutofit/>
-          </a:bodyPr>
-          <a:lstStyle/>
-          <a:p>
-            <a:pPr marL="0" marR="0" lvl="0" indent="0" algn="ctr" defTabSz="457200" rtl="0" fontAlgn="auto" hangingPunct="1">
-              <a:lnSpc>
-                <a:spcPct val="100000"/>
-              </a:lnSpc>
-              <a:spcBef>
-                <a:spcPts val="0"/>
-              </a:spcBef>
-              <a:spcAft>
-                <a:spcPts val="0"/>
-              </a:spcAft>
-              <a:buNone/>
-              <a:tabLst/>
-              <a:defRPr sz="1800" b="0" i="0" u="none" strike="noStrike" kern="0" cap="none" spc="0" baseline="0">
-                <a:solidFill>
-                  <a:srgbClr val="000000"/>
-                </a:solidFill>
-                <a:uFillTx/>
-              </a:defRPr>
-            </a:pPr>
-            <a:endParaRPr lang="fi-FI" sz="1800" b="0" i="0" u="none" strike="noStrike" kern="1200" cap="none" spc="0" baseline="0">
-              <a:solidFill>
-                <a:srgbClr val="000000"/>
-              </a:solidFill>
-              <a:uFillTx/>
-              <a:latin typeface="Calibri"/>
-            </a:endParaRPr>
-          </a:p>
-        </p:txBody>
-      </p:sp>
-      <p:sp>
-        <p:nvSpPr>
-          <p:cNvPr id="30" name="TextBox 14"/>
-          <p:cNvSpPr txBox="1"/>
-          <p:nvPr/>
-        </p:nvSpPr>
-        <p:spPr>
-          <a:xfrm>
-            <a:off x="729983" y="3087014"/>
-            <a:ext cx="1423272" cy="369335"/>
-          </a:xfrm>
-          <a:prstGeom prst="rect">
-            <a:avLst/>
-          </a:prstGeom>
-          <a:noFill/>
-          <a:ln cap="flat">
-            <a:noFill/>
-          </a:ln>
-        </p:spPr>
-        <p:txBody>
-          <a:bodyPr vert="horz" wrap="none" lIns="91440" tIns="45720" rIns="91440" bIns="45720" anchor="t" anchorCtr="0" compatLnSpc="1">
-            <a:spAutoFit/>
-          </a:bodyPr>
-          <a:lstStyle/>
-          <a:p>
-            <a:pPr marL="0" marR="0" lvl="0" indent="0" algn="l" defTabSz="457200" rtl="0" fontAlgn="auto" hangingPunct="1">
-              <a:lnSpc>
-                <a:spcPct val="100000"/>
-              </a:lnSpc>
-              <a:spcBef>
-                <a:spcPts val="0"/>
-              </a:spcBef>
-              <a:spcAft>
-                <a:spcPts val="0"/>
-              </a:spcAft>
-              <a:buNone/>
-              <a:tabLst/>
-              <a:defRPr sz="1800" b="0" i="0" u="none" strike="noStrike" kern="0" cap="none" spc="0" baseline="0">
-                <a:solidFill>
-                  <a:srgbClr val="000000"/>
-                </a:solidFill>
-                <a:uFillTx/>
-              </a:defRPr>
-            </a:pPr>
+            <a:pPr algn="ctr"/>
             <a:r>
-              <a:rPr lang="fi-FI" sz="1800" b="0" i="0" u="none" strike="noStrike" kern="1200" cap="none" spc="0" baseline="0">
-                <a:solidFill>
-                  <a:srgbClr val="000000"/>
-                </a:solidFill>
-                <a:uFillTx/>
-                <a:latin typeface="Calibri"/>
-              </a:rPr>
-              <a:t>Yhdyshenkilö</a:t>
+              <a:rPr lang="fi-FI" dirty="0" smtClean="0"/>
+              <a:t>Lista tulevista turnauksista.</a:t>
             </a:r>
-          </a:p>
-        </p:txBody>
-      </p:sp>
-      <p:sp>
-        <p:nvSpPr>
-          <p:cNvPr id="31" name="TextBox 15"/>
-          <p:cNvSpPr txBox="1"/>
-          <p:nvPr/>
-        </p:nvSpPr>
-        <p:spPr>
-          <a:xfrm>
-            <a:off x="996631" y="3622404"/>
-            <a:ext cx="889985" cy="369335"/>
-          </a:xfrm>
-          <a:prstGeom prst="rect">
-            <a:avLst/>
-          </a:prstGeom>
-          <a:noFill/>
-          <a:ln cap="flat">
-            <a:noFill/>
-          </a:ln>
-        </p:spPr>
-        <p:txBody>
-          <a:bodyPr vert="horz" wrap="none" lIns="91440" tIns="45720" rIns="91440" bIns="45720" anchor="t" anchorCtr="0" compatLnSpc="1">
-            <a:spAutoFit/>
-          </a:bodyPr>
-          <a:lstStyle/>
-          <a:p>
-            <a:pPr marL="0" marR="0" lvl="0" indent="0" algn="l" defTabSz="457200" rtl="0" fontAlgn="auto" hangingPunct="1">
-              <a:lnSpc>
-                <a:spcPct val="100000"/>
-              </a:lnSpc>
-              <a:spcBef>
-                <a:spcPts val="0"/>
-              </a:spcBef>
-              <a:spcAft>
-                <a:spcPts val="0"/>
-              </a:spcAft>
-              <a:buNone/>
-              <a:tabLst/>
-              <a:defRPr sz="1800" b="0" i="0" u="none" strike="noStrike" kern="0" cap="none" spc="0" baseline="0">
-                <a:solidFill>
-                  <a:srgbClr val="000000"/>
-                </a:solidFill>
-                <a:uFillTx/>
-              </a:defRPr>
-            </a:pPr>
-            <a:r>
-              <a:rPr lang="fi-FI" sz="1800" b="0" i="0" u="none" strike="noStrike" kern="1200" cap="none" spc="0" baseline="0">
-                <a:solidFill>
-                  <a:srgbClr val="000000"/>
-                </a:solidFill>
-                <a:uFillTx/>
-                <a:latin typeface="Calibri"/>
-              </a:rPr>
-              <a:t>Puhelin</a:t>
-            </a:r>
-          </a:p>
-        </p:txBody>
-      </p:sp>
-      <p:sp>
-        <p:nvSpPr>
-          <p:cNvPr id="32" name="TextBox 16"/>
-          <p:cNvSpPr txBox="1"/>
-          <p:nvPr/>
-        </p:nvSpPr>
-        <p:spPr>
-          <a:xfrm>
-            <a:off x="840690" y="4170788"/>
-            <a:ext cx="1201869" cy="369335"/>
-          </a:xfrm>
-          <a:prstGeom prst="rect">
-            <a:avLst/>
-          </a:prstGeom>
-          <a:noFill/>
-          <a:ln cap="flat">
-            <a:noFill/>
-          </a:ln>
-        </p:spPr>
-        <p:txBody>
-          <a:bodyPr vert="horz" wrap="none" lIns="91440" tIns="45720" rIns="91440" bIns="45720" anchor="t" anchorCtr="0" compatLnSpc="1">
-            <a:spAutoFit/>
-          </a:bodyPr>
-          <a:lstStyle/>
-          <a:p>
-            <a:pPr marL="0" marR="0" lvl="0" indent="0" algn="l" defTabSz="457200" rtl="0" fontAlgn="auto" hangingPunct="1">
-              <a:lnSpc>
-                <a:spcPct val="100000"/>
-              </a:lnSpc>
-              <a:spcBef>
-                <a:spcPts val="0"/>
-              </a:spcBef>
-              <a:spcAft>
-                <a:spcPts val="0"/>
-              </a:spcAft>
-              <a:buNone/>
-              <a:tabLst/>
-              <a:defRPr sz="1800" b="0" i="0" u="none" strike="noStrike" kern="0" cap="none" spc="0" baseline="0">
-                <a:solidFill>
-                  <a:srgbClr val="000000"/>
-                </a:solidFill>
-                <a:uFillTx/>
-              </a:defRPr>
-            </a:pPr>
-            <a:r>
-              <a:rPr lang="fi-FI" sz="1800" b="0" i="0" u="none" strike="noStrike" kern="1200" cap="none" spc="0" baseline="0">
-                <a:solidFill>
-                  <a:srgbClr val="000000"/>
-                </a:solidFill>
-                <a:uFillTx/>
-                <a:latin typeface="Calibri"/>
-              </a:rPr>
-              <a:t>Sähköposti</a:t>
-            </a:r>
-          </a:p>
-        </p:txBody>
-      </p:sp>
-      <p:sp>
-        <p:nvSpPr>
-          <p:cNvPr id="33" name="TextBox 17"/>
-          <p:cNvSpPr txBox="1"/>
-          <p:nvPr/>
-        </p:nvSpPr>
-        <p:spPr>
-          <a:xfrm>
-            <a:off x="486698" y="4733062"/>
-            <a:ext cx="1793906" cy="369335"/>
-          </a:xfrm>
-          <a:prstGeom prst="rect">
-            <a:avLst/>
-          </a:prstGeom>
-          <a:noFill/>
-          <a:ln cap="flat">
-            <a:noFill/>
-          </a:ln>
-        </p:spPr>
-        <p:txBody>
-          <a:bodyPr vert="horz" wrap="square" lIns="91440" tIns="45720" rIns="91440" bIns="45720" anchor="t" anchorCtr="0" compatLnSpc="1">
-            <a:spAutoFit/>
-          </a:bodyPr>
-          <a:lstStyle/>
-          <a:p>
-            <a:pPr marL="0" marR="0" lvl="0" indent="0" algn="l" defTabSz="457200" rtl="0" fontAlgn="auto" hangingPunct="1">
-              <a:lnSpc>
-                <a:spcPct val="100000"/>
-              </a:lnSpc>
-              <a:spcBef>
-                <a:spcPts val="0"/>
-              </a:spcBef>
-              <a:spcAft>
-                <a:spcPts val="0"/>
-              </a:spcAft>
-              <a:buNone/>
-              <a:tabLst/>
-              <a:defRPr sz="1800" b="0" i="0" u="none" strike="noStrike" kern="0" cap="none" spc="0" baseline="0">
-                <a:solidFill>
-                  <a:srgbClr val="000000"/>
-                </a:solidFill>
-                <a:uFillTx/>
-              </a:defRPr>
-            </a:pPr>
-            <a:r>
-              <a:rPr lang="fi-FI" sz="1800" b="0" i="0" u="none" strike="noStrike" kern="1200" cap="none" spc="0" baseline="0">
-                <a:solidFill>
-                  <a:srgbClr val="000000"/>
-                </a:solidFill>
-                <a:uFillTx/>
-                <a:latin typeface="Calibri"/>
-              </a:rPr>
-              <a:t>Sähköposti uud.</a:t>
-            </a:r>
-          </a:p>
-        </p:txBody>
-      </p:sp>
-      <p:sp>
-        <p:nvSpPr>
-          <p:cNvPr id="34" name="TextBox 18"/>
-          <p:cNvSpPr txBox="1"/>
-          <p:nvPr/>
-        </p:nvSpPr>
-        <p:spPr>
-          <a:xfrm>
-            <a:off x="1084761" y="5249799"/>
-            <a:ext cx="713725" cy="369335"/>
-          </a:xfrm>
-          <a:prstGeom prst="rect">
-            <a:avLst/>
-          </a:prstGeom>
-          <a:noFill/>
-          <a:ln cap="flat">
-            <a:noFill/>
-          </a:ln>
-        </p:spPr>
-        <p:txBody>
-          <a:bodyPr vert="horz" wrap="none" lIns="91440" tIns="45720" rIns="91440" bIns="45720" anchor="t" anchorCtr="0" compatLnSpc="1">
-            <a:spAutoFit/>
-          </a:bodyPr>
-          <a:lstStyle/>
-          <a:p>
-            <a:pPr marL="0" marR="0" lvl="0" indent="0" algn="l" defTabSz="457200" rtl="0" fontAlgn="auto" hangingPunct="1">
-              <a:lnSpc>
-                <a:spcPct val="100000"/>
-              </a:lnSpc>
-              <a:spcBef>
-                <a:spcPts val="0"/>
-              </a:spcBef>
-              <a:spcAft>
-                <a:spcPts val="0"/>
-              </a:spcAft>
-              <a:buNone/>
-              <a:tabLst/>
-              <a:defRPr sz="1800" b="0" i="0" u="none" strike="noStrike" kern="0" cap="none" spc="0" baseline="0">
-                <a:solidFill>
-                  <a:srgbClr val="000000"/>
-                </a:solidFill>
-                <a:uFillTx/>
-              </a:defRPr>
-            </a:pPr>
-            <a:r>
-              <a:rPr lang="fi-FI" sz="1800" b="0" i="0" u="none" strike="noStrike" kern="1200" cap="none" spc="0" baseline="0">
-                <a:solidFill>
-                  <a:srgbClr val="000000"/>
-                </a:solidFill>
-                <a:uFillTx/>
-                <a:latin typeface="Calibri"/>
-              </a:rPr>
-              <a:t>Seura</a:t>
-            </a:r>
-          </a:p>
-        </p:txBody>
-      </p:sp>
-      <p:sp>
-        <p:nvSpPr>
-          <p:cNvPr id="35" name="TextBox 19"/>
-          <p:cNvSpPr txBox="1"/>
-          <p:nvPr/>
-        </p:nvSpPr>
-        <p:spPr>
-          <a:xfrm>
-            <a:off x="807278" y="5816836"/>
-            <a:ext cx="1152747" cy="369335"/>
-          </a:xfrm>
-          <a:prstGeom prst="rect">
-            <a:avLst/>
-          </a:prstGeom>
-          <a:noFill/>
-          <a:ln cap="flat">
-            <a:noFill/>
-          </a:ln>
-        </p:spPr>
-        <p:txBody>
-          <a:bodyPr vert="horz" wrap="none" lIns="91440" tIns="45720" rIns="91440" bIns="45720" anchor="t" anchorCtr="0" compatLnSpc="1">
-            <a:spAutoFit/>
-          </a:bodyPr>
-          <a:lstStyle/>
-          <a:p>
-            <a:pPr marL="0" marR="0" lvl="0" indent="0" algn="l" defTabSz="457200" rtl="0" fontAlgn="auto" hangingPunct="1">
-              <a:lnSpc>
-                <a:spcPct val="100000"/>
-              </a:lnSpc>
-              <a:spcBef>
-                <a:spcPts val="0"/>
-              </a:spcBef>
-              <a:spcAft>
-                <a:spcPts val="0"/>
-              </a:spcAft>
-              <a:buNone/>
-              <a:tabLst/>
-              <a:defRPr sz="1800" b="0" i="0" u="none" strike="noStrike" kern="0" cap="none" spc="0" baseline="0">
-                <a:solidFill>
-                  <a:srgbClr val="000000"/>
-                </a:solidFill>
-                <a:uFillTx/>
-              </a:defRPr>
-            </a:pPr>
-            <a:r>
-              <a:rPr lang="fi-FI" sz="1800" b="0" i="0" u="none" strike="noStrike" kern="1200" cap="none" spc="0" baseline="0">
-                <a:solidFill>
-                  <a:srgbClr val="000000"/>
-                </a:solidFill>
-                <a:uFillTx/>
-                <a:latin typeface="Calibri"/>
-              </a:rPr>
-              <a:t>Kotipaikka</a:t>
-            </a:r>
-          </a:p>
-        </p:txBody>
-      </p:sp>
-      <p:sp>
-        <p:nvSpPr>
-          <p:cNvPr id="36" name="TextBox 20"/>
-          <p:cNvSpPr txBox="1"/>
-          <p:nvPr/>
-        </p:nvSpPr>
-        <p:spPr>
-          <a:xfrm>
-            <a:off x="1140101" y="6361151"/>
-            <a:ext cx="603046" cy="369335"/>
-          </a:xfrm>
-          <a:prstGeom prst="rect">
-            <a:avLst/>
-          </a:prstGeom>
-          <a:noFill/>
-          <a:ln cap="flat">
-            <a:noFill/>
-          </a:ln>
-        </p:spPr>
-        <p:txBody>
-          <a:bodyPr vert="horz" wrap="none" lIns="91440" tIns="45720" rIns="91440" bIns="45720" anchor="t" anchorCtr="0" compatLnSpc="1">
-            <a:spAutoFit/>
-          </a:bodyPr>
-          <a:lstStyle/>
-          <a:p>
-            <a:pPr marL="0" marR="0" lvl="0" indent="0" algn="l" defTabSz="457200" rtl="0" fontAlgn="auto" hangingPunct="1">
-              <a:lnSpc>
-                <a:spcPct val="100000"/>
-              </a:lnSpc>
-              <a:spcBef>
-                <a:spcPts val="0"/>
-              </a:spcBef>
-              <a:spcAft>
-                <a:spcPts val="0"/>
-              </a:spcAft>
-              <a:buNone/>
-              <a:tabLst/>
-              <a:defRPr sz="1800" b="0" i="0" u="none" strike="noStrike" kern="0" cap="none" spc="0" baseline="0">
-                <a:solidFill>
-                  <a:srgbClr val="000000"/>
-                </a:solidFill>
-                <a:uFillTx/>
-              </a:defRPr>
-            </a:pPr>
-            <a:r>
-              <a:rPr lang="fi-FI" sz="1800" b="0" i="0" u="none" strike="noStrike" kern="1200" cap="none" spc="0" baseline="0">
-                <a:solidFill>
-                  <a:srgbClr val="000000"/>
-                </a:solidFill>
-                <a:uFillTx/>
-                <a:latin typeface="Calibri"/>
-              </a:rPr>
-              <a:t>Maa</a:t>
-            </a:r>
-          </a:p>
-        </p:txBody>
-      </p:sp>
-      <p:sp>
-        <p:nvSpPr>
-          <p:cNvPr id="37" name="TextBox 21"/>
-          <p:cNvSpPr txBox="1"/>
-          <p:nvPr/>
-        </p:nvSpPr>
-        <p:spPr>
-          <a:xfrm>
-            <a:off x="2787383" y="2551468"/>
-            <a:ext cx="2817056" cy="523219"/>
-          </a:xfrm>
-          <a:prstGeom prst="rect">
-            <a:avLst/>
-          </a:prstGeom>
-          <a:noFill/>
-          <a:ln cap="flat">
-            <a:noFill/>
-          </a:ln>
-        </p:spPr>
-        <p:txBody>
-          <a:bodyPr vert="horz" wrap="none" lIns="91440" tIns="45720" rIns="91440" bIns="45720" anchor="t" anchorCtr="0" compatLnSpc="1">
-            <a:spAutoFit/>
-          </a:bodyPr>
-          <a:lstStyle/>
-          <a:p>
-            <a:pPr marL="0" marR="0" lvl="0" indent="0" algn="l" defTabSz="457200" rtl="0" fontAlgn="auto" hangingPunct="1">
-              <a:lnSpc>
-                <a:spcPct val="100000"/>
-              </a:lnSpc>
-              <a:spcBef>
-                <a:spcPts val="0"/>
-              </a:spcBef>
-              <a:spcAft>
-                <a:spcPts val="0"/>
-              </a:spcAft>
-              <a:buNone/>
-              <a:tabLst/>
-              <a:defRPr sz="1800" b="0" i="0" u="none" strike="noStrike" kern="0" cap="none" spc="0" baseline="0">
-                <a:solidFill>
-                  <a:srgbClr val="000000"/>
-                </a:solidFill>
-                <a:uFillTx/>
-              </a:defRPr>
-            </a:pPr>
-            <a:r>
-              <a:rPr lang="fi-FI" sz="2800" b="1" i="0" u="none" strike="noStrike" kern="1200" cap="none" spc="0" baseline="0" dirty="0">
-                <a:solidFill>
-                  <a:srgbClr val="000000"/>
-                </a:solidFill>
-                <a:uFillTx/>
-                <a:latin typeface="Calibri"/>
-              </a:rPr>
-              <a:t>Ilmoittautuminen</a:t>
-            </a:r>
-          </a:p>
-        </p:txBody>
-      </p:sp>
-      <p:sp>
-        <p:nvSpPr>
-          <p:cNvPr id="38" name="Suorakulmio 37"/>
+            <a:endParaRPr lang="fi-FI" dirty="0"/>
+          </a:p>
+        </p:txBody>
+      </p:sp>
+      <p:sp>
+        <p:nvSpPr>
+          <p:cNvPr id="2" name="Suorakulmio 37"/>
           <p:cNvSpPr/>
           <p:nvPr/>
         </p:nvSpPr>
@@ -3905,7 +3084,7 @@
       </p:sp>
       <p:sp>
         <p:nvSpPr>
-          <p:cNvPr id="39" name="Suorakulmio 38"/>
+          <p:cNvPr id="3" name="Suorakulmio 38"/>
           <p:cNvSpPr/>
           <p:nvPr/>
         </p:nvSpPr>
@@ -3947,7 +3126,7 @@
       </p:sp>
       <p:sp>
         <p:nvSpPr>
-          <p:cNvPr id="40" name="Suorakulmio 39"/>
+          <p:cNvPr id="4" name="Suorakulmio 39"/>
           <p:cNvSpPr/>
           <p:nvPr/>
         </p:nvSpPr>
@@ -3985,7 +3164,7 @@
       </p:sp>
       <p:pic>
         <p:nvPicPr>
-          <p:cNvPr id="42" name="Kuva 41" descr="Ilmaisia Kuvia : yö-, karnevaali, valaistus, festivaali ..."/>
+          <p:cNvPr id="5" name="Kuva 41" descr="Ilmaisia Kuvia : yö-, karnevaali, valaistus, festivaali ..."/>
           <p:cNvPicPr>
             <a:picLocks noChangeAspect="1"/>
           </p:cNvPicPr>
@@ -4015,7 +3194,7 @@
       </p:pic>
       <p:pic>
         <p:nvPicPr>
-          <p:cNvPr id="43" name="Kuva 42" descr="Clipart - &lt;strong&gt;Logo&lt;/strong&gt; &lt;strong&gt;Logo&lt;/strong&gt; Black on White Background"/>
+          <p:cNvPr id="6" name="Kuva 42" descr="Clipart - &lt;strong&gt;Logo&lt;/strong&gt; &lt;strong&gt;Logo&lt;/strong&gt; Black on White Background"/>
           <p:cNvPicPr>
             <a:picLocks noChangeAspect="1"/>
           </p:cNvPicPr>
@@ -4045,131 +3224,848 @@
       </p:pic>
       <p:sp>
         <p:nvSpPr>
-          <p:cNvPr id="44" name="Rectangle: Rounded Corners 31"/>
+          <p:cNvPr id="8" name="TextBox 7"/>
+          <p:cNvSpPr txBox="1"/>
+          <p:nvPr/>
+        </p:nvSpPr>
+        <p:spPr>
+          <a:xfrm>
+            <a:off x="2598001" y="2546812"/>
+            <a:ext cx="1538626" cy="646331"/>
+          </a:xfrm>
+          <a:prstGeom prst="rect">
+            <a:avLst/>
+          </a:prstGeom>
+          <a:noFill/>
+        </p:spPr>
+        <p:txBody>
+          <a:bodyPr wrap="none" rtlCol="0">
+            <a:spAutoFit/>
+          </a:bodyPr>
+          <a:lstStyle/>
+          <a:p>
+            <a:r>
+              <a:rPr lang="fi-FI" sz="3600" dirty="0" smtClean="0"/>
+              <a:t>Etusivu</a:t>
+            </a:r>
+            <a:endParaRPr lang="fi-FI" sz="3600" dirty="0"/>
+          </a:p>
+        </p:txBody>
+      </p:sp>
+      <p:sp>
+        <p:nvSpPr>
+          <p:cNvPr id="9" name="Rectangle 8"/>
           <p:cNvSpPr/>
           <p:nvPr/>
         </p:nvSpPr>
         <p:spPr>
           <a:xfrm>
-            <a:off x="4195911" y="6921897"/>
-            <a:ext cx="1745708" cy="570960"/>
+            <a:off x="5693281" y="3425664"/>
+            <a:ext cx="1164719" cy="7750336"/>
+          </a:xfrm>
+          <a:prstGeom prst="rect">
+            <a:avLst/>
+          </a:prstGeom>
+        </p:spPr>
+        <p:style>
+          <a:lnRef idx="2">
+            <a:schemeClr val="accent6">
+              <a:shade val="50000"/>
+            </a:schemeClr>
+          </a:lnRef>
+          <a:fillRef idx="1">
+            <a:schemeClr val="accent6"/>
+          </a:fillRef>
+          <a:effectRef idx="0">
+            <a:schemeClr val="accent6"/>
+          </a:effectRef>
+          <a:fontRef idx="minor">
+            <a:schemeClr val="lt1"/>
+          </a:fontRef>
+        </p:style>
+        <p:txBody>
+          <a:bodyPr rtlCol="0" anchor="ctr"/>
+          <a:lstStyle/>
+          <a:p>
+            <a:pPr algn="ctr"/>
+            <a:r>
+              <a:rPr lang="fi-FI" dirty="0" smtClean="0"/>
+              <a:t>Mainos</a:t>
+            </a:r>
+            <a:endParaRPr lang="fi-FI" dirty="0"/>
+          </a:p>
+        </p:txBody>
+      </p:sp>
+    </p:spTree>
+    <p:extLst>
+      <p:ext uri="{BB962C8B-B14F-4D97-AF65-F5344CB8AC3E}">
+        <p14:creationId xmlns:p14="http://schemas.microsoft.com/office/powerpoint/2010/main" val="3828862051"/>
+      </p:ext>
+    </p:extLst>
+  </p:cSld>
+  <p:clrMapOvr>
+    <a:masterClrMapping/>
+  </p:clrMapOvr>
+</p:sld>
+</file>
+
+<file path=ppt/slides/slide10.xml><?xml version="1.0" encoding="utf-8"?>
+<p:sld xmlns:a="http://schemas.openxmlformats.org/drawingml/2006/main" xmlns:r="http://schemas.openxmlformats.org/officeDocument/2006/relationships" xmlns:p="http://schemas.openxmlformats.org/presentationml/2006/main">
+  <p:cSld>
+    <p:spTree>
+      <p:nvGrpSpPr>
+        <p:cNvPr id="1" name=""/>
+        <p:cNvGrpSpPr/>
+        <p:nvPr/>
+      </p:nvGrpSpPr>
+      <p:grpSpPr>
+        <a:xfrm>
+          <a:off x="0" y="0"/>
+          <a:ext cx="0" cy="0"/>
+          <a:chOff x="0" y="0"/>
+          <a:chExt cx="0" cy="0"/>
+        </a:xfrm>
+      </p:grpSpPr>
+      <p:sp>
+        <p:nvSpPr>
+          <p:cNvPr id="2" name="TextBox 21"/>
+          <p:cNvSpPr txBox="1"/>
+          <p:nvPr/>
+        </p:nvSpPr>
+        <p:spPr>
+          <a:xfrm>
+            <a:off x="2506982" y="2521907"/>
+            <a:ext cx="1844033" cy="523219"/>
+          </a:xfrm>
+          <a:prstGeom prst="rect">
+            <a:avLst/>
+          </a:prstGeom>
+          <a:noFill/>
+          <a:ln cap="flat">
+            <a:noFill/>
+          </a:ln>
+        </p:spPr>
+        <p:txBody>
+          <a:bodyPr vert="horz" wrap="none" lIns="91440" tIns="45720" rIns="91440" bIns="45720" anchor="t" anchorCtr="0" compatLnSpc="1">
+            <a:spAutoFit/>
+          </a:bodyPr>
+          <a:lstStyle/>
+          <a:p>
+            <a:pPr marL="0" marR="0" lvl="0" indent="0" algn="l" defTabSz="457200" rtl="0" fontAlgn="auto" hangingPunct="1">
+              <a:lnSpc>
+                <a:spcPct val="100000"/>
+              </a:lnSpc>
+              <a:spcBef>
+                <a:spcPts val="0"/>
+              </a:spcBef>
+              <a:spcAft>
+                <a:spcPts val="0"/>
+              </a:spcAft>
+              <a:buNone/>
+              <a:tabLst/>
+              <a:defRPr sz="1800" b="0" i="0" u="none" strike="noStrike" kern="0" cap="none" spc="0" baseline="0">
+                <a:solidFill>
+                  <a:srgbClr val="000000"/>
+                </a:solidFill>
+                <a:uFillTx/>
+              </a:defRPr>
+            </a:pPr>
+            <a:r>
+              <a:rPr lang="fi-FI" sz="2800" b="1" i="0" u="none" strike="noStrike" kern="1200" cap="none" spc="0" baseline="0" dirty="0">
+                <a:solidFill>
+                  <a:srgbClr val="000000"/>
+                </a:solidFill>
+                <a:uFillTx/>
+                <a:latin typeface="Calibri"/>
+              </a:rPr>
+              <a:t>Turnaukset</a:t>
+            </a:r>
+          </a:p>
+        </p:txBody>
+      </p:sp>
+      <p:graphicFrame>
+        <p:nvGraphicFramePr>
+          <p:cNvPr id="3" name="Table 4"/>
+          <p:cNvGraphicFramePr>
+            <a:graphicFrameLocks noGrp="1"/>
+          </p:cNvGraphicFramePr>
+          <p:nvPr>
+            <p:extLst>
+              <p:ext uri="{D42A27DB-BD31-4B8C-83A1-F6EECF244321}">
+                <p14:modId xmlns:p14="http://schemas.microsoft.com/office/powerpoint/2010/main" val="20820854"/>
+              </p:ext>
+            </p:extLst>
+          </p:nvPr>
+        </p:nvGraphicFramePr>
+        <p:xfrm>
+          <a:off x="1143000" y="3632792"/>
+          <a:ext cx="4571999" cy="1244608"/>
+        </p:xfrm>
+        <a:graphic>
+          <a:graphicData uri="http://schemas.openxmlformats.org/drawingml/2006/table">
+            <a:tbl>
+              <a:tblPr firstRow="1" bandRow="1">
+                <a:effectLst/>
+                <a:tableStyleId>{5C22544A-7EE6-4342-B048-85BDC9FD1C3A}</a:tableStyleId>
+              </a:tblPr>
+              <a:tblGrid>
+                <a:gridCol w="1460497">
+                  <a:extLst>
+                    <a:ext uri="{9D8B030D-6E8A-4147-A177-3AD203B41FA5}">
+                      <a16:colId xmlns:a16="http://schemas.microsoft.com/office/drawing/2014/main" val="34014137"/>
+                    </a:ext>
+                  </a:extLst>
+                </a:gridCol>
+                <a:gridCol w="825502">
+                  <a:extLst>
+                    <a:ext uri="{9D8B030D-6E8A-4147-A177-3AD203B41FA5}">
+                      <a16:colId xmlns:a16="http://schemas.microsoft.com/office/drawing/2014/main" val="655676741"/>
+                    </a:ext>
+                  </a:extLst>
+                </a:gridCol>
+                <a:gridCol w="1143000">
+                  <a:extLst>
+                    <a:ext uri="{9D8B030D-6E8A-4147-A177-3AD203B41FA5}">
+                      <a16:colId xmlns:a16="http://schemas.microsoft.com/office/drawing/2014/main" val="1168256599"/>
+                    </a:ext>
+                  </a:extLst>
+                </a:gridCol>
+                <a:gridCol w="1143000">
+                  <a:extLst>
+                    <a:ext uri="{9D8B030D-6E8A-4147-A177-3AD203B41FA5}">
+                      <a16:colId xmlns:a16="http://schemas.microsoft.com/office/drawing/2014/main" val="3129346111"/>
+                    </a:ext>
+                  </a:extLst>
+                </a:gridCol>
+              </a:tblGrid>
+              <a:tr h="370844">
+                <a:tc>
+                  <a:txBody>
+                    <a:bodyPr/>
+                    <a:lstStyle/>
+                    <a:p>
+                      <a:pPr lvl="0"/>
+                      <a:r>
+                        <a:rPr lang="fi-FI" b="0">
+                          <a:solidFill>
+                            <a:srgbClr val="000000"/>
+                          </a:solidFill>
+                        </a:rPr>
+                        <a:t>Kolibri-turnaus2017</a:t>
+                      </a:r>
+                    </a:p>
+                  </a:txBody>
+                  <a:tcPr>
+                    <a:solidFill>
+                      <a:schemeClr val="accent5">
+                        <a:lumMod val="40000"/>
+                        <a:lumOff val="60000"/>
+                      </a:schemeClr>
+                    </a:solidFill>
+                  </a:tcPr>
+                </a:tc>
+                <a:tc>
+                  <a:txBody>
+                    <a:bodyPr/>
+                    <a:lstStyle/>
+                    <a:p>
+                      <a:pPr lvl="0"/>
+                      <a:endParaRPr lang="fi-FI" b="0" u="sng">
+                        <a:solidFill>
+                          <a:srgbClr val="000000"/>
+                        </a:solidFill>
+                      </a:endParaRPr>
+                    </a:p>
+                  </a:txBody>
+                  <a:tcPr>
+                    <a:solidFill>
+                      <a:schemeClr val="accent5">
+                        <a:lumMod val="40000"/>
+                        <a:lumOff val="60000"/>
+                      </a:schemeClr>
+                    </a:solidFill>
+                  </a:tcPr>
+                </a:tc>
+                <a:tc>
+                  <a:txBody>
+                    <a:bodyPr/>
+                    <a:lstStyle/>
+                    <a:p>
+                      <a:pPr lvl="0"/>
+                      <a:r>
+                        <a:rPr lang="fi-FI" b="0" u="sng">
+                          <a:solidFill>
+                            <a:srgbClr val="000000"/>
+                          </a:solidFill>
+                        </a:rPr>
+                        <a:t>Muokkaa</a:t>
+                      </a:r>
+                    </a:p>
+                  </a:txBody>
+                  <a:tcPr>
+                    <a:solidFill>
+                      <a:schemeClr val="accent5">
+                        <a:lumMod val="40000"/>
+                        <a:lumOff val="60000"/>
+                      </a:schemeClr>
+                    </a:solidFill>
+                  </a:tcPr>
+                </a:tc>
+                <a:tc>
+                  <a:txBody>
+                    <a:bodyPr/>
+                    <a:lstStyle/>
+                    <a:p>
+                      <a:pPr lvl="0"/>
+                      <a:r>
+                        <a:rPr lang="fi-FI" b="0" u="sng">
+                          <a:solidFill>
+                            <a:srgbClr val="000000"/>
+                          </a:solidFill>
+                        </a:rPr>
+                        <a:t>Poista</a:t>
+                      </a:r>
+                    </a:p>
+                  </a:txBody>
+                  <a:tcPr>
+                    <a:solidFill>
+                      <a:schemeClr val="accent5">
+                        <a:lumMod val="40000"/>
+                        <a:lumOff val="60000"/>
+                      </a:schemeClr>
+                    </a:solidFill>
+                  </a:tcPr>
+                </a:tc>
+                <a:extLst>
+                  <a:ext uri="{0D108BD9-81ED-4DB2-BD59-A6C34878D82A}">
+                    <a16:rowId xmlns:a16="http://schemas.microsoft.com/office/drawing/2014/main" val="3441351599"/>
+                  </a:ext>
+                </a:extLst>
+              </a:tr>
+              <a:tr h="370844">
+                <a:tc>
+                  <a:txBody>
+                    <a:bodyPr/>
+                    <a:lstStyle/>
+                    <a:p>
+                      <a:pPr lvl="0"/>
+                      <a:r>
+                        <a:rPr lang="fi-FI">
+                          <a:solidFill>
+                            <a:srgbClr val="000000"/>
+                          </a:solidFill>
+                        </a:rPr>
+                        <a:t>Beach SM 2017</a:t>
+                      </a:r>
+                    </a:p>
+                  </a:txBody>
+                  <a:tcPr>
+                    <a:solidFill>
+                      <a:schemeClr val="accent5">
+                        <a:lumMod val="40000"/>
+                        <a:lumOff val="60000"/>
+                      </a:schemeClr>
+                    </a:solidFill>
+                  </a:tcPr>
+                </a:tc>
+                <a:tc>
+                  <a:txBody>
+                    <a:bodyPr/>
+                    <a:lstStyle/>
+                    <a:p>
+                      <a:pPr lvl="0"/>
+                      <a:endParaRPr lang="fi-FI" u="sng">
+                        <a:solidFill>
+                          <a:srgbClr val="000000"/>
+                        </a:solidFill>
+                      </a:endParaRPr>
+                    </a:p>
+                  </a:txBody>
+                  <a:tcPr>
+                    <a:solidFill>
+                      <a:schemeClr val="accent5">
+                        <a:lumMod val="40000"/>
+                        <a:lumOff val="60000"/>
+                      </a:schemeClr>
+                    </a:solidFill>
+                  </a:tcPr>
+                </a:tc>
+                <a:tc>
+                  <a:txBody>
+                    <a:bodyPr/>
+                    <a:lstStyle/>
+                    <a:p>
+                      <a:pPr lvl="0"/>
+                      <a:r>
+                        <a:rPr lang="fi-FI" u="sng">
+                          <a:solidFill>
+                            <a:srgbClr val="000000"/>
+                          </a:solidFill>
+                        </a:rPr>
+                        <a:t>Muokkaa</a:t>
+                      </a:r>
+                    </a:p>
+                  </a:txBody>
+                  <a:tcPr>
+                    <a:solidFill>
+                      <a:schemeClr val="accent5">
+                        <a:lumMod val="40000"/>
+                        <a:lumOff val="60000"/>
+                      </a:schemeClr>
+                    </a:solidFill>
+                  </a:tcPr>
+                </a:tc>
+                <a:tc>
+                  <a:txBody>
+                    <a:bodyPr/>
+                    <a:lstStyle/>
+                    <a:p>
+                      <a:pPr lvl="0"/>
+                      <a:r>
+                        <a:rPr lang="fi-FI" u="sng">
+                          <a:solidFill>
+                            <a:srgbClr val="000000"/>
+                          </a:solidFill>
+                        </a:rPr>
+                        <a:t>Poista</a:t>
+                      </a:r>
+                    </a:p>
+                  </a:txBody>
+                  <a:tcPr>
+                    <a:solidFill>
+                      <a:schemeClr val="accent5">
+                        <a:lumMod val="40000"/>
+                        <a:lumOff val="60000"/>
+                      </a:schemeClr>
+                    </a:solidFill>
+                  </a:tcPr>
+                </a:tc>
+                <a:extLst>
+                  <a:ext uri="{0D108BD9-81ED-4DB2-BD59-A6C34878D82A}">
+                    <a16:rowId xmlns:a16="http://schemas.microsoft.com/office/drawing/2014/main" val="3513352729"/>
+                  </a:ext>
+                </a:extLst>
+              </a:tr>
+              <a:tr h="370844">
+                <a:tc>
+                  <a:txBody>
+                    <a:bodyPr/>
+                    <a:lstStyle/>
+                    <a:p>
+                      <a:pPr lvl="0"/>
+                      <a:r>
+                        <a:rPr lang="fi-FI">
+                          <a:solidFill>
+                            <a:srgbClr val="000000"/>
+                          </a:solidFill>
+                        </a:rPr>
+                        <a:t>M65 SM</a:t>
+                      </a:r>
+                    </a:p>
+                  </a:txBody>
+                  <a:tcPr>
+                    <a:solidFill>
+                      <a:schemeClr val="accent5">
+                        <a:lumMod val="40000"/>
+                        <a:lumOff val="60000"/>
+                      </a:schemeClr>
+                    </a:solidFill>
+                  </a:tcPr>
+                </a:tc>
+                <a:tc>
+                  <a:txBody>
+                    <a:bodyPr/>
+                    <a:lstStyle/>
+                    <a:p>
+                      <a:pPr lvl="0"/>
+                      <a:endParaRPr lang="fi-FI" u="sng">
+                        <a:solidFill>
+                          <a:srgbClr val="000000"/>
+                        </a:solidFill>
+                      </a:endParaRPr>
+                    </a:p>
+                  </a:txBody>
+                  <a:tcPr>
+                    <a:solidFill>
+                      <a:schemeClr val="accent5">
+                        <a:lumMod val="40000"/>
+                        <a:lumOff val="60000"/>
+                      </a:schemeClr>
+                    </a:solidFill>
+                  </a:tcPr>
+                </a:tc>
+                <a:tc>
+                  <a:txBody>
+                    <a:bodyPr/>
+                    <a:lstStyle/>
+                    <a:p>
+                      <a:pPr lvl="0"/>
+                      <a:r>
+                        <a:rPr lang="fi-FI" u="sng">
+                          <a:solidFill>
+                            <a:srgbClr val="000000"/>
+                          </a:solidFill>
+                        </a:rPr>
+                        <a:t>Muokkaa</a:t>
+                      </a:r>
+                    </a:p>
+                  </a:txBody>
+                  <a:tcPr>
+                    <a:solidFill>
+                      <a:schemeClr val="accent5">
+                        <a:lumMod val="40000"/>
+                        <a:lumOff val="60000"/>
+                      </a:schemeClr>
+                    </a:solidFill>
+                  </a:tcPr>
+                </a:tc>
+                <a:tc>
+                  <a:txBody>
+                    <a:bodyPr/>
+                    <a:lstStyle/>
+                    <a:p>
+                      <a:pPr lvl="0"/>
+                      <a:r>
+                        <a:rPr lang="fi-FI" u="sng" dirty="0">
+                          <a:solidFill>
+                            <a:srgbClr val="000000"/>
+                          </a:solidFill>
+                        </a:rPr>
+                        <a:t>Poista</a:t>
+                      </a:r>
+                    </a:p>
+                  </a:txBody>
+                  <a:tcPr>
+                    <a:solidFill>
+                      <a:schemeClr val="accent5">
+                        <a:lumMod val="40000"/>
+                        <a:lumOff val="60000"/>
+                      </a:schemeClr>
+                    </a:solidFill>
+                  </a:tcPr>
+                </a:tc>
+                <a:extLst>
+                  <a:ext uri="{0D108BD9-81ED-4DB2-BD59-A6C34878D82A}">
+                    <a16:rowId xmlns:a16="http://schemas.microsoft.com/office/drawing/2014/main" val="3094234577"/>
+                  </a:ext>
+                </a:extLst>
+              </a:tr>
+            </a:tbl>
+          </a:graphicData>
+        </a:graphic>
+      </p:graphicFrame>
+      <p:pic>
+        <p:nvPicPr>
+          <p:cNvPr id="5" name="Kuva 4" descr="Ilmaisia Kuvia : yö-, karnevaali, valaistus, festivaali ..."/>
+          <p:cNvPicPr>
+            <a:picLocks noChangeAspect="1"/>
+          </p:cNvPicPr>
+          <p:nvPr/>
+        </p:nvPicPr>
+        <p:blipFill>
+          <a:blip r:embed="rId2" cstate="print">
+            <a:extLst>
+              <a:ext uri="{28A0092B-C50C-407E-A947-70E740481C1C}">
+                <a14:useLocalDpi xmlns:a14="http://schemas.microsoft.com/office/drawing/2010/main" val="0"/>
+              </a:ext>
+            </a:extLst>
+          </a:blip>
+          <a:stretch>
+            <a:fillRect/>
+          </a:stretch>
+        </p:blipFill>
+        <p:spPr>
+          <a:xfrm>
+            <a:off x="325632" y="-4036"/>
+            <a:ext cx="4440672" cy="1714850"/>
+          </a:xfrm>
+          <a:prstGeom prst="rect">
+            <a:avLst/>
+          </a:prstGeom>
+        </p:spPr>
+      </p:pic>
+      <p:pic>
+        <p:nvPicPr>
+          <p:cNvPr id="6" name="Kuva 5" descr="Clipart - &lt;strong&gt;Logo&lt;/strong&gt; &lt;strong&gt;Logo&lt;/strong&gt; Black on White Background"/>
+          <p:cNvPicPr>
+            <a:picLocks noChangeAspect="1"/>
+          </p:cNvPicPr>
+          <p:nvPr/>
+        </p:nvPicPr>
+        <p:blipFill>
+          <a:blip r:embed="rId3" cstate="print">
+            <a:extLst>
+              <a:ext uri="{28A0092B-C50C-407E-A947-70E740481C1C}">
+                <a14:useLocalDpi xmlns:a14="http://schemas.microsoft.com/office/drawing/2010/main" val="0"/>
+              </a:ext>
+            </a:extLst>
+          </a:blip>
+          <a:stretch>
+            <a:fillRect/>
+          </a:stretch>
+        </p:blipFill>
+        <p:spPr>
+          <a:xfrm>
+            <a:off x="4766304" y="-5268"/>
+            <a:ext cx="2091695" cy="963923"/>
+          </a:xfrm>
+          <a:prstGeom prst="rect">
+            <a:avLst/>
+          </a:prstGeom>
+        </p:spPr>
+      </p:pic>
+      <p:sp>
+        <p:nvSpPr>
+          <p:cNvPr id="7" name="Suorakulmio 6"/>
+          <p:cNvSpPr/>
+          <p:nvPr/>
+        </p:nvSpPr>
+        <p:spPr>
+          <a:xfrm>
+            <a:off x="1" y="1710814"/>
+            <a:ext cx="1886616" cy="575186"/>
+          </a:xfrm>
+          <a:prstGeom prst="rect">
+            <a:avLst/>
+          </a:prstGeom>
+        </p:spPr>
+        <p:style>
+          <a:lnRef idx="1">
+            <a:schemeClr val="accent3"/>
+          </a:lnRef>
+          <a:fillRef idx="2">
+            <a:schemeClr val="accent3"/>
+          </a:fillRef>
+          <a:effectRef idx="1">
+            <a:schemeClr val="accent3"/>
+          </a:effectRef>
+          <a:fontRef idx="minor">
+            <a:schemeClr val="dk1"/>
+          </a:fontRef>
+        </p:style>
+        <p:txBody>
+          <a:bodyPr rtlCol="0" anchor="ctr"/>
+          <a:lstStyle/>
+          <a:p>
+            <a:pPr algn="ctr"/>
+            <a:r>
+              <a:rPr lang="fi-FI" dirty="0" smtClean="0"/>
+              <a:t>Ilmoittautuneet</a:t>
+            </a:r>
+            <a:endParaRPr lang="fi-FI" dirty="0"/>
+          </a:p>
+        </p:txBody>
+      </p:sp>
+      <p:sp>
+        <p:nvSpPr>
+          <p:cNvPr id="8" name="Suorakulmio 7"/>
+          <p:cNvSpPr/>
+          <p:nvPr/>
+        </p:nvSpPr>
+        <p:spPr>
+          <a:xfrm>
+            <a:off x="1903333" y="1714241"/>
+            <a:ext cx="1886616" cy="575186"/>
+          </a:xfrm>
+          <a:prstGeom prst="rect">
+            <a:avLst/>
+          </a:prstGeom>
+        </p:spPr>
+        <p:style>
+          <a:lnRef idx="1">
+            <a:schemeClr val="accent3"/>
+          </a:lnRef>
+          <a:fillRef idx="2">
+            <a:schemeClr val="accent3"/>
+          </a:fillRef>
+          <a:effectRef idx="1">
+            <a:schemeClr val="accent3"/>
+          </a:effectRef>
+          <a:fontRef idx="minor">
+            <a:schemeClr val="dk1"/>
+          </a:fontRef>
+        </p:style>
+        <p:txBody>
+          <a:bodyPr rtlCol="0" anchor="ctr"/>
+          <a:lstStyle/>
+          <a:p>
+            <a:pPr algn="ctr"/>
+            <a:r>
+              <a:rPr lang="fi-FI" dirty="0" smtClean="0"/>
+              <a:t>Turnaukset</a:t>
+            </a:r>
+            <a:endParaRPr lang="fi-FI" dirty="0"/>
+          </a:p>
+        </p:txBody>
+      </p:sp>
+      <p:sp>
+        <p:nvSpPr>
+          <p:cNvPr id="9" name="Suorakulmio 8"/>
+          <p:cNvSpPr/>
+          <p:nvPr/>
+        </p:nvSpPr>
+        <p:spPr>
+          <a:xfrm>
+            <a:off x="3806665" y="1710814"/>
+            <a:ext cx="1886616" cy="575186"/>
+          </a:xfrm>
+          <a:prstGeom prst="rect">
+            <a:avLst/>
+          </a:prstGeom>
+        </p:spPr>
+        <p:style>
+          <a:lnRef idx="1">
+            <a:schemeClr val="accent3"/>
+          </a:lnRef>
+          <a:fillRef idx="2">
+            <a:schemeClr val="accent3"/>
+          </a:fillRef>
+          <a:effectRef idx="1">
+            <a:schemeClr val="accent3"/>
+          </a:effectRef>
+          <a:fontRef idx="minor">
+            <a:schemeClr val="dk1"/>
+          </a:fontRef>
+        </p:style>
+        <p:txBody>
+          <a:bodyPr rtlCol="0" anchor="ctr"/>
+          <a:lstStyle/>
+          <a:p>
+            <a:pPr algn="ctr"/>
+            <a:endParaRPr lang="fi-FI" dirty="0"/>
+          </a:p>
+        </p:txBody>
+      </p:sp>
+      <p:sp>
+        <p:nvSpPr>
+          <p:cNvPr id="10" name="Rectangle: Rounded Corners 12"/>
+          <p:cNvSpPr/>
+          <p:nvPr/>
+        </p:nvSpPr>
+        <p:spPr>
+          <a:xfrm>
+            <a:off x="1143000" y="5106332"/>
+            <a:ext cx="1715652" cy="612931"/>
           </a:xfrm>
           <a:custGeom>
-            <a:avLst/>
+            <a:avLst>
+              <a:gd name="f10" fmla="val 3600"/>
+            </a:avLst>
             <a:gdLst>
-              <a:gd name="f0" fmla="val 10800000"/>
-              <a:gd name="f1" fmla="val 5400000"/>
-              <a:gd name="f2" fmla="val 16200000"/>
-              <a:gd name="f3" fmla="val w"/>
-              <a:gd name="f4" fmla="val h"/>
-              <a:gd name="f5" fmla="val ss"/>
-              <a:gd name="f6" fmla="val 0"/>
-              <a:gd name="f7" fmla="*/ 5419351 1 1725033"/>
-              <a:gd name="f8" fmla="val 45"/>
-              <a:gd name="f9" fmla="val 3600"/>
-              <a:gd name="f10" fmla="abs f3"/>
+              <a:gd name="f1" fmla="val 10800000"/>
+              <a:gd name="f2" fmla="val 5400000"/>
+              <a:gd name="f3" fmla="val 16200000"/>
+              <a:gd name="f4" fmla="val w"/>
+              <a:gd name="f5" fmla="val h"/>
+              <a:gd name="f6" fmla="val ss"/>
+              <a:gd name="f7" fmla="val 0"/>
+              <a:gd name="f8" fmla="*/ 5419351 1 1725033"/>
+              <a:gd name="f9" fmla="val 45"/>
+              <a:gd name="f10" fmla="val 3600"/>
               <a:gd name="f11" fmla="abs f4"/>
               <a:gd name="f12" fmla="abs f5"/>
-              <a:gd name="f13" fmla="*/ f7 1 180"/>
-              <a:gd name="f14" fmla="+- 0 0 f1"/>
-              <a:gd name="f15" fmla="+- f6 f9 0"/>
-              <a:gd name="f16" fmla="?: f10 f3 1"/>
+              <a:gd name="f13" fmla="abs f6"/>
+              <a:gd name="f14" fmla="*/ f8 1 180"/>
+              <a:gd name="f15" fmla="val f10"/>
+              <a:gd name="f16" fmla="+- 0 0 f2"/>
               <a:gd name="f17" fmla="?: f11 f4 1"/>
               <a:gd name="f18" fmla="?: f12 f5 1"/>
-              <a:gd name="f19" fmla="*/ f8 f13 1"/>
-              <a:gd name="f20" fmla="+- f6 0 f15"/>
-              <a:gd name="f21" fmla="+- f15 0 f6"/>
-              <a:gd name="f22" fmla="*/ f16 1 21600"/>
-              <a:gd name="f23" fmla="*/ f17 1 21600"/>
-              <a:gd name="f24" fmla="*/ 21600 f16 1"/>
-              <a:gd name="f25" fmla="*/ 21600 f17 1"/>
-              <a:gd name="f26" fmla="+- 0 0 f19"/>
-              <a:gd name="f27" fmla="abs f20"/>
-              <a:gd name="f28" fmla="abs f21"/>
-              <a:gd name="f29" fmla="?: f20 f14 f1"/>
-              <a:gd name="f30" fmla="?: f20 f1 f14"/>
-              <a:gd name="f31" fmla="?: f20 f2 f1"/>
-              <a:gd name="f32" fmla="?: f20 f1 f2"/>
-              <a:gd name="f33" fmla="?: f21 f14 f1"/>
-              <a:gd name="f34" fmla="?: f21 f1 f14"/>
-              <a:gd name="f35" fmla="?: f20 0 f0"/>
-              <a:gd name="f36" fmla="?: f20 f0 0"/>
-              <a:gd name="f37" fmla="min f23 f22"/>
-              <a:gd name="f38" fmla="*/ f24 1 f18"/>
-              <a:gd name="f39" fmla="*/ f25 1 f18"/>
-              <a:gd name="f40" fmla="*/ f26 f0 1"/>
-              <a:gd name="f41" fmla="?: f20 f32 f31"/>
-              <a:gd name="f42" fmla="?: f20 f31 f32"/>
-              <a:gd name="f43" fmla="?: f21 f30 f29"/>
-              <a:gd name="f44" fmla="val f38"/>
-              <a:gd name="f45" fmla="val f39"/>
-              <a:gd name="f46" fmla="*/ f40 1 f7"/>
-              <a:gd name="f47" fmla="?: f21 f42 f41"/>
-              <a:gd name="f48" fmla="*/ f15 f37 1"/>
-              <a:gd name="f49" fmla="*/ f6 f37 1"/>
-              <a:gd name="f50" fmla="*/ f27 f37 1"/>
-              <a:gd name="f51" fmla="*/ f28 f37 1"/>
-              <a:gd name="f52" fmla="+- f45 0 f9"/>
-              <a:gd name="f53" fmla="+- f44 0 f9"/>
-              <a:gd name="f54" fmla="+- f46 0 f1"/>
-              <a:gd name="f55" fmla="*/ f45 f37 1"/>
-              <a:gd name="f56" fmla="*/ f44 f37 1"/>
-              <a:gd name="f57" fmla="+- f45 0 f52"/>
-              <a:gd name="f58" fmla="+- f44 0 f53"/>
-              <a:gd name="f59" fmla="+- f52 0 f45"/>
-              <a:gd name="f60" fmla="+- f53 0 f44"/>
-              <a:gd name="f61" fmla="+- f54 f1 0"/>
-              <a:gd name="f62" fmla="*/ f52 f37 1"/>
-              <a:gd name="f63" fmla="*/ f53 f37 1"/>
-              <a:gd name="f64" fmla="abs f57"/>
-              <a:gd name="f65" fmla="?: f57 0 f0"/>
-              <a:gd name="f66" fmla="?: f57 f0 0"/>
-              <a:gd name="f67" fmla="?: f57 f33 f34"/>
-              <a:gd name="f68" fmla="abs f58"/>
-              <a:gd name="f69" fmla="abs f59"/>
-              <a:gd name="f70" fmla="?: f58 f14 f1"/>
-              <a:gd name="f71" fmla="?: f58 f1 f14"/>
-              <a:gd name="f72" fmla="?: f58 f2 f1"/>
-              <a:gd name="f73" fmla="?: f58 f1 f2"/>
-              <a:gd name="f74" fmla="abs f60"/>
-              <a:gd name="f75" fmla="?: f60 f14 f1"/>
-              <a:gd name="f76" fmla="?: f60 f1 f14"/>
-              <a:gd name="f77" fmla="?: f60 f36 f35"/>
-              <a:gd name="f78" fmla="?: f60 f35 f36"/>
-              <a:gd name="f79" fmla="*/ f61 f7 1"/>
-              <a:gd name="f80" fmla="?: f21 f66 f65"/>
-              <a:gd name="f81" fmla="?: f21 f65 f66"/>
-              <a:gd name="f82" fmla="?: f58 f73 f72"/>
-              <a:gd name="f83" fmla="?: f58 f72 f73"/>
-              <a:gd name="f84" fmla="?: f59 f71 f70"/>
-              <a:gd name="f85" fmla="?: f20 f77 f78"/>
-              <a:gd name="f86" fmla="?: f20 f75 f76"/>
-              <a:gd name="f87" fmla="*/ f79 1 f0"/>
-              <a:gd name="f88" fmla="*/ f64 f37 1"/>
-              <a:gd name="f89" fmla="*/ f68 f37 1"/>
-              <a:gd name="f90" fmla="*/ f69 f37 1"/>
-              <a:gd name="f91" fmla="*/ f74 f37 1"/>
-              <a:gd name="f92" fmla="?: f57 f80 f81"/>
-              <a:gd name="f93" fmla="?: f59 f83 f82"/>
-              <a:gd name="f94" fmla="+- 0 0 f87"/>
-              <a:gd name="f95" fmla="+- 0 0 f94"/>
-              <a:gd name="f96" fmla="*/ f95 f0 1"/>
-              <a:gd name="f97" fmla="*/ f96 1 f7"/>
-              <a:gd name="f98" fmla="+- f97 0 f1"/>
-              <a:gd name="f99" fmla="cos 1 f98"/>
-              <a:gd name="f100" fmla="+- 0 0 f99"/>
-              <a:gd name="f101" fmla="+- 0 0 f100"/>
-              <a:gd name="f102" fmla="val f101"/>
+              <a:gd name="f19" fmla="?: f13 f6 1"/>
+              <a:gd name="f20" fmla="*/ f9 f14 1"/>
+              <a:gd name="f21" fmla="+- f7 f15 0"/>
+              <a:gd name="f22" fmla="*/ f17 1 21600"/>
+              <a:gd name="f23" fmla="*/ f18 1 21600"/>
+              <a:gd name="f24" fmla="*/ 21600 f17 1"/>
+              <a:gd name="f25" fmla="*/ 21600 f18 1"/>
+              <a:gd name="f26" fmla="+- 0 0 f20"/>
+              <a:gd name="f27" fmla="+- f7 0 f21"/>
+              <a:gd name="f28" fmla="+- f21 0 f7"/>
+              <a:gd name="f29" fmla="min f23 f22"/>
+              <a:gd name="f30" fmla="*/ f24 1 f19"/>
+              <a:gd name="f31" fmla="*/ f25 1 f19"/>
+              <a:gd name="f32" fmla="*/ f26 f1 1"/>
+              <a:gd name="f33" fmla="abs f27"/>
+              <a:gd name="f34" fmla="abs f28"/>
+              <a:gd name="f35" fmla="?: f27 f16 f2"/>
+              <a:gd name="f36" fmla="?: f27 f2 f16"/>
+              <a:gd name="f37" fmla="?: f27 f3 f2"/>
+              <a:gd name="f38" fmla="?: f27 f2 f3"/>
+              <a:gd name="f39" fmla="?: f28 f16 f2"/>
+              <a:gd name="f40" fmla="?: f28 f2 f16"/>
+              <a:gd name="f41" fmla="?: f27 0 f1"/>
+              <a:gd name="f42" fmla="?: f27 f1 0"/>
+              <a:gd name="f43" fmla="val f30"/>
+              <a:gd name="f44" fmla="val f31"/>
+              <a:gd name="f45" fmla="*/ f32 1 f8"/>
+              <a:gd name="f46" fmla="?: f27 f38 f37"/>
+              <a:gd name="f47" fmla="?: f27 f37 f38"/>
+              <a:gd name="f48" fmla="?: f28 f36 f35"/>
+              <a:gd name="f49" fmla="*/ f21 f29 1"/>
+              <a:gd name="f50" fmla="*/ f7 f29 1"/>
+              <a:gd name="f51" fmla="*/ f33 f29 1"/>
+              <a:gd name="f52" fmla="*/ f34 f29 1"/>
+              <a:gd name="f53" fmla="+- f44 0 f15"/>
+              <a:gd name="f54" fmla="+- f43 0 f15"/>
+              <a:gd name="f55" fmla="+- f45 0 f2"/>
+              <a:gd name="f56" fmla="?: f28 f47 f46"/>
+              <a:gd name="f57" fmla="*/ f44 f29 1"/>
+              <a:gd name="f58" fmla="*/ f43 f29 1"/>
+              <a:gd name="f59" fmla="+- f55 f2 0"/>
+              <a:gd name="f60" fmla="+- f44 0 f53"/>
+              <a:gd name="f61" fmla="+- f43 0 f54"/>
+              <a:gd name="f62" fmla="+- f53 0 f44"/>
+              <a:gd name="f63" fmla="+- f54 0 f43"/>
+              <a:gd name="f64" fmla="*/ f53 f29 1"/>
+              <a:gd name="f65" fmla="*/ f54 f29 1"/>
+              <a:gd name="f66" fmla="*/ f59 f8 1"/>
+              <a:gd name="f67" fmla="abs f60"/>
+              <a:gd name="f68" fmla="?: f60 0 f1"/>
+              <a:gd name="f69" fmla="?: f60 f1 0"/>
+              <a:gd name="f70" fmla="?: f60 f39 f40"/>
+              <a:gd name="f71" fmla="abs f61"/>
+              <a:gd name="f72" fmla="abs f62"/>
+              <a:gd name="f73" fmla="?: f61 f16 f2"/>
+              <a:gd name="f74" fmla="?: f61 f2 f16"/>
+              <a:gd name="f75" fmla="?: f61 f3 f2"/>
+              <a:gd name="f76" fmla="?: f61 f2 f3"/>
+              <a:gd name="f77" fmla="abs f63"/>
+              <a:gd name="f78" fmla="?: f63 f16 f2"/>
+              <a:gd name="f79" fmla="?: f63 f2 f16"/>
+              <a:gd name="f80" fmla="?: f63 f42 f41"/>
+              <a:gd name="f81" fmla="?: f63 f41 f42"/>
+              <a:gd name="f82" fmla="*/ f66 1 f1"/>
+              <a:gd name="f83" fmla="?: f28 f69 f68"/>
+              <a:gd name="f84" fmla="?: f28 f68 f69"/>
+              <a:gd name="f85" fmla="?: f61 f76 f75"/>
+              <a:gd name="f86" fmla="?: f61 f75 f76"/>
+              <a:gd name="f87" fmla="?: f62 f74 f73"/>
+              <a:gd name="f88" fmla="?: f27 f80 f81"/>
+              <a:gd name="f89" fmla="?: f27 f78 f79"/>
+              <a:gd name="f90" fmla="*/ f67 f29 1"/>
+              <a:gd name="f91" fmla="*/ f71 f29 1"/>
+              <a:gd name="f92" fmla="*/ f72 f29 1"/>
+              <a:gd name="f93" fmla="*/ f77 f29 1"/>
+              <a:gd name="f94" fmla="+- 0 0 f82"/>
+              <a:gd name="f95" fmla="?: f60 f83 f84"/>
+              <a:gd name="f96" fmla="?: f62 f86 f85"/>
+              <a:gd name="f97" fmla="+- 0 0 f94"/>
+              <a:gd name="f98" fmla="*/ f97 f1 1"/>
+              <a:gd name="f99" fmla="*/ f98 1 f8"/>
+              <a:gd name="f100" fmla="+- f99 0 f2"/>
+              <a:gd name="f101" fmla="cos 1 f100"/>
+              <a:gd name="f102" fmla="+- 0 0 f101"/>
               <a:gd name="f103" fmla="+- 0 0 f102"/>
-              <a:gd name="f104" fmla="*/ f9 f103 1"/>
-              <a:gd name="f105" fmla="*/ f104 3163 1"/>
-              <a:gd name="f106" fmla="*/ f105 1 7636"/>
-              <a:gd name="f107" fmla="+- f6 f106 0"/>
-              <a:gd name="f108" fmla="+- f44 0 f106"/>
-              <a:gd name="f109" fmla="+- f45 0 f106"/>
-              <a:gd name="f110" fmla="*/ f107 f37 1"/>
-              <a:gd name="f111" fmla="*/ f108 f37 1"/>
-              <a:gd name="f112" fmla="*/ f109 f37 1"/>
+              <a:gd name="f104" fmla="val f103"/>
+              <a:gd name="f105" fmla="+- 0 0 f104"/>
+              <a:gd name="f106" fmla="*/ f15 f105 1"/>
+              <a:gd name="f107" fmla="*/ f106 3163 1"/>
+              <a:gd name="f108" fmla="*/ f107 1 7636"/>
+              <a:gd name="f109" fmla="+- f7 f108 0"/>
+              <a:gd name="f110" fmla="+- f43 0 f108"/>
+              <a:gd name="f111" fmla="+- f44 0 f108"/>
+              <a:gd name="f112" fmla="*/ f109 f29 1"/>
+              <a:gd name="f113" fmla="*/ f110 f29 1"/>
+              <a:gd name="f114" fmla="*/ f111 f29 1"/>
             </a:gdLst>
             <a:ahLst/>
             <a:cxnLst>
@@ -4186,25 +4082,25 @@
                 <a:pos x="l" y="vc"/>
               </a:cxn>
             </a:cxnLst>
-            <a:rect l="f110" t="f110" r="f111" b="f112"/>
+            <a:rect l="f112" t="f112" r="f113" b="f114"/>
             <a:pathLst>
               <a:path>
                 <a:moveTo>
-                  <a:pt x="f48" y="f49"/>
+                  <a:pt x="f49" y="f50"/>
                 </a:moveTo>
-                <a:arcTo wR="f50" hR="f51" stAng="f47" swAng="f43"/>
+                <a:arcTo wR="f51" hR="f52" stAng="f56" swAng="f48"/>
                 <a:lnTo>
-                  <a:pt x="f49" y="f62"/>
+                  <a:pt x="f50" y="f64"/>
                 </a:lnTo>
-                <a:arcTo wR="f51" hR="f88" stAng="f92" swAng="f67"/>
+                <a:arcTo wR="f52" hR="f90" stAng="f95" swAng="f70"/>
                 <a:lnTo>
-                  <a:pt x="f63" y="f55"/>
+                  <a:pt x="f65" y="f57"/>
                 </a:lnTo>
-                <a:arcTo wR="f89" hR="f90" stAng="f93" swAng="f84"/>
+                <a:arcTo wR="f91" hR="f92" stAng="f96" swAng="f87"/>
                 <a:lnTo>
-                  <a:pt x="f56" y="f48"/>
+                  <a:pt x="f58" y="f49"/>
                 </a:lnTo>
-                <a:arcTo wR="f91" hR="f50" stAng="f85" swAng="f86"/>
+                <a:arcTo wR="f93" hR="f51" stAng="f88" swAng="f89"/>
                 <a:close/>
               </a:path>
             </a:pathLst>
@@ -4231,7 +4127,7 @@
           </a:bodyPr>
           <a:lstStyle/>
           <a:p>
-            <a:pPr marL="0" marR="0" lvl="0" indent="0" algn="ctr" defTabSz="457200" rtl="0" fontAlgn="auto" hangingPunct="1">
+            <a:pPr marL="0" marR="0" lvl="0" indent="0" algn="ctr" defTabSz="914400" rtl="0" fontAlgn="auto" hangingPunct="1">
               <a:lnSpc>
                 <a:spcPct val="100000"/>
               </a:lnSpc>
@@ -4257,7 +4153,7 @@
                 </a:solidFill>
                 <a:latin typeface="Calibri"/>
               </a:rPr>
-              <a:t>Ilmoittaudu</a:t>
+              <a:t>Lisää turnaus</a:t>
             </a:r>
             <a:endParaRPr lang="fi-FI" sz="1800" b="0" i="0" u="none" strike="noStrike" kern="1200" cap="none" spc="0" baseline="0" dirty="0">
               <a:solidFill>
@@ -4272,7 +4168,7 @@
     </p:spTree>
     <p:extLst>
       <p:ext uri="{BB962C8B-B14F-4D97-AF65-F5344CB8AC3E}">
-        <p14:creationId xmlns:p14="http://schemas.microsoft.com/office/powerpoint/2010/main" val="3575265519"/>
+        <p14:creationId xmlns:p14="http://schemas.microsoft.com/office/powerpoint/2010/main" val="1300036238"/>
       </p:ext>
     </p:extLst>
   </p:cSld>
@@ -4282,7 +4178,7 @@
 </p:sld>
 </file>
 
-<file path=ppt/slides/slide10.xml><?xml version="1.0" encoding="utf-8"?>
+<file path=ppt/slides/slide11.xml><?xml version="1.0" encoding="utf-8"?>
 <p:sld xmlns:a="http://schemas.openxmlformats.org/drawingml/2006/main" xmlns:r="http://schemas.openxmlformats.org/officeDocument/2006/relationships" xmlns:p="http://schemas.openxmlformats.org/presentationml/2006/main">
   <p:cSld>
     <p:spTree>
@@ -7551,7 +7447,7 @@
 </p:sld>
 </file>
 
-<file path=ppt/slides/slide11.xml><?xml version="1.0" encoding="utf-8"?>
+<file path=ppt/slides/slide12.xml><?xml version="1.0" encoding="utf-8"?>
 <p:sld xmlns:a="http://schemas.openxmlformats.org/drawingml/2006/main" xmlns:r="http://schemas.openxmlformats.org/officeDocument/2006/relationships" xmlns:p="http://schemas.openxmlformats.org/presentationml/2006/main">
   <p:cSld>
     <p:spTree>
@@ -9150,6 +9046,1320 @@
       </p:grpSpPr>
       <p:sp>
         <p:nvSpPr>
+          <p:cNvPr id="23" name="Rectangle 7"/>
+          <p:cNvSpPr/>
+          <p:nvPr/>
+        </p:nvSpPr>
+        <p:spPr>
+          <a:xfrm>
+            <a:off x="2153265" y="3097164"/>
+            <a:ext cx="4085301" cy="339214"/>
+          </a:xfrm>
+          <a:prstGeom prst="rect">
+            <a:avLst/>
+          </a:prstGeom>
+          <a:solidFill>
+            <a:srgbClr val="FFFFFF"/>
+          </a:solidFill>
+          <a:ln w="12701" cap="flat">
+            <a:solidFill>
+              <a:srgbClr val="5B9BD5"/>
+            </a:solidFill>
+            <a:prstDash val="solid"/>
+            <a:miter/>
+          </a:ln>
+        </p:spPr>
+        <p:txBody>
+          <a:bodyPr vert="horz" wrap="square" lIns="91440" tIns="45720" rIns="91440" bIns="45720" anchor="ctr" anchorCtr="1" compatLnSpc="1">
+            <a:noAutofit/>
+          </a:bodyPr>
+          <a:lstStyle/>
+          <a:p>
+            <a:pPr marL="0" marR="0" lvl="0" indent="0" algn="ctr" defTabSz="457200" rtl="0" fontAlgn="auto" hangingPunct="1">
+              <a:lnSpc>
+                <a:spcPct val="100000"/>
+              </a:lnSpc>
+              <a:spcBef>
+                <a:spcPts val="0"/>
+              </a:spcBef>
+              <a:spcAft>
+                <a:spcPts val="0"/>
+              </a:spcAft>
+              <a:buNone/>
+              <a:tabLst/>
+              <a:defRPr sz="1800" b="0" i="0" u="none" strike="noStrike" kern="0" cap="none" spc="0" baseline="0">
+                <a:solidFill>
+                  <a:srgbClr val="000000"/>
+                </a:solidFill>
+                <a:uFillTx/>
+              </a:defRPr>
+            </a:pPr>
+            <a:endParaRPr lang="fi-FI" sz="1800" b="0" i="0" u="none" strike="noStrike" kern="1200" cap="none" spc="0" baseline="0">
+              <a:solidFill>
+                <a:srgbClr val="000000"/>
+              </a:solidFill>
+              <a:uFillTx/>
+              <a:latin typeface="Calibri"/>
+            </a:endParaRPr>
+          </a:p>
+        </p:txBody>
+      </p:sp>
+      <p:sp>
+        <p:nvSpPr>
+          <p:cNvPr id="24" name="Rectangle 8"/>
+          <p:cNvSpPr/>
+          <p:nvPr/>
+        </p:nvSpPr>
+        <p:spPr>
+          <a:xfrm>
+            <a:off x="2153265" y="3642850"/>
+            <a:ext cx="4085301" cy="339214"/>
+          </a:xfrm>
+          <a:prstGeom prst="rect">
+            <a:avLst/>
+          </a:prstGeom>
+          <a:solidFill>
+            <a:srgbClr val="FFFFFF"/>
+          </a:solidFill>
+          <a:ln w="12701" cap="flat">
+            <a:solidFill>
+              <a:srgbClr val="5B9BD5"/>
+            </a:solidFill>
+            <a:prstDash val="solid"/>
+            <a:miter/>
+          </a:ln>
+        </p:spPr>
+        <p:txBody>
+          <a:bodyPr vert="horz" wrap="square" lIns="91440" tIns="45720" rIns="91440" bIns="45720" anchor="ctr" anchorCtr="1" compatLnSpc="1">
+            <a:noAutofit/>
+          </a:bodyPr>
+          <a:lstStyle/>
+          <a:p>
+            <a:pPr marL="0" marR="0" lvl="0" indent="0" algn="ctr" defTabSz="457200" rtl="0" fontAlgn="auto" hangingPunct="1">
+              <a:lnSpc>
+                <a:spcPct val="100000"/>
+              </a:lnSpc>
+              <a:spcBef>
+                <a:spcPts val="0"/>
+              </a:spcBef>
+              <a:spcAft>
+                <a:spcPts val="0"/>
+              </a:spcAft>
+              <a:buNone/>
+              <a:tabLst/>
+              <a:defRPr sz="1800" b="0" i="0" u="none" strike="noStrike" kern="0" cap="none" spc="0" baseline="0">
+                <a:solidFill>
+                  <a:srgbClr val="000000"/>
+                </a:solidFill>
+                <a:uFillTx/>
+              </a:defRPr>
+            </a:pPr>
+            <a:endParaRPr lang="fi-FI" sz="1800" b="0" i="0" u="none" strike="noStrike" kern="1200" cap="none" spc="0" baseline="0">
+              <a:solidFill>
+                <a:srgbClr val="000000"/>
+              </a:solidFill>
+              <a:uFillTx/>
+              <a:latin typeface="Calibri"/>
+            </a:endParaRPr>
+          </a:p>
+        </p:txBody>
+      </p:sp>
+      <p:sp>
+        <p:nvSpPr>
+          <p:cNvPr id="25" name="Rectangle 9"/>
+          <p:cNvSpPr/>
+          <p:nvPr/>
+        </p:nvSpPr>
+        <p:spPr>
+          <a:xfrm>
+            <a:off x="2153265" y="4188537"/>
+            <a:ext cx="4085301" cy="339214"/>
+          </a:xfrm>
+          <a:prstGeom prst="rect">
+            <a:avLst/>
+          </a:prstGeom>
+          <a:solidFill>
+            <a:srgbClr val="FFFFFF"/>
+          </a:solidFill>
+          <a:ln w="12701" cap="flat">
+            <a:solidFill>
+              <a:srgbClr val="5B9BD5"/>
+            </a:solidFill>
+            <a:prstDash val="solid"/>
+            <a:miter/>
+          </a:ln>
+        </p:spPr>
+        <p:txBody>
+          <a:bodyPr vert="horz" wrap="square" lIns="91440" tIns="45720" rIns="91440" bIns="45720" anchor="ctr" anchorCtr="1" compatLnSpc="1">
+            <a:noAutofit/>
+          </a:bodyPr>
+          <a:lstStyle/>
+          <a:p>
+            <a:pPr marL="0" marR="0" lvl="0" indent="0" algn="ctr" defTabSz="457200" rtl="0" fontAlgn="auto" hangingPunct="1">
+              <a:lnSpc>
+                <a:spcPct val="100000"/>
+              </a:lnSpc>
+              <a:spcBef>
+                <a:spcPts val="0"/>
+              </a:spcBef>
+              <a:spcAft>
+                <a:spcPts val="0"/>
+              </a:spcAft>
+              <a:buNone/>
+              <a:tabLst/>
+              <a:defRPr sz="1800" b="0" i="0" u="none" strike="noStrike" kern="0" cap="none" spc="0" baseline="0">
+                <a:solidFill>
+                  <a:srgbClr val="000000"/>
+                </a:solidFill>
+                <a:uFillTx/>
+              </a:defRPr>
+            </a:pPr>
+            <a:endParaRPr lang="fi-FI" sz="1800" b="0" i="0" u="none" strike="noStrike" kern="1200" cap="none" spc="0" baseline="0">
+              <a:solidFill>
+                <a:srgbClr val="000000"/>
+              </a:solidFill>
+              <a:uFillTx/>
+              <a:latin typeface="Calibri"/>
+            </a:endParaRPr>
+          </a:p>
+        </p:txBody>
+      </p:sp>
+      <p:sp>
+        <p:nvSpPr>
+          <p:cNvPr id="26" name="Rectangle 10"/>
+          <p:cNvSpPr/>
+          <p:nvPr/>
+        </p:nvSpPr>
+        <p:spPr>
+          <a:xfrm>
+            <a:off x="2153265" y="4734232"/>
+            <a:ext cx="4085301" cy="339214"/>
+          </a:xfrm>
+          <a:prstGeom prst="rect">
+            <a:avLst/>
+          </a:prstGeom>
+          <a:solidFill>
+            <a:srgbClr val="FFFFFF"/>
+          </a:solidFill>
+          <a:ln w="12701" cap="flat">
+            <a:solidFill>
+              <a:srgbClr val="5B9BD5"/>
+            </a:solidFill>
+            <a:prstDash val="solid"/>
+            <a:miter/>
+          </a:ln>
+        </p:spPr>
+        <p:txBody>
+          <a:bodyPr vert="horz" wrap="square" lIns="91440" tIns="45720" rIns="91440" bIns="45720" anchor="ctr" anchorCtr="1" compatLnSpc="1">
+            <a:noAutofit/>
+          </a:bodyPr>
+          <a:lstStyle/>
+          <a:p>
+            <a:pPr marL="0" marR="0" lvl="0" indent="0" algn="ctr" defTabSz="457200" rtl="0" fontAlgn="auto" hangingPunct="1">
+              <a:lnSpc>
+                <a:spcPct val="100000"/>
+              </a:lnSpc>
+              <a:spcBef>
+                <a:spcPts val="0"/>
+              </a:spcBef>
+              <a:spcAft>
+                <a:spcPts val="0"/>
+              </a:spcAft>
+              <a:buNone/>
+              <a:tabLst/>
+              <a:defRPr sz="1800" b="0" i="0" u="none" strike="noStrike" kern="0" cap="none" spc="0" baseline="0">
+                <a:solidFill>
+                  <a:srgbClr val="000000"/>
+                </a:solidFill>
+                <a:uFillTx/>
+              </a:defRPr>
+            </a:pPr>
+            <a:endParaRPr lang="fi-FI" sz="1800" b="0" i="0" u="none" strike="noStrike" kern="1200" cap="none" spc="0" baseline="0">
+              <a:solidFill>
+                <a:srgbClr val="000000"/>
+              </a:solidFill>
+              <a:uFillTx/>
+              <a:latin typeface="Calibri"/>
+            </a:endParaRPr>
+          </a:p>
+        </p:txBody>
+      </p:sp>
+      <p:sp>
+        <p:nvSpPr>
+          <p:cNvPr id="27" name="Rectangle 11"/>
+          <p:cNvSpPr/>
+          <p:nvPr/>
+        </p:nvSpPr>
+        <p:spPr>
+          <a:xfrm>
+            <a:off x="2153265" y="5279919"/>
+            <a:ext cx="4085301" cy="339214"/>
+          </a:xfrm>
+          <a:prstGeom prst="rect">
+            <a:avLst/>
+          </a:prstGeom>
+          <a:solidFill>
+            <a:srgbClr val="FFFFFF"/>
+          </a:solidFill>
+          <a:ln w="12701" cap="flat">
+            <a:solidFill>
+              <a:srgbClr val="5B9BD5"/>
+            </a:solidFill>
+            <a:prstDash val="solid"/>
+            <a:miter/>
+          </a:ln>
+        </p:spPr>
+        <p:txBody>
+          <a:bodyPr vert="horz" wrap="square" lIns="91440" tIns="45720" rIns="91440" bIns="45720" anchor="ctr" anchorCtr="1" compatLnSpc="1">
+            <a:noAutofit/>
+          </a:bodyPr>
+          <a:lstStyle/>
+          <a:p>
+            <a:pPr marL="0" marR="0" lvl="0" indent="0" algn="ctr" defTabSz="457200" rtl="0" fontAlgn="auto" hangingPunct="1">
+              <a:lnSpc>
+                <a:spcPct val="100000"/>
+              </a:lnSpc>
+              <a:spcBef>
+                <a:spcPts val="0"/>
+              </a:spcBef>
+              <a:spcAft>
+                <a:spcPts val="0"/>
+              </a:spcAft>
+              <a:buNone/>
+              <a:tabLst/>
+              <a:defRPr sz="1800" b="0" i="0" u="none" strike="noStrike" kern="0" cap="none" spc="0" baseline="0">
+                <a:solidFill>
+                  <a:srgbClr val="000000"/>
+                </a:solidFill>
+                <a:uFillTx/>
+              </a:defRPr>
+            </a:pPr>
+            <a:endParaRPr lang="fi-FI" sz="1800" b="0" i="0" u="none" strike="noStrike" kern="1200" cap="none" spc="0" baseline="0">
+              <a:solidFill>
+                <a:srgbClr val="000000"/>
+              </a:solidFill>
+              <a:uFillTx/>
+              <a:latin typeface="Calibri"/>
+            </a:endParaRPr>
+          </a:p>
+        </p:txBody>
+      </p:sp>
+      <p:sp>
+        <p:nvSpPr>
+          <p:cNvPr id="28" name="Rectangle 12"/>
+          <p:cNvSpPr/>
+          <p:nvPr/>
+        </p:nvSpPr>
+        <p:spPr>
+          <a:xfrm>
+            <a:off x="2153265" y="6376211"/>
+            <a:ext cx="4085301" cy="339214"/>
+          </a:xfrm>
+          <a:prstGeom prst="rect">
+            <a:avLst/>
+          </a:prstGeom>
+          <a:solidFill>
+            <a:srgbClr val="FFFFFF"/>
+          </a:solidFill>
+          <a:ln w="12701" cap="flat">
+            <a:solidFill>
+              <a:srgbClr val="5B9BD5"/>
+            </a:solidFill>
+            <a:prstDash val="solid"/>
+            <a:miter/>
+          </a:ln>
+        </p:spPr>
+        <p:txBody>
+          <a:bodyPr vert="horz" wrap="square" lIns="91440" tIns="45720" rIns="91440" bIns="45720" anchor="ctr" anchorCtr="1" compatLnSpc="1">
+            <a:noAutofit/>
+          </a:bodyPr>
+          <a:lstStyle/>
+          <a:p>
+            <a:pPr marL="0" marR="0" lvl="0" indent="0" algn="ctr" defTabSz="457200" rtl="0" fontAlgn="auto" hangingPunct="1">
+              <a:lnSpc>
+                <a:spcPct val="100000"/>
+              </a:lnSpc>
+              <a:spcBef>
+                <a:spcPts val="0"/>
+              </a:spcBef>
+              <a:spcAft>
+                <a:spcPts val="0"/>
+              </a:spcAft>
+              <a:buNone/>
+              <a:tabLst/>
+              <a:defRPr sz="1800" b="0" i="0" u="none" strike="noStrike" kern="0" cap="none" spc="0" baseline="0">
+                <a:solidFill>
+                  <a:srgbClr val="000000"/>
+                </a:solidFill>
+                <a:uFillTx/>
+              </a:defRPr>
+            </a:pPr>
+            <a:endParaRPr lang="fi-FI" sz="1800" b="0" i="0" u="none" strike="noStrike" kern="1200" cap="none" spc="0" baseline="0">
+              <a:solidFill>
+                <a:srgbClr val="000000"/>
+              </a:solidFill>
+              <a:uFillTx/>
+              <a:latin typeface="Calibri"/>
+            </a:endParaRPr>
+          </a:p>
+        </p:txBody>
+      </p:sp>
+      <p:sp>
+        <p:nvSpPr>
+          <p:cNvPr id="29" name="Rectangle 13"/>
+          <p:cNvSpPr/>
+          <p:nvPr/>
+        </p:nvSpPr>
+        <p:spPr>
+          <a:xfrm>
+            <a:off x="2153265" y="5830525"/>
+            <a:ext cx="4085301" cy="339214"/>
+          </a:xfrm>
+          <a:prstGeom prst="rect">
+            <a:avLst/>
+          </a:prstGeom>
+          <a:solidFill>
+            <a:srgbClr val="FFFFFF"/>
+          </a:solidFill>
+          <a:ln w="12701" cap="flat">
+            <a:solidFill>
+              <a:srgbClr val="5B9BD5"/>
+            </a:solidFill>
+            <a:prstDash val="solid"/>
+            <a:miter/>
+          </a:ln>
+        </p:spPr>
+        <p:txBody>
+          <a:bodyPr vert="horz" wrap="square" lIns="91440" tIns="45720" rIns="91440" bIns="45720" anchor="ctr" anchorCtr="1" compatLnSpc="1">
+            <a:noAutofit/>
+          </a:bodyPr>
+          <a:lstStyle/>
+          <a:p>
+            <a:pPr marL="0" marR="0" lvl="0" indent="0" algn="ctr" defTabSz="457200" rtl="0" fontAlgn="auto" hangingPunct="1">
+              <a:lnSpc>
+                <a:spcPct val="100000"/>
+              </a:lnSpc>
+              <a:spcBef>
+                <a:spcPts val="0"/>
+              </a:spcBef>
+              <a:spcAft>
+                <a:spcPts val="0"/>
+              </a:spcAft>
+              <a:buNone/>
+              <a:tabLst/>
+              <a:defRPr sz="1800" b="0" i="0" u="none" strike="noStrike" kern="0" cap="none" spc="0" baseline="0">
+                <a:solidFill>
+                  <a:srgbClr val="000000"/>
+                </a:solidFill>
+                <a:uFillTx/>
+              </a:defRPr>
+            </a:pPr>
+            <a:endParaRPr lang="fi-FI" sz="1800" b="0" i="0" u="none" strike="noStrike" kern="1200" cap="none" spc="0" baseline="0">
+              <a:solidFill>
+                <a:srgbClr val="000000"/>
+              </a:solidFill>
+              <a:uFillTx/>
+              <a:latin typeface="Calibri"/>
+            </a:endParaRPr>
+          </a:p>
+        </p:txBody>
+      </p:sp>
+      <p:sp>
+        <p:nvSpPr>
+          <p:cNvPr id="30" name="TextBox 14"/>
+          <p:cNvSpPr txBox="1"/>
+          <p:nvPr/>
+        </p:nvSpPr>
+        <p:spPr>
+          <a:xfrm>
+            <a:off x="729983" y="3087014"/>
+            <a:ext cx="1423272" cy="369335"/>
+          </a:xfrm>
+          <a:prstGeom prst="rect">
+            <a:avLst/>
+          </a:prstGeom>
+          <a:noFill/>
+          <a:ln cap="flat">
+            <a:noFill/>
+          </a:ln>
+        </p:spPr>
+        <p:txBody>
+          <a:bodyPr vert="horz" wrap="none" lIns="91440" tIns="45720" rIns="91440" bIns="45720" anchor="t" anchorCtr="0" compatLnSpc="1">
+            <a:spAutoFit/>
+          </a:bodyPr>
+          <a:lstStyle/>
+          <a:p>
+            <a:pPr marL="0" marR="0" lvl="0" indent="0" algn="l" defTabSz="457200" rtl="0" fontAlgn="auto" hangingPunct="1">
+              <a:lnSpc>
+                <a:spcPct val="100000"/>
+              </a:lnSpc>
+              <a:spcBef>
+                <a:spcPts val="0"/>
+              </a:spcBef>
+              <a:spcAft>
+                <a:spcPts val="0"/>
+              </a:spcAft>
+              <a:buNone/>
+              <a:tabLst/>
+              <a:defRPr sz="1800" b="0" i="0" u="none" strike="noStrike" kern="0" cap="none" spc="0" baseline="0">
+                <a:solidFill>
+                  <a:srgbClr val="000000"/>
+                </a:solidFill>
+                <a:uFillTx/>
+              </a:defRPr>
+            </a:pPr>
+            <a:r>
+              <a:rPr lang="fi-FI" sz="1800" b="0" i="0" u="none" strike="noStrike" kern="1200" cap="none" spc="0" baseline="0">
+                <a:solidFill>
+                  <a:srgbClr val="000000"/>
+                </a:solidFill>
+                <a:uFillTx/>
+                <a:latin typeface="Calibri"/>
+              </a:rPr>
+              <a:t>Yhdyshenkilö</a:t>
+            </a:r>
+          </a:p>
+        </p:txBody>
+      </p:sp>
+      <p:sp>
+        <p:nvSpPr>
+          <p:cNvPr id="31" name="TextBox 15"/>
+          <p:cNvSpPr txBox="1"/>
+          <p:nvPr/>
+        </p:nvSpPr>
+        <p:spPr>
+          <a:xfrm>
+            <a:off x="996631" y="3622404"/>
+            <a:ext cx="889985" cy="369335"/>
+          </a:xfrm>
+          <a:prstGeom prst="rect">
+            <a:avLst/>
+          </a:prstGeom>
+          <a:noFill/>
+          <a:ln cap="flat">
+            <a:noFill/>
+          </a:ln>
+        </p:spPr>
+        <p:txBody>
+          <a:bodyPr vert="horz" wrap="none" lIns="91440" tIns="45720" rIns="91440" bIns="45720" anchor="t" anchorCtr="0" compatLnSpc="1">
+            <a:spAutoFit/>
+          </a:bodyPr>
+          <a:lstStyle/>
+          <a:p>
+            <a:pPr marL="0" marR="0" lvl="0" indent="0" algn="l" defTabSz="457200" rtl="0" fontAlgn="auto" hangingPunct="1">
+              <a:lnSpc>
+                <a:spcPct val="100000"/>
+              </a:lnSpc>
+              <a:spcBef>
+                <a:spcPts val="0"/>
+              </a:spcBef>
+              <a:spcAft>
+                <a:spcPts val="0"/>
+              </a:spcAft>
+              <a:buNone/>
+              <a:tabLst/>
+              <a:defRPr sz="1800" b="0" i="0" u="none" strike="noStrike" kern="0" cap="none" spc="0" baseline="0">
+                <a:solidFill>
+                  <a:srgbClr val="000000"/>
+                </a:solidFill>
+                <a:uFillTx/>
+              </a:defRPr>
+            </a:pPr>
+            <a:r>
+              <a:rPr lang="fi-FI" sz="1800" b="0" i="0" u="none" strike="noStrike" kern="1200" cap="none" spc="0" baseline="0">
+                <a:solidFill>
+                  <a:srgbClr val="000000"/>
+                </a:solidFill>
+                <a:uFillTx/>
+                <a:latin typeface="Calibri"/>
+              </a:rPr>
+              <a:t>Puhelin</a:t>
+            </a:r>
+          </a:p>
+        </p:txBody>
+      </p:sp>
+      <p:sp>
+        <p:nvSpPr>
+          <p:cNvPr id="32" name="TextBox 16"/>
+          <p:cNvSpPr txBox="1"/>
+          <p:nvPr/>
+        </p:nvSpPr>
+        <p:spPr>
+          <a:xfrm>
+            <a:off x="840690" y="4170788"/>
+            <a:ext cx="1201869" cy="369335"/>
+          </a:xfrm>
+          <a:prstGeom prst="rect">
+            <a:avLst/>
+          </a:prstGeom>
+          <a:noFill/>
+          <a:ln cap="flat">
+            <a:noFill/>
+          </a:ln>
+        </p:spPr>
+        <p:txBody>
+          <a:bodyPr vert="horz" wrap="none" lIns="91440" tIns="45720" rIns="91440" bIns="45720" anchor="t" anchorCtr="0" compatLnSpc="1">
+            <a:spAutoFit/>
+          </a:bodyPr>
+          <a:lstStyle/>
+          <a:p>
+            <a:pPr marL="0" marR="0" lvl="0" indent="0" algn="l" defTabSz="457200" rtl="0" fontAlgn="auto" hangingPunct="1">
+              <a:lnSpc>
+                <a:spcPct val="100000"/>
+              </a:lnSpc>
+              <a:spcBef>
+                <a:spcPts val="0"/>
+              </a:spcBef>
+              <a:spcAft>
+                <a:spcPts val="0"/>
+              </a:spcAft>
+              <a:buNone/>
+              <a:tabLst/>
+              <a:defRPr sz="1800" b="0" i="0" u="none" strike="noStrike" kern="0" cap="none" spc="0" baseline="0">
+                <a:solidFill>
+                  <a:srgbClr val="000000"/>
+                </a:solidFill>
+                <a:uFillTx/>
+              </a:defRPr>
+            </a:pPr>
+            <a:r>
+              <a:rPr lang="fi-FI" sz="1800" b="0" i="0" u="none" strike="noStrike" kern="1200" cap="none" spc="0" baseline="0">
+                <a:solidFill>
+                  <a:srgbClr val="000000"/>
+                </a:solidFill>
+                <a:uFillTx/>
+                <a:latin typeface="Calibri"/>
+              </a:rPr>
+              <a:t>Sähköposti</a:t>
+            </a:r>
+          </a:p>
+        </p:txBody>
+      </p:sp>
+      <p:sp>
+        <p:nvSpPr>
+          <p:cNvPr id="33" name="TextBox 17"/>
+          <p:cNvSpPr txBox="1"/>
+          <p:nvPr/>
+        </p:nvSpPr>
+        <p:spPr>
+          <a:xfrm>
+            <a:off x="486698" y="4733062"/>
+            <a:ext cx="1793906" cy="369335"/>
+          </a:xfrm>
+          <a:prstGeom prst="rect">
+            <a:avLst/>
+          </a:prstGeom>
+          <a:noFill/>
+          <a:ln cap="flat">
+            <a:noFill/>
+          </a:ln>
+        </p:spPr>
+        <p:txBody>
+          <a:bodyPr vert="horz" wrap="square" lIns="91440" tIns="45720" rIns="91440" bIns="45720" anchor="t" anchorCtr="0" compatLnSpc="1">
+            <a:spAutoFit/>
+          </a:bodyPr>
+          <a:lstStyle/>
+          <a:p>
+            <a:pPr marL="0" marR="0" lvl="0" indent="0" algn="l" defTabSz="457200" rtl="0" fontAlgn="auto" hangingPunct="1">
+              <a:lnSpc>
+                <a:spcPct val="100000"/>
+              </a:lnSpc>
+              <a:spcBef>
+                <a:spcPts val="0"/>
+              </a:spcBef>
+              <a:spcAft>
+                <a:spcPts val="0"/>
+              </a:spcAft>
+              <a:buNone/>
+              <a:tabLst/>
+              <a:defRPr sz="1800" b="0" i="0" u="none" strike="noStrike" kern="0" cap="none" spc="0" baseline="0">
+                <a:solidFill>
+                  <a:srgbClr val="000000"/>
+                </a:solidFill>
+                <a:uFillTx/>
+              </a:defRPr>
+            </a:pPr>
+            <a:r>
+              <a:rPr lang="fi-FI" sz="1800" b="0" i="0" u="none" strike="noStrike" kern="1200" cap="none" spc="0" baseline="0">
+                <a:solidFill>
+                  <a:srgbClr val="000000"/>
+                </a:solidFill>
+                <a:uFillTx/>
+                <a:latin typeface="Calibri"/>
+              </a:rPr>
+              <a:t>Sähköposti uud.</a:t>
+            </a:r>
+          </a:p>
+        </p:txBody>
+      </p:sp>
+      <p:sp>
+        <p:nvSpPr>
+          <p:cNvPr id="34" name="TextBox 18"/>
+          <p:cNvSpPr txBox="1"/>
+          <p:nvPr/>
+        </p:nvSpPr>
+        <p:spPr>
+          <a:xfrm>
+            <a:off x="1084761" y="5249799"/>
+            <a:ext cx="713725" cy="369335"/>
+          </a:xfrm>
+          <a:prstGeom prst="rect">
+            <a:avLst/>
+          </a:prstGeom>
+          <a:noFill/>
+          <a:ln cap="flat">
+            <a:noFill/>
+          </a:ln>
+        </p:spPr>
+        <p:txBody>
+          <a:bodyPr vert="horz" wrap="none" lIns="91440" tIns="45720" rIns="91440" bIns="45720" anchor="t" anchorCtr="0" compatLnSpc="1">
+            <a:spAutoFit/>
+          </a:bodyPr>
+          <a:lstStyle/>
+          <a:p>
+            <a:pPr marL="0" marR="0" lvl="0" indent="0" algn="l" defTabSz="457200" rtl="0" fontAlgn="auto" hangingPunct="1">
+              <a:lnSpc>
+                <a:spcPct val="100000"/>
+              </a:lnSpc>
+              <a:spcBef>
+                <a:spcPts val="0"/>
+              </a:spcBef>
+              <a:spcAft>
+                <a:spcPts val="0"/>
+              </a:spcAft>
+              <a:buNone/>
+              <a:tabLst/>
+              <a:defRPr sz="1800" b="0" i="0" u="none" strike="noStrike" kern="0" cap="none" spc="0" baseline="0">
+                <a:solidFill>
+                  <a:srgbClr val="000000"/>
+                </a:solidFill>
+                <a:uFillTx/>
+              </a:defRPr>
+            </a:pPr>
+            <a:r>
+              <a:rPr lang="fi-FI" sz="1800" b="0" i="0" u="none" strike="noStrike" kern="1200" cap="none" spc="0" baseline="0">
+                <a:solidFill>
+                  <a:srgbClr val="000000"/>
+                </a:solidFill>
+                <a:uFillTx/>
+                <a:latin typeface="Calibri"/>
+              </a:rPr>
+              <a:t>Seura</a:t>
+            </a:r>
+          </a:p>
+        </p:txBody>
+      </p:sp>
+      <p:sp>
+        <p:nvSpPr>
+          <p:cNvPr id="35" name="TextBox 19"/>
+          <p:cNvSpPr txBox="1"/>
+          <p:nvPr/>
+        </p:nvSpPr>
+        <p:spPr>
+          <a:xfrm>
+            <a:off x="807278" y="5816836"/>
+            <a:ext cx="1152747" cy="369335"/>
+          </a:xfrm>
+          <a:prstGeom prst="rect">
+            <a:avLst/>
+          </a:prstGeom>
+          <a:noFill/>
+          <a:ln cap="flat">
+            <a:noFill/>
+          </a:ln>
+        </p:spPr>
+        <p:txBody>
+          <a:bodyPr vert="horz" wrap="none" lIns="91440" tIns="45720" rIns="91440" bIns="45720" anchor="t" anchorCtr="0" compatLnSpc="1">
+            <a:spAutoFit/>
+          </a:bodyPr>
+          <a:lstStyle/>
+          <a:p>
+            <a:pPr marL="0" marR="0" lvl="0" indent="0" algn="l" defTabSz="457200" rtl="0" fontAlgn="auto" hangingPunct="1">
+              <a:lnSpc>
+                <a:spcPct val="100000"/>
+              </a:lnSpc>
+              <a:spcBef>
+                <a:spcPts val="0"/>
+              </a:spcBef>
+              <a:spcAft>
+                <a:spcPts val="0"/>
+              </a:spcAft>
+              <a:buNone/>
+              <a:tabLst/>
+              <a:defRPr sz="1800" b="0" i="0" u="none" strike="noStrike" kern="0" cap="none" spc="0" baseline="0">
+                <a:solidFill>
+                  <a:srgbClr val="000000"/>
+                </a:solidFill>
+                <a:uFillTx/>
+              </a:defRPr>
+            </a:pPr>
+            <a:r>
+              <a:rPr lang="fi-FI" sz="1800" b="0" i="0" u="none" strike="noStrike" kern="1200" cap="none" spc="0" baseline="0">
+                <a:solidFill>
+                  <a:srgbClr val="000000"/>
+                </a:solidFill>
+                <a:uFillTx/>
+                <a:latin typeface="Calibri"/>
+              </a:rPr>
+              <a:t>Kotipaikka</a:t>
+            </a:r>
+          </a:p>
+        </p:txBody>
+      </p:sp>
+      <p:sp>
+        <p:nvSpPr>
+          <p:cNvPr id="36" name="TextBox 20"/>
+          <p:cNvSpPr txBox="1"/>
+          <p:nvPr/>
+        </p:nvSpPr>
+        <p:spPr>
+          <a:xfrm>
+            <a:off x="1140101" y="6361151"/>
+            <a:ext cx="603046" cy="369335"/>
+          </a:xfrm>
+          <a:prstGeom prst="rect">
+            <a:avLst/>
+          </a:prstGeom>
+          <a:noFill/>
+          <a:ln cap="flat">
+            <a:noFill/>
+          </a:ln>
+        </p:spPr>
+        <p:txBody>
+          <a:bodyPr vert="horz" wrap="none" lIns="91440" tIns="45720" rIns="91440" bIns="45720" anchor="t" anchorCtr="0" compatLnSpc="1">
+            <a:spAutoFit/>
+          </a:bodyPr>
+          <a:lstStyle/>
+          <a:p>
+            <a:pPr marL="0" marR="0" lvl="0" indent="0" algn="l" defTabSz="457200" rtl="0" fontAlgn="auto" hangingPunct="1">
+              <a:lnSpc>
+                <a:spcPct val="100000"/>
+              </a:lnSpc>
+              <a:spcBef>
+                <a:spcPts val="0"/>
+              </a:spcBef>
+              <a:spcAft>
+                <a:spcPts val="0"/>
+              </a:spcAft>
+              <a:buNone/>
+              <a:tabLst/>
+              <a:defRPr sz="1800" b="0" i="0" u="none" strike="noStrike" kern="0" cap="none" spc="0" baseline="0">
+                <a:solidFill>
+                  <a:srgbClr val="000000"/>
+                </a:solidFill>
+                <a:uFillTx/>
+              </a:defRPr>
+            </a:pPr>
+            <a:r>
+              <a:rPr lang="fi-FI" sz="1800" b="0" i="0" u="none" strike="noStrike" kern="1200" cap="none" spc="0" baseline="0">
+                <a:solidFill>
+                  <a:srgbClr val="000000"/>
+                </a:solidFill>
+                <a:uFillTx/>
+                <a:latin typeface="Calibri"/>
+              </a:rPr>
+              <a:t>Maa</a:t>
+            </a:r>
+          </a:p>
+        </p:txBody>
+      </p:sp>
+      <p:sp>
+        <p:nvSpPr>
+          <p:cNvPr id="37" name="TextBox 21"/>
+          <p:cNvSpPr txBox="1"/>
+          <p:nvPr/>
+        </p:nvSpPr>
+        <p:spPr>
+          <a:xfrm>
+            <a:off x="2787383" y="2551468"/>
+            <a:ext cx="2817056" cy="523219"/>
+          </a:xfrm>
+          <a:prstGeom prst="rect">
+            <a:avLst/>
+          </a:prstGeom>
+          <a:noFill/>
+          <a:ln cap="flat">
+            <a:noFill/>
+          </a:ln>
+        </p:spPr>
+        <p:txBody>
+          <a:bodyPr vert="horz" wrap="none" lIns="91440" tIns="45720" rIns="91440" bIns="45720" anchor="t" anchorCtr="0" compatLnSpc="1">
+            <a:spAutoFit/>
+          </a:bodyPr>
+          <a:lstStyle/>
+          <a:p>
+            <a:pPr marL="0" marR="0" lvl="0" indent="0" algn="l" defTabSz="457200" rtl="0" fontAlgn="auto" hangingPunct="1">
+              <a:lnSpc>
+                <a:spcPct val="100000"/>
+              </a:lnSpc>
+              <a:spcBef>
+                <a:spcPts val="0"/>
+              </a:spcBef>
+              <a:spcAft>
+                <a:spcPts val="0"/>
+              </a:spcAft>
+              <a:buNone/>
+              <a:tabLst/>
+              <a:defRPr sz="1800" b="0" i="0" u="none" strike="noStrike" kern="0" cap="none" spc="0" baseline="0">
+                <a:solidFill>
+                  <a:srgbClr val="000000"/>
+                </a:solidFill>
+                <a:uFillTx/>
+              </a:defRPr>
+            </a:pPr>
+            <a:r>
+              <a:rPr lang="fi-FI" sz="2800" b="1" i="0" u="none" strike="noStrike" kern="1200" cap="none" spc="0" baseline="0" dirty="0">
+                <a:solidFill>
+                  <a:srgbClr val="000000"/>
+                </a:solidFill>
+                <a:uFillTx/>
+                <a:latin typeface="Calibri"/>
+              </a:rPr>
+              <a:t>Ilmoittautuminen</a:t>
+            </a:r>
+          </a:p>
+        </p:txBody>
+      </p:sp>
+      <p:sp>
+        <p:nvSpPr>
+          <p:cNvPr id="38" name="Suorakulmio 37"/>
+          <p:cNvSpPr/>
+          <p:nvPr/>
+        </p:nvSpPr>
+        <p:spPr>
+          <a:xfrm>
+            <a:off x="1" y="1710814"/>
+            <a:ext cx="1886616" cy="575186"/>
+          </a:xfrm>
+          <a:prstGeom prst="rect">
+            <a:avLst/>
+          </a:prstGeom>
+        </p:spPr>
+        <p:style>
+          <a:lnRef idx="1">
+            <a:schemeClr val="accent3"/>
+          </a:lnRef>
+          <a:fillRef idx="2">
+            <a:schemeClr val="accent3"/>
+          </a:fillRef>
+          <a:effectRef idx="1">
+            <a:schemeClr val="accent3"/>
+          </a:effectRef>
+          <a:fontRef idx="minor">
+            <a:schemeClr val="dk1"/>
+          </a:fontRef>
+        </p:style>
+        <p:txBody>
+          <a:bodyPr rtlCol="0" anchor="ctr"/>
+          <a:lstStyle/>
+          <a:p>
+            <a:pPr algn="ctr"/>
+            <a:r>
+              <a:rPr lang="fi-FI" dirty="0" smtClean="0"/>
+              <a:t>Ilmoittautuneet</a:t>
+            </a:r>
+            <a:endParaRPr lang="fi-FI" dirty="0"/>
+          </a:p>
+        </p:txBody>
+      </p:sp>
+      <p:sp>
+        <p:nvSpPr>
+          <p:cNvPr id="39" name="Suorakulmio 38"/>
+          <p:cNvSpPr/>
+          <p:nvPr/>
+        </p:nvSpPr>
+        <p:spPr>
+          <a:xfrm>
+            <a:off x="1903333" y="1714241"/>
+            <a:ext cx="1886616" cy="575186"/>
+          </a:xfrm>
+          <a:prstGeom prst="rect">
+            <a:avLst/>
+          </a:prstGeom>
+        </p:spPr>
+        <p:style>
+          <a:lnRef idx="1">
+            <a:schemeClr val="accent3"/>
+          </a:lnRef>
+          <a:fillRef idx="2">
+            <a:schemeClr val="accent3"/>
+          </a:fillRef>
+          <a:effectRef idx="1">
+            <a:schemeClr val="accent3"/>
+          </a:effectRef>
+          <a:fontRef idx="minor">
+            <a:schemeClr val="dk1"/>
+          </a:fontRef>
+        </p:style>
+        <p:txBody>
+          <a:bodyPr rtlCol="0" anchor="ctr"/>
+          <a:lstStyle/>
+          <a:p>
+            <a:pPr algn="ctr"/>
+            <a:r>
+              <a:rPr lang="fi-FI" dirty="0" smtClean="0"/>
+              <a:t>Turnaukset</a:t>
+            </a:r>
+            <a:endParaRPr lang="fi-FI" dirty="0"/>
+          </a:p>
+        </p:txBody>
+      </p:sp>
+      <p:sp>
+        <p:nvSpPr>
+          <p:cNvPr id="40" name="Suorakulmio 39"/>
+          <p:cNvSpPr/>
+          <p:nvPr/>
+        </p:nvSpPr>
+        <p:spPr>
+          <a:xfrm>
+            <a:off x="3806665" y="1710814"/>
+            <a:ext cx="1886616" cy="575186"/>
+          </a:xfrm>
+          <a:prstGeom prst="rect">
+            <a:avLst/>
+          </a:prstGeom>
+        </p:spPr>
+        <p:style>
+          <a:lnRef idx="1">
+            <a:schemeClr val="accent3"/>
+          </a:lnRef>
+          <a:fillRef idx="2">
+            <a:schemeClr val="accent3"/>
+          </a:fillRef>
+          <a:effectRef idx="1">
+            <a:schemeClr val="accent3"/>
+          </a:effectRef>
+          <a:fontRef idx="minor">
+            <a:schemeClr val="dk1"/>
+          </a:fontRef>
+        </p:style>
+        <p:txBody>
+          <a:bodyPr rtlCol="0" anchor="ctr"/>
+          <a:lstStyle/>
+          <a:p>
+            <a:pPr algn="ctr"/>
+            <a:endParaRPr lang="fi-FI" dirty="0"/>
+          </a:p>
+        </p:txBody>
+      </p:sp>
+      <p:pic>
+        <p:nvPicPr>
+          <p:cNvPr id="42" name="Kuva 41" descr="Ilmaisia Kuvia : yö-, karnevaali, valaistus, festivaali ..."/>
+          <p:cNvPicPr>
+            <a:picLocks noChangeAspect="1"/>
+          </p:cNvPicPr>
+          <p:nvPr/>
+        </p:nvPicPr>
+        <p:blipFill>
+          <a:blip r:embed="rId2" cstate="print">
+            <a:extLst>
+              <a:ext uri="{28A0092B-C50C-407E-A947-70E740481C1C}">
+                <a14:useLocalDpi xmlns:a14="http://schemas.microsoft.com/office/drawing/2010/main" val="0"/>
+              </a:ext>
+            </a:extLst>
+          </a:blip>
+          <a:stretch>
+            <a:fillRect/>
+          </a:stretch>
+        </p:blipFill>
+        <p:spPr>
+          <a:xfrm>
+            <a:off x="325632" y="-4036"/>
+            <a:ext cx="4440672" cy="1714850"/>
+          </a:xfrm>
+          <a:prstGeom prst="rect">
+            <a:avLst/>
+          </a:prstGeom>
+        </p:spPr>
+      </p:pic>
+      <p:pic>
+        <p:nvPicPr>
+          <p:cNvPr id="43" name="Kuva 42" descr="Clipart - &lt;strong&gt;Logo&lt;/strong&gt; &lt;strong&gt;Logo&lt;/strong&gt; Black on White Background"/>
+          <p:cNvPicPr>
+            <a:picLocks noChangeAspect="1"/>
+          </p:cNvPicPr>
+          <p:nvPr/>
+        </p:nvPicPr>
+        <p:blipFill>
+          <a:blip r:embed="rId3" cstate="print">
+            <a:extLst>
+              <a:ext uri="{28A0092B-C50C-407E-A947-70E740481C1C}">
+                <a14:useLocalDpi xmlns:a14="http://schemas.microsoft.com/office/drawing/2010/main" val="0"/>
+              </a:ext>
+            </a:extLst>
+          </a:blip>
+          <a:stretch>
+            <a:fillRect/>
+          </a:stretch>
+        </p:blipFill>
+        <p:spPr>
+          <a:xfrm>
+            <a:off x="4766304" y="-5268"/>
+            <a:ext cx="2091695" cy="963923"/>
+          </a:xfrm>
+          <a:prstGeom prst="rect">
+            <a:avLst/>
+          </a:prstGeom>
+        </p:spPr>
+      </p:pic>
+      <p:sp>
+        <p:nvSpPr>
+          <p:cNvPr id="44" name="Rectangle: Rounded Corners 31"/>
+          <p:cNvSpPr/>
+          <p:nvPr/>
+        </p:nvSpPr>
+        <p:spPr>
+          <a:xfrm>
+            <a:off x="4195911" y="6921897"/>
+            <a:ext cx="1745708" cy="570960"/>
+          </a:xfrm>
+          <a:custGeom>
+            <a:avLst/>
+            <a:gdLst>
+              <a:gd name="f0" fmla="val 10800000"/>
+              <a:gd name="f1" fmla="val 5400000"/>
+              <a:gd name="f2" fmla="val 16200000"/>
+              <a:gd name="f3" fmla="val w"/>
+              <a:gd name="f4" fmla="val h"/>
+              <a:gd name="f5" fmla="val ss"/>
+              <a:gd name="f6" fmla="val 0"/>
+              <a:gd name="f7" fmla="*/ 5419351 1 1725033"/>
+              <a:gd name="f8" fmla="val 45"/>
+              <a:gd name="f9" fmla="val 3600"/>
+              <a:gd name="f10" fmla="abs f3"/>
+              <a:gd name="f11" fmla="abs f4"/>
+              <a:gd name="f12" fmla="abs f5"/>
+              <a:gd name="f13" fmla="*/ f7 1 180"/>
+              <a:gd name="f14" fmla="+- 0 0 f1"/>
+              <a:gd name="f15" fmla="+- f6 f9 0"/>
+              <a:gd name="f16" fmla="?: f10 f3 1"/>
+              <a:gd name="f17" fmla="?: f11 f4 1"/>
+              <a:gd name="f18" fmla="?: f12 f5 1"/>
+              <a:gd name="f19" fmla="*/ f8 f13 1"/>
+              <a:gd name="f20" fmla="+- f6 0 f15"/>
+              <a:gd name="f21" fmla="+- f15 0 f6"/>
+              <a:gd name="f22" fmla="*/ f16 1 21600"/>
+              <a:gd name="f23" fmla="*/ f17 1 21600"/>
+              <a:gd name="f24" fmla="*/ 21600 f16 1"/>
+              <a:gd name="f25" fmla="*/ 21600 f17 1"/>
+              <a:gd name="f26" fmla="+- 0 0 f19"/>
+              <a:gd name="f27" fmla="abs f20"/>
+              <a:gd name="f28" fmla="abs f21"/>
+              <a:gd name="f29" fmla="?: f20 f14 f1"/>
+              <a:gd name="f30" fmla="?: f20 f1 f14"/>
+              <a:gd name="f31" fmla="?: f20 f2 f1"/>
+              <a:gd name="f32" fmla="?: f20 f1 f2"/>
+              <a:gd name="f33" fmla="?: f21 f14 f1"/>
+              <a:gd name="f34" fmla="?: f21 f1 f14"/>
+              <a:gd name="f35" fmla="?: f20 0 f0"/>
+              <a:gd name="f36" fmla="?: f20 f0 0"/>
+              <a:gd name="f37" fmla="min f23 f22"/>
+              <a:gd name="f38" fmla="*/ f24 1 f18"/>
+              <a:gd name="f39" fmla="*/ f25 1 f18"/>
+              <a:gd name="f40" fmla="*/ f26 f0 1"/>
+              <a:gd name="f41" fmla="?: f20 f32 f31"/>
+              <a:gd name="f42" fmla="?: f20 f31 f32"/>
+              <a:gd name="f43" fmla="?: f21 f30 f29"/>
+              <a:gd name="f44" fmla="val f38"/>
+              <a:gd name="f45" fmla="val f39"/>
+              <a:gd name="f46" fmla="*/ f40 1 f7"/>
+              <a:gd name="f47" fmla="?: f21 f42 f41"/>
+              <a:gd name="f48" fmla="*/ f15 f37 1"/>
+              <a:gd name="f49" fmla="*/ f6 f37 1"/>
+              <a:gd name="f50" fmla="*/ f27 f37 1"/>
+              <a:gd name="f51" fmla="*/ f28 f37 1"/>
+              <a:gd name="f52" fmla="+- f45 0 f9"/>
+              <a:gd name="f53" fmla="+- f44 0 f9"/>
+              <a:gd name="f54" fmla="+- f46 0 f1"/>
+              <a:gd name="f55" fmla="*/ f45 f37 1"/>
+              <a:gd name="f56" fmla="*/ f44 f37 1"/>
+              <a:gd name="f57" fmla="+- f45 0 f52"/>
+              <a:gd name="f58" fmla="+- f44 0 f53"/>
+              <a:gd name="f59" fmla="+- f52 0 f45"/>
+              <a:gd name="f60" fmla="+- f53 0 f44"/>
+              <a:gd name="f61" fmla="+- f54 f1 0"/>
+              <a:gd name="f62" fmla="*/ f52 f37 1"/>
+              <a:gd name="f63" fmla="*/ f53 f37 1"/>
+              <a:gd name="f64" fmla="abs f57"/>
+              <a:gd name="f65" fmla="?: f57 0 f0"/>
+              <a:gd name="f66" fmla="?: f57 f0 0"/>
+              <a:gd name="f67" fmla="?: f57 f33 f34"/>
+              <a:gd name="f68" fmla="abs f58"/>
+              <a:gd name="f69" fmla="abs f59"/>
+              <a:gd name="f70" fmla="?: f58 f14 f1"/>
+              <a:gd name="f71" fmla="?: f58 f1 f14"/>
+              <a:gd name="f72" fmla="?: f58 f2 f1"/>
+              <a:gd name="f73" fmla="?: f58 f1 f2"/>
+              <a:gd name="f74" fmla="abs f60"/>
+              <a:gd name="f75" fmla="?: f60 f14 f1"/>
+              <a:gd name="f76" fmla="?: f60 f1 f14"/>
+              <a:gd name="f77" fmla="?: f60 f36 f35"/>
+              <a:gd name="f78" fmla="?: f60 f35 f36"/>
+              <a:gd name="f79" fmla="*/ f61 f7 1"/>
+              <a:gd name="f80" fmla="?: f21 f66 f65"/>
+              <a:gd name="f81" fmla="?: f21 f65 f66"/>
+              <a:gd name="f82" fmla="?: f58 f73 f72"/>
+              <a:gd name="f83" fmla="?: f58 f72 f73"/>
+              <a:gd name="f84" fmla="?: f59 f71 f70"/>
+              <a:gd name="f85" fmla="?: f20 f77 f78"/>
+              <a:gd name="f86" fmla="?: f20 f75 f76"/>
+              <a:gd name="f87" fmla="*/ f79 1 f0"/>
+              <a:gd name="f88" fmla="*/ f64 f37 1"/>
+              <a:gd name="f89" fmla="*/ f68 f37 1"/>
+              <a:gd name="f90" fmla="*/ f69 f37 1"/>
+              <a:gd name="f91" fmla="*/ f74 f37 1"/>
+              <a:gd name="f92" fmla="?: f57 f80 f81"/>
+              <a:gd name="f93" fmla="?: f59 f83 f82"/>
+              <a:gd name="f94" fmla="+- 0 0 f87"/>
+              <a:gd name="f95" fmla="+- 0 0 f94"/>
+              <a:gd name="f96" fmla="*/ f95 f0 1"/>
+              <a:gd name="f97" fmla="*/ f96 1 f7"/>
+              <a:gd name="f98" fmla="+- f97 0 f1"/>
+              <a:gd name="f99" fmla="cos 1 f98"/>
+              <a:gd name="f100" fmla="+- 0 0 f99"/>
+              <a:gd name="f101" fmla="+- 0 0 f100"/>
+              <a:gd name="f102" fmla="val f101"/>
+              <a:gd name="f103" fmla="+- 0 0 f102"/>
+              <a:gd name="f104" fmla="*/ f9 f103 1"/>
+              <a:gd name="f105" fmla="*/ f104 3163 1"/>
+              <a:gd name="f106" fmla="*/ f105 1 7636"/>
+              <a:gd name="f107" fmla="+- f6 f106 0"/>
+              <a:gd name="f108" fmla="+- f44 0 f106"/>
+              <a:gd name="f109" fmla="+- f45 0 f106"/>
+              <a:gd name="f110" fmla="*/ f107 f37 1"/>
+              <a:gd name="f111" fmla="*/ f108 f37 1"/>
+              <a:gd name="f112" fmla="*/ f109 f37 1"/>
+            </a:gdLst>
+            <a:ahLst/>
+            <a:cxnLst>
+              <a:cxn ang="3cd4">
+                <a:pos x="hc" y="t"/>
+              </a:cxn>
+              <a:cxn ang="0">
+                <a:pos x="r" y="vc"/>
+              </a:cxn>
+              <a:cxn ang="cd4">
+                <a:pos x="hc" y="b"/>
+              </a:cxn>
+              <a:cxn ang="cd2">
+                <a:pos x="l" y="vc"/>
+              </a:cxn>
+            </a:cxnLst>
+            <a:rect l="f110" t="f110" r="f111" b="f112"/>
+            <a:pathLst>
+              <a:path>
+                <a:moveTo>
+                  <a:pt x="f48" y="f49"/>
+                </a:moveTo>
+                <a:arcTo wR="f50" hR="f51" stAng="f47" swAng="f43"/>
+                <a:lnTo>
+                  <a:pt x="f49" y="f62"/>
+                </a:lnTo>
+                <a:arcTo wR="f51" hR="f88" stAng="f92" swAng="f67"/>
+                <a:lnTo>
+                  <a:pt x="f63" y="f55"/>
+                </a:lnTo>
+                <a:arcTo wR="f89" hR="f90" stAng="f93" swAng="f84"/>
+                <a:lnTo>
+                  <a:pt x="f56" y="f48"/>
+                </a:lnTo>
+                <a:arcTo wR="f91" hR="f50" stAng="f85" swAng="f86"/>
+                <a:close/>
+              </a:path>
+            </a:pathLst>
+          </a:custGeom>
+          <a:ln/>
+        </p:spPr>
+        <p:style>
+          <a:lnRef idx="1">
+            <a:schemeClr val="accent3"/>
+          </a:lnRef>
+          <a:fillRef idx="2">
+            <a:schemeClr val="accent3"/>
+          </a:fillRef>
+          <a:effectRef idx="1">
+            <a:schemeClr val="accent3"/>
+          </a:effectRef>
+          <a:fontRef idx="minor">
+            <a:schemeClr val="dk1"/>
+          </a:fontRef>
+        </p:style>
+        <p:txBody>
+          <a:bodyPr vert="horz" wrap="square" lIns="91440" tIns="45720" rIns="91440" bIns="45720" anchor="ctr" anchorCtr="1" compatLnSpc="1">
+            <a:noAutofit/>
+          </a:bodyPr>
+          <a:lstStyle/>
+          <a:p>
+            <a:pPr marL="0" marR="0" lvl="0" indent="0" algn="ctr" defTabSz="457200" rtl="0" fontAlgn="auto" hangingPunct="1">
+              <a:lnSpc>
+                <a:spcPct val="100000"/>
+              </a:lnSpc>
+              <a:spcBef>
+                <a:spcPts val="0"/>
+              </a:spcBef>
+              <a:spcAft>
+                <a:spcPts val="0"/>
+              </a:spcAft>
+              <a:buNone/>
+              <a:tabLst/>
+              <a:defRPr sz="1800" b="0" i="0" u="none" strike="noStrike" kern="0" cap="none" spc="0" baseline="0">
+                <a:solidFill>
+                  <a:srgbClr val="000000"/>
+                </a:solidFill>
+                <a:uFillTx/>
+              </a:defRPr>
+            </a:pPr>
+            <a:r>
+              <a:rPr lang="fi-FI" dirty="0" smtClean="0">
+                <a:solidFill>
+                  <a:srgbClr val="000000"/>
+                </a:solidFill>
+                <a:latin typeface="Calibri"/>
+              </a:rPr>
+              <a:t>Ilmoittaudu</a:t>
+            </a:r>
+            <a:endParaRPr lang="fi-FI" sz="1800" b="0" i="0" u="none" strike="noStrike" kern="1200" cap="none" spc="0" baseline="0" dirty="0">
+              <a:solidFill>
+                <a:srgbClr val="000000"/>
+              </a:solidFill>
+              <a:uFillTx/>
+              <a:latin typeface="Calibri"/>
+            </a:endParaRPr>
+          </a:p>
+        </p:txBody>
+      </p:sp>
+    </p:spTree>
+    <p:extLst>
+      <p:ext uri="{BB962C8B-B14F-4D97-AF65-F5344CB8AC3E}">
+        <p14:creationId xmlns:p14="http://schemas.microsoft.com/office/powerpoint/2010/main" val="3575265519"/>
+      </p:ext>
+    </p:extLst>
+  </p:cSld>
+  <p:clrMapOvr>
+    <a:masterClrMapping/>
+  </p:clrMapOvr>
+</p:sld>
+</file>
+
+<file path=ppt/slides/slide3.xml><?xml version="1.0" encoding="utf-8"?>
+<p:sld xmlns:a="http://schemas.openxmlformats.org/drawingml/2006/main" xmlns:r="http://schemas.openxmlformats.org/officeDocument/2006/relationships" xmlns:p="http://schemas.openxmlformats.org/presentationml/2006/main">
+  <p:cSld>
+    <p:spTree>
+      <p:nvGrpSpPr>
+        <p:cNvPr id="1" name=""/>
+        <p:cNvGrpSpPr/>
+        <p:nvPr/>
+      </p:nvGrpSpPr>
+      <p:grpSpPr>
+        <a:xfrm>
+          <a:off x="0" y="0"/>
+          <a:ext cx="0" cy="0"/>
+          <a:chOff x="0" y="0"/>
+          <a:chExt cx="0" cy="0"/>
+        </a:xfrm>
+      </p:grpSpPr>
+      <p:sp>
+        <p:nvSpPr>
           <p:cNvPr id="4" name="TextBox 21"/>
           <p:cNvSpPr txBox="1"/>
           <p:nvPr/>
@@ -9271,14 +10481,14 @@
           <p:nvPr>
             <p:extLst>
               <p:ext uri="{D42A27DB-BD31-4B8C-83A1-F6EECF244321}">
-                <p14:modId xmlns:p14="http://schemas.microsoft.com/office/powerpoint/2010/main" val="2737001175"/>
+                <p14:modId xmlns:p14="http://schemas.microsoft.com/office/powerpoint/2010/main" val="175875860"/>
               </p:ext>
             </p:extLst>
           </p:nvPr>
         </p:nvGraphicFramePr>
         <p:xfrm>
           <a:off x="1143000" y="3632792"/>
-          <a:ext cx="4571999" cy="1112532"/>
+          <a:ext cx="4571999" cy="370844"/>
         </p:xfrm>
         <a:graphic>
           <a:graphicData uri="http://schemas.openxmlformats.org/drawingml/2006/table">
@@ -9325,13 +10535,34 @@
                     <a:p>
                       <a:pPr lvl="0"/>
                       <a:r>
-                        <a:rPr lang="fi-FI" b="0">
+                        <a:rPr lang="fi-FI" b="0" dirty="0" smtClean="0">
                           <a:solidFill>
                             <a:srgbClr val="000000"/>
                           </a:solidFill>
                         </a:rPr>
-                        <a:t>Ranuan pallopojat</a:t>
+                        <a:t>Joni</a:t>
                       </a:r>
+                      <a:r>
+                        <a:rPr lang="fi-FI" b="0" baseline="0" dirty="0" smtClean="0">
+                          <a:solidFill>
+                            <a:srgbClr val="000000"/>
+                          </a:solidFill>
+                        </a:rPr>
+                        <a:t> </a:t>
+                      </a:r>
+                      <a:r>
+                        <a:rPr lang="fi-FI" b="0" baseline="0" dirty="0" err="1" smtClean="0">
+                          <a:solidFill>
+                            <a:srgbClr val="000000"/>
+                          </a:solidFill>
+                        </a:rPr>
+                        <a:t>knuuttila</a:t>
+                      </a:r>
+                      <a:endParaRPr lang="fi-FI" b="0" dirty="0">
+                        <a:solidFill>
+                          <a:srgbClr val="000000"/>
+                        </a:solidFill>
+                      </a:endParaRPr>
                     </a:p>
                   </a:txBody>
                   <a:tcPr>
@@ -9350,13 +10581,18 @@
                     <a:p>
                       <a:pPr lvl="0"/>
                       <a:r>
-                        <a:rPr lang="fi-FI" b="0">
+                        <a:rPr lang="fi-FI" b="0" dirty="0" smtClean="0">
                           <a:solidFill>
                             <a:srgbClr val="000000"/>
                           </a:solidFill>
                         </a:rPr>
-                        <a:t>Rapa</a:t>
+                        <a:t>Joukkue</a:t>
                       </a:r>
+                      <a:endParaRPr lang="fi-FI" b="0" dirty="0">
+                        <a:solidFill>
+                          <a:srgbClr val="000000"/>
+                        </a:solidFill>
+                      </a:endParaRPr>
                     </a:p>
                   </a:txBody>
                   <a:tcPr>
@@ -9375,557 +10611,18 @@
                     <a:p>
                       <a:pPr lvl="0"/>
                       <a:r>
-                        <a:rPr lang="fi-FI" b="0">
+                        <a:rPr lang="fi-FI" b="0" dirty="0" smtClean="0">
                           <a:solidFill>
                             <a:srgbClr val="000000"/>
                           </a:solidFill>
                         </a:rPr>
-                        <a:t>Ranua</a:t>
+                        <a:t>Tampere</a:t>
                       </a:r>
-                    </a:p>
-                  </a:txBody>
-                  <a:tcPr>
-                    <a:solidFill>
-                      <a:schemeClr val="accent5">
-                        <a:lumMod val="40000"/>
-                        <a:lumOff val="60000"/>
-                      </a:schemeClr>
-                    </a:solidFill>
-                  </a:tcPr>
-                </a:tc>
-                <a:tc>
-                  <a:txBody>
-                    <a:bodyPr/>
-                    <a:lstStyle/>
-                    <a:p>
-                      <a:pPr lvl="0"/>
-                      <a:r>
-                        <a:rPr lang="fi-FI" b="0">
-                          <a:solidFill>
-                            <a:srgbClr val="000000"/>
-                          </a:solidFill>
-                        </a:rPr>
-                        <a:t>Suomi</a:t>
-                      </a:r>
-                    </a:p>
-                  </a:txBody>
-                  <a:tcPr>
-                    <a:solidFill>
-                      <a:schemeClr val="accent5">
-                        <a:lumMod val="40000"/>
-                        <a:lumOff val="60000"/>
-                      </a:schemeClr>
-                    </a:solidFill>
-                  </a:tcPr>
-                </a:tc>
-                <a:extLst>
-                  <a:ext uri="{0D108BD9-81ED-4DB2-BD59-A6C34878D82A}">
-                    <a16:rowId xmlns:a16="http://schemas.microsoft.com/office/drawing/2014/main" val="1590323454"/>
-                  </a:ext>
-                </a:extLst>
-              </a:tr>
-              <a:tr h="370844">
-                <a:tc>
-                  <a:txBody>
-                    <a:bodyPr/>
-                    <a:lstStyle/>
-                    <a:p>
-                      <a:pPr lvl="0"/>
-                      <a:r>
-                        <a:rPr lang="fi-FI">
-                          <a:solidFill>
-                            <a:srgbClr val="000000"/>
-                          </a:solidFill>
-                        </a:rPr>
-                        <a:t>PaterNestorit</a:t>
-                      </a:r>
-                    </a:p>
-                  </a:txBody>
-                  <a:tcPr>
-                    <a:solidFill>
-                      <a:schemeClr val="accent5">
-                        <a:lumMod val="40000"/>
-                        <a:lumOff val="60000"/>
-                      </a:schemeClr>
-                    </a:solidFill>
-                  </a:tcPr>
-                </a:tc>
-                <a:tc>
-                  <a:txBody>
-                    <a:bodyPr/>
-                    <a:lstStyle/>
-                    <a:p>
-                      <a:pPr lvl="0"/>
-                      <a:r>
-                        <a:rPr lang="fi-FI">
-                          <a:solidFill>
-                            <a:srgbClr val="000000"/>
-                          </a:solidFill>
-                        </a:rPr>
-                        <a:t>Pater</a:t>
-                      </a:r>
-                    </a:p>
-                  </a:txBody>
-                  <a:tcPr>
-                    <a:solidFill>
-                      <a:schemeClr val="accent5">
-                        <a:lumMod val="40000"/>
-                        <a:lumOff val="60000"/>
-                      </a:schemeClr>
-                    </a:solidFill>
-                  </a:tcPr>
-                </a:tc>
-                <a:tc>
-                  <a:txBody>
-                    <a:bodyPr/>
-                    <a:lstStyle/>
-                    <a:p>
-                      <a:pPr lvl="0"/>
-                      <a:r>
-                        <a:rPr lang="fi-FI">
-                          <a:solidFill>
-                            <a:srgbClr val="000000"/>
-                          </a:solidFill>
-                        </a:rPr>
-                        <a:t>Raisio</a:t>
-                      </a:r>
-                    </a:p>
-                  </a:txBody>
-                  <a:tcPr>
-                    <a:solidFill>
-                      <a:schemeClr val="accent5">
-                        <a:lumMod val="40000"/>
-                        <a:lumOff val="60000"/>
-                      </a:schemeClr>
-                    </a:solidFill>
-                  </a:tcPr>
-                </a:tc>
-                <a:tc>
-                  <a:txBody>
-                    <a:bodyPr/>
-                    <a:lstStyle/>
-                    <a:p>
-                      <a:pPr lvl="0"/>
-                      <a:r>
-                        <a:rPr lang="fi-FI" dirty="0">
-                          <a:solidFill>
-                            <a:srgbClr val="000000"/>
-                          </a:solidFill>
-                        </a:rPr>
-                        <a:t>Suomi</a:t>
-                      </a:r>
-                    </a:p>
-                  </a:txBody>
-                  <a:tcPr>
-                    <a:solidFill>
-                      <a:schemeClr val="accent5">
-                        <a:lumMod val="40000"/>
-                        <a:lumOff val="60000"/>
-                      </a:schemeClr>
-                    </a:solidFill>
-                  </a:tcPr>
-                </a:tc>
-                <a:extLst>
-                  <a:ext uri="{0D108BD9-81ED-4DB2-BD59-A6C34878D82A}">
-                    <a16:rowId xmlns:a16="http://schemas.microsoft.com/office/drawing/2014/main" val="834490803"/>
-                  </a:ext>
-                </a:extLst>
-              </a:tr>
-              <a:tr h="370844">
-                <a:tc>
-                  <a:txBody>
-                    <a:bodyPr/>
-                    <a:lstStyle/>
-                    <a:p>
-                      <a:pPr lvl="0"/>
-                      <a:r>
-                        <a:rPr lang="fi-FI">
-                          <a:solidFill>
-                            <a:srgbClr val="000000"/>
-                          </a:solidFill>
-                        </a:rPr>
-                        <a:t>Karhun pojat</a:t>
-                      </a:r>
-                    </a:p>
-                  </a:txBody>
-                  <a:tcPr>
-                    <a:solidFill>
-                      <a:schemeClr val="accent5">
-                        <a:lumMod val="40000"/>
-                        <a:lumOff val="60000"/>
-                      </a:schemeClr>
-                    </a:solidFill>
-                  </a:tcPr>
-                </a:tc>
-                <a:tc>
-                  <a:txBody>
-                    <a:bodyPr/>
-                    <a:lstStyle/>
-                    <a:p>
-                      <a:pPr lvl="0"/>
-                      <a:r>
-                        <a:rPr lang="fi-FI">
-                          <a:solidFill>
-                            <a:srgbClr val="000000"/>
-                          </a:solidFill>
-                        </a:rPr>
-                        <a:t>KaPo</a:t>
-                      </a:r>
-                    </a:p>
-                  </a:txBody>
-                  <a:tcPr>
-                    <a:solidFill>
-                      <a:schemeClr val="accent5">
-                        <a:lumMod val="40000"/>
-                        <a:lumOff val="60000"/>
-                      </a:schemeClr>
-                    </a:solidFill>
-                  </a:tcPr>
-                </a:tc>
-                <a:tc>
-                  <a:txBody>
-                    <a:bodyPr/>
-                    <a:lstStyle/>
-                    <a:p>
-                      <a:pPr lvl="0"/>
-                      <a:r>
-                        <a:rPr lang="fi-FI">
-                          <a:solidFill>
-                            <a:srgbClr val="000000"/>
-                          </a:solidFill>
-                        </a:rPr>
-                        <a:t>Karkkila</a:t>
-                      </a:r>
-                    </a:p>
-                  </a:txBody>
-                  <a:tcPr>
-                    <a:solidFill>
-                      <a:schemeClr val="accent5">
-                        <a:lumMod val="40000"/>
-                        <a:lumOff val="60000"/>
-                      </a:schemeClr>
-                    </a:solidFill>
-                  </a:tcPr>
-                </a:tc>
-                <a:tc>
-                  <a:txBody>
-                    <a:bodyPr/>
-                    <a:lstStyle/>
-                    <a:p>
-                      <a:pPr lvl="0"/>
-                      <a:r>
-                        <a:rPr lang="fi-FI" dirty="0">
-                          <a:solidFill>
-                            <a:srgbClr val="000000"/>
-                          </a:solidFill>
-                        </a:rPr>
-                        <a:t>Suomi</a:t>
-                      </a:r>
-                    </a:p>
-                  </a:txBody>
-                  <a:tcPr>
-                    <a:solidFill>
-                      <a:schemeClr val="accent5">
-                        <a:lumMod val="40000"/>
-                        <a:lumOff val="60000"/>
-                      </a:schemeClr>
-                    </a:solidFill>
-                  </a:tcPr>
-                </a:tc>
-                <a:extLst>
-                  <a:ext uri="{0D108BD9-81ED-4DB2-BD59-A6C34878D82A}">
-                    <a16:rowId xmlns:a16="http://schemas.microsoft.com/office/drawing/2014/main" val="1675716460"/>
-                  </a:ext>
-                </a:extLst>
-              </a:tr>
-            </a:tbl>
-          </a:graphicData>
-        </a:graphic>
-      </p:graphicFrame>
-      <p:sp>
-        <p:nvSpPr>
-          <p:cNvPr id="7" name="TextBox 12"/>
-          <p:cNvSpPr txBox="1"/>
-          <p:nvPr/>
-        </p:nvSpPr>
-        <p:spPr>
-          <a:xfrm>
-            <a:off x="899650" y="5383886"/>
-            <a:ext cx="1150059" cy="369335"/>
-          </a:xfrm>
-          <a:prstGeom prst="rect">
-            <a:avLst/>
-          </a:prstGeom>
-          <a:noFill/>
-          <a:ln cap="flat">
-            <a:noFill/>
-          </a:ln>
-        </p:spPr>
-        <p:txBody>
-          <a:bodyPr vert="horz" wrap="none" lIns="91440" tIns="45720" rIns="91440" bIns="45720" anchor="t" anchorCtr="0" compatLnSpc="1">
-            <a:spAutoFit/>
-          </a:bodyPr>
-          <a:lstStyle/>
-          <a:p>
-            <a:pPr marL="0" marR="0" lvl="0" indent="0" algn="l" defTabSz="914400" rtl="0" fontAlgn="auto" hangingPunct="1">
-              <a:lnSpc>
-                <a:spcPct val="100000"/>
-              </a:lnSpc>
-              <a:spcBef>
-                <a:spcPts val="0"/>
-              </a:spcBef>
-              <a:spcAft>
-                <a:spcPts val="0"/>
-              </a:spcAft>
-              <a:buNone/>
-              <a:tabLst/>
-              <a:defRPr sz="1800" b="0" i="0" u="none" strike="noStrike" kern="0" cap="none" spc="0" baseline="0">
-                <a:solidFill>
-                  <a:srgbClr val="000000"/>
-                </a:solidFill>
-                <a:uFillTx/>
-              </a:defRPr>
-            </a:pPr>
-            <a:r>
-              <a:rPr lang="fi-FI" sz="1800" b="0" i="0" u="none" strike="noStrike" kern="1200" cap="none" spc="0" baseline="0">
-                <a:solidFill>
-                  <a:srgbClr val="000000"/>
-                </a:solidFill>
-                <a:uFillTx/>
-                <a:latin typeface="Calibri"/>
-              </a:rPr>
-              <a:t>Miehet 45</a:t>
-            </a:r>
-          </a:p>
-        </p:txBody>
-      </p:sp>
-      <p:graphicFrame>
-        <p:nvGraphicFramePr>
-          <p:cNvPr id="8" name="Table 13"/>
-          <p:cNvGraphicFramePr>
-            <a:graphicFrameLocks noGrp="1"/>
-          </p:cNvGraphicFramePr>
-          <p:nvPr>
-            <p:extLst>
-              <p:ext uri="{D42A27DB-BD31-4B8C-83A1-F6EECF244321}">
-                <p14:modId xmlns:p14="http://schemas.microsoft.com/office/powerpoint/2010/main" val="3858515877"/>
-              </p:ext>
-            </p:extLst>
-          </p:nvPr>
-        </p:nvGraphicFramePr>
-        <p:xfrm>
-          <a:off x="1150370" y="5998326"/>
-          <a:ext cx="4571999" cy="873764"/>
-        </p:xfrm>
-        <a:graphic>
-          <a:graphicData uri="http://schemas.openxmlformats.org/drawingml/2006/table">
-            <a:tbl>
-              <a:tblPr firstRow="1" bandRow="1">
-                <a:effectLst/>
-                <a:tableStyleId>{5C22544A-7EE6-4342-B048-85BDC9FD1C3A}</a:tableStyleId>
-              </a:tblPr>
-              <a:tblGrid>
-                <a:gridCol w="1440426">
-                  <a:extLst>
-                    <a:ext uri="{9D8B030D-6E8A-4147-A177-3AD203B41FA5}">
-                      <a16:colId xmlns:a16="http://schemas.microsoft.com/office/drawing/2014/main" val="3958999471"/>
-                    </a:ext>
-                  </a:extLst>
-                </a:gridCol>
-                <a:gridCol w="845573">
-                  <a:extLst>
-                    <a:ext uri="{9D8B030D-6E8A-4147-A177-3AD203B41FA5}">
-                      <a16:colId xmlns:a16="http://schemas.microsoft.com/office/drawing/2014/main" val="333795616"/>
-                    </a:ext>
-                  </a:extLst>
-                </a:gridCol>
-                <a:gridCol w="1143000">
-                  <a:extLst>
-                    <a:ext uri="{9D8B030D-6E8A-4147-A177-3AD203B41FA5}">
-                      <a16:colId xmlns:a16="http://schemas.microsoft.com/office/drawing/2014/main" val="2154807115"/>
-                    </a:ext>
-                  </a:extLst>
-                </a:gridCol>
-                <a:gridCol w="1143000">
-                  <a:extLst>
-                    <a:ext uri="{9D8B030D-6E8A-4147-A177-3AD203B41FA5}">
-                      <a16:colId xmlns:a16="http://schemas.microsoft.com/office/drawing/2014/main" val="4229761824"/>
-                    </a:ext>
-                  </a:extLst>
-                </a:gridCol>
-              </a:tblGrid>
-              <a:tr h="370844">
-                <a:tc>
-                  <a:txBody>
-                    <a:bodyPr/>
-                    <a:lstStyle/>
-                    <a:p>
-                      <a:pPr lvl="0"/>
-                      <a:r>
-                        <a:rPr lang="fi-FI" b="0">
-                          <a:solidFill>
-                            <a:srgbClr val="000000"/>
-                          </a:solidFill>
-                        </a:rPr>
-                        <a:t>Poliisien palloseura</a:t>
-                      </a:r>
-                    </a:p>
-                  </a:txBody>
-                  <a:tcPr>
-                    <a:solidFill>
-                      <a:schemeClr val="accent5">
-                        <a:lumMod val="40000"/>
-                        <a:lumOff val="60000"/>
-                      </a:schemeClr>
-                    </a:solidFill>
-                  </a:tcPr>
-                </a:tc>
-                <a:tc>
-                  <a:txBody>
-                    <a:bodyPr/>
-                    <a:lstStyle/>
-                    <a:p>
-                      <a:pPr lvl="0"/>
-                      <a:r>
-                        <a:rPr lang="fi-FI" b="0" dirty="0">
-                          <a:solidFill>
-                            <a:srgbClr val="000000"/>
-                          </a:solidFill>
-                        </a:rPr>
-                        <a:t>PPS</a:t>
-                      </a:r>
-                    </a:p>
-                  </a:txBody>
-                  <a:tcPr>
-                    <a:solidFill>
-                      <a:schemeClr val="accent5">
-                        <a:lumMod val="40000"/>
-                        <a:lumOff val="60000"/>
-                      </a:schemeClr>
-                    </a:solidFill>
-                  </a:tcPr>
-                </a:tc>
-                <a:tc>
-                  <a:txBody>
-                    <a:bodyPr/>
-                    <a:lstStyle/>
-                    <a:p>
-                      <a:pPr lvl="0"/>
-                      <a:r>
-                        <a:rPr lang="fi-FI" b="0">
-                          <a:solidFill>
-                            <a:srgbClr val="000000"/>
-                          </a:solidFill>
-                        </a:rPr>
-                        <a:t>Helsinki</a:t>
-                      </a:r>
-                    </a:p>
-                  </a:txBody>
-                  <a:tcPr>
-                    <a:solidFill>
-                      <a:schemeClr val="accent5">
-                        <a:lumMod val="40000"/>
-                        <a:lumOff val="60000"/>
-                      </a:schemeClr>
-                    </a:solidFill>
-                  </a:tcPr>
-                </a:tc>
-                <a:tc>
-                  <a:txBody>
-                    <a:bodyPr/>
-                    <a:lstStyle/>
-                    <a:p>
-                      <a:pPr lvl="0"/>
-                      <a:r>
-                        <a:rPr lang="fi-FI" b="0">
-                          <a:solidFill>
-                            <a:srgbClr val="000000"/>
-                          </a:solidFill>
-                        </a:rPr>
-                        <a:t>Suomi</a:t>
-                      </a:r>
-                    </a:p>
-                  </a:txBody>
-                  <a:tcPr>
-                    <a:solidFill>
-                      <a:schemeClr val="accent5">
-                        <a:lumMod val="40000"/>
-                        <a:lumOff val="60000"/>
-                      </a:schemeClr>
-                    </a:solidFill>
-                  </a:tcPr>
-                </a:tc>
-                <a:extLst>
-                  <a:ext uri="{0D108BD9-81ED-4DB2-BD59-A6C34878D82A}">
-                    <a16:rowId xmlns:a16="http://schemas.microsoft.com/office/drawing/2014/main" val="4002205188"/>
-                  </a:ext>
-                </a:extLst>
-              </a:tr>
-              <a:tr h="370844">
-                <a:tc>
-                  <a:txBody>
-                    <a:bodyPr/>
-                    <a:lstStyle/>
-                    <a:p>
-                      <a:pPr lvl="0"/>
-                      <a:r>
-                        <a:rPr lang="fi-FI" b="0">
-                          <a:solidFill>
-                            <a:srgbClr val="000000"/>
-                          </a:solidFill>
-                        </a:rPr>
-                        <a:t>PaterNestorit</a:t>
-                      </a:r>
-                    </a:p>
-                  </a:txBody>
-                  <a:tcPr>
-                    <a:solidFill>
-                      <a:schemeClr val="accent5">
-                        <a:lumMod val="40000"/>
-                        <a:lumOff val="60000"/>
-                      </a:schemeClr>
-                    </a:solidFill>
-                  </a:tcPr>
-                </a:tc>
-                <a:tc>
-                  <a:txBody>
-                    <a:bodyPr/>
-                    <a:lstStyle/>
-                    <a:p>
-                      <a:pPr lvl="0"/>
-                      <a:r>
-                        <a:rPr lang="fi-FI" b="0">
-                          <a:solidFill>
-                            <a:srgbClr val="000000"/>
-                          </a:solidFill>
-                        </a:rPr>
-                        <a:t>Pater</a:t>
-                      </a:r>
-                    </a:p>
-                  </a:txBody>
-                  <a:tcPr>
-                    <a:solidFill>
-                      <a:schemeClr val="accent5">
-                        <a:lumMod val="40000"/>
-                        <a:lumOff val="60000"/>
-                      </a:schemeClr>
-                    </a:solidFill>
-                  </a:tcPr>
-                </a:tc>
-                <a:tc>
-                  <a:txBody>
-                    <a:bodyPr/>
-                    <a:lstStyle/>
-                    <a:p>
-                      <a:pPr lvl="0"/>
-                      <a:r>
-                        <a:rPr lang="fi-FI" b="0">
-                          <a:solidFill>
-                            <a:srgbClr val="000000"/>
-                          </a:solidFill>
-                        </a:rPr>
-                        <a:t>Raisio</a:t>
-                      </a:r>
+                      <a:endParaRPr lang="fi-FI" b="0" dirty="0">
+                        <a:solidFill>
+                          <a:srgbClr val="000000"/>
+                        </a:solidFill>
+                      </a:endParaRPr>
                     </a:p>
                   </a:txBody>
                   <a:tcPr>
@@ -9964,337 +10661,7 @@
                 </a:tc>
                 <a:extLst>
                   <a:ext uri="{0D108BD9-81ED-4DB2-BD59-A6C34878D82A}">
-                    <a16:rowId xmlns:a16="http://schemas.microsoft.com/office/drawing/2014/main" val="1706065595"/>
-                  </a:ext>
-                </a:extLst>
-              </a:tr>
-            </a:tbl>
-          </a:graphicData>
-        </a:graphic>
-      </p:graphicFrame>
-      <p:sp>
-        <p:nvSpPr>
-          <p:cNvPr id="9" name="TextBox 14"/>
-          <p:cNvSpPr txBox="1"/>
-          <p:nvPr/>
-        </p:nvSpPr>
-        <p:spPr>
-          <a:xfrm>
-            <a:off x="899650" y="7254355"/>
-            <a:ext cx="1150059" cy="369335"/>
-          </a:xfrm>
-          <a:prstGeom prst="rect">
-            <a:avLst/>
-          </a:prstGeom>
-          <a:noFill/>
-          <a:ln cap="flat">
-            <a:noFill/>
-          </a:ln>
-        </p:spPr>
-        <p:txBody>
-          <a:bodyPr vert="horz" wrap="none" lIns="91440" tIns="45720" rIns="91440" bIns="45720" anchor="t" anchorCtr="0" compatLnSpc="1">
-            <a:spAutoFit/>
-          </a:bodyPr>
-          <a:lstStyle/>
-          <a:p>
-            <a:pPr marL="0" marR="0" lvl="0" indent="0" algn="l" defTabSz="914400" rtl="0" fontAlgn="auto" hangingPunct="1">
-              <a:lnSpc>
-                <a:spcPct val="100000"/>
-              </a:lnSpc>
-              <a:spcBef>
-                <a:spcPts val="0"/>
-              </a:spcBef>
-              <a:spcAft>
-                <a:spcPts val="0"/>
-              </a:spcAft>
-              <a:buNone/>
-              <a:tabLst/>
-              <a:defRPr sz="1800" b="0" i="0" u="none" strike="noStrike" kern="0" cap="none" spc="0" baseline="0">
-                <a:solidFill>
-                  <a:srgbClr val="000000"/>
-                </a:solidFill>
-                <a:uFillTx/>
-              </a:defRPr>
-            </a:pPr>
-            <a:r>
-              <a:rPr lang="fi-FI" sz="1800" b="0" i="0" u="none" strike="noStrike" kern="1200" cap="none" spc="0" baseline="0">
-                <a:solidFill>
-                  <a:srgbClr val="000000"/>
-                </a:solidFill>
-                <a:uFillTx/>
-                <a:latin typeface="Calibri"/>
-              </a:rPr>
-              <a:t>Miehet 50</a:t>
-            </a:r>
-          </a:p>
-        </p:txBody>
-      </p:sp>
-      <p:graphicFrame>
-        <p:nvGraphicFramePr>
-          <p:cNvPr id="10" name="Table 15"/>
-          <p:cNvGraphicFramePr>
-            <a:graphicFrameLocks noGrp="1"/>
-          </p:cNvGraphicFramePr>
-          <p:nvPr>
-            <p:extLst>
-              <p:ext uri="{D42A27DB-BD31-4B8C-83A1-F6EECF244321}">
-                <p14:modId xmlns:p14="http://schemas.microsoft.com/office/powerpoint/2010/main" val="3540455243"/>
-              </p:ext>
-            </p:extLst>
-          </p:nvPr>
-        </p:nvGraphicFramePr>
-        <p:xfrm>
-          <a:off x="1150370" y="7622182"/>
-          <a:ext cx="4571999" cy="873764"/>
-        </p:xfrm>
-        <a:graphic>
-          <a:graphicData uri="http://schemas.openxmlformats.org/drawingml/2006/table">
-            <a:tbl>
-              <a:tblPr firstRow="1" bandRow="1">
-                <a:effectLst/>
-                <a:tableStyleId>{5C22544A-7EE6-4342-B048-85BDC9FD1C3A}</a:tableStyleId>
-              </a:tblPr>
-              <a:tblGrid>
-                <a:gridCol w="1465828">
-                  <a:extLst>
-                    <a:ext uri="{9D8B030D-6E8A-4147-A177-3AD203B41FA5}">
-                      <a16:colId xmlns:a16="http://schemas.microsoft.com/office/drawing/2014/main" val="4177538127"/>
-                    </a:ext>
-                  </a:extLst>
-                </a:gridCol>
-                <a:gridCol w="820171">
-                  <a:extLst>
-                    <a:ext uri="{9D8B030D-6E8A-4147-A177-3AD203B41FA5}">
-                      <a16:colId xmlns:a16="http://schemas.microsoft.com/office/drawing/2014/main" val="2737850398"/>
-                    </a:ext>
-                  </a:extLst>
-                </a:gridCol>
-                <a:gridCol w="1143000">
-                  <a:extLst>
-                    <a:ext uri="{9D8B030D-6E8A-4147-A177-3AD203B41FA5}">
-                      <a16:colId xmlns:a16="http://schemas.microsoft.com/office/drawing/2014/main" val="3474993258"/>
-                    </a:ext>
-                  </a:extLst>
-                </a:gridCol>
-                <a:gridCol w="1143000">
-                  <a:extLst>
-                    <a:ext uri="{9D8B030D-6E8A-4147-A177-3AD203B41FA5}">
-                      <a16:colId xmlns:a16="http://schemas.microsoft.com/office/drawing/2014/main" val="3750023516"/>
-                    </a:ext>
-                  </a:extLst>
-                </a:gridCol>
-              </a:tblGrid>
-              <a:tr h="370844">
-                <a:tc>
-                  <a:txBody>
-                    <a:bodyPr/>
-                    <a:lstStyle/>
-                    <a:p>
-                      <a:pPr lvl="0"/>
-                      <a:r>
-                        <a:rPr lang="fi-FI" b="0" dirty="0">
-                          <a:solidFill>
-                            <a:srgbClr val="000000"/>
-                          </a:solidFill>
-                        </a:rPr>
-                        <a:t>Poliisien palloseura</a:t>
-                      </a:r>
-                    </a:p>
-                  </a:txBody>
-                  <a:tcPr>
-                    <a:solidFill>
-                      <a:schemeClr val="accent5">
-                        <a:lumMod val="40000"/>
-                        <a:lumOff val="60000"/>
-                      </a:schemeClr>
-                    </a:solidFill>
-                  </a:tcPr>
-                </a:tc>
-                <a:tc>
-                  <a:txBody>
-                    <a:bodyPr/>
-                    <a:lstStyle/>
-                    <a:p>
-                      <a:pPr lvl="0"/>
-                      <a:r>
-                        <a:rPr lang="fi-FI" b="0">
-                          <a:solidFill>
-                            <a:srgbClr val="000000"/>
-                          </a:solidFill>
-                        </a:rPr>
-                        <a:t>PPS</a:t>
-                      </a:r>
-                    </a:p>
-                  </a:txBody>
-                  <a:tcPr>
-                    <a:solidFill>
-                      <a:schemeClr val="accent5">
-                        <a:lumMod val="40000"/>
-                        <a:lumOff val="60000"/>
-                      </a:schemeClr>
-                    </a:solidFill>
-                  </a:tcPr>
-                </a:tc>
-                <a:tc>
-                  <a:txBody>
-                    <a:bodyPr/>
-                    <a:lstStyle/>
-                    <a:p>
-                      <a:pPr lvl="0"/>
-                      <a:r>
-                        <a:rPr lang="fi-FI" b="0">
-                          <a:solidFill>
-                            <a:srgbClr val="000000"/>
-                          </a:solidFill>
-                        </a:rPr>
-                        <a:t>Helsinki</a:t>
-                      </a:r>
-                    </a:p>
-                  </a:txBody>
-                  <a:tcPr>
-                    <a:solidFill>
-                      <a:schemeClr val="accent5">
-                        <a:lumMod val="40000"/>
-                        <a:lumOff val="60000"/>
-                      </a:schemeClr>
-                    </a:solidFill>
-                  </a:tcPr>
-                </a:tc>
-                <a:tc>
-                  <a:txBody>
-                    <a:bodyPr/>
-                    <a:lstStyle/>
-                    <a:p>
-                      <a:pPr lvl="0"/>
-                      <a:r>
-                        <a:rPr lang="fi-FI" b="0">
-                          <a:solidFill>
-                            <a:srgbClr val="000000"/>
-                          </a:solidFill>
-                        </a:rPr>
-                        <a:t>Suomi</a:t>
-                      </a:r>
-                    </a:p>
-                  </a:txBody>
-                  <a:tcPr>
-                    <a:solidFill>
-                      <a:schemeClr val="accent5">
-                        <a:lumMod val="40000"/>
-                        <a:lumOff val="60000"/>
-                      </a:schemeClr>
-                    </a:solidFill>
-                  </a:tcPr>
-                </a:tc>
-                <a:extLst>
-                  <a:ext uri="{0D108BD9-81ED-4DB2-BD59-A6C34878D82A}">
-                    <a16:rowId xmlns:a16="http://schemas.microsoft.com/office/drawing/2014/main" val="360468936"/>
-                  </a:ext>
-                </a:extLst>
-              </a:tr>
-              <a:tr h="370844">
-                <a:tc>
-                  <a:txBody>
-                    <a:bodyPr/>
-                    <a:lstStyle/>
-                    <a:p>
-                      <a:pPr lvl="0"/>
-                      <a:r>
-                        <a:rPr lang="fi-FI" b="0">
-                          <a:solidFill>
-                            <a:srgbClr val="000000"/>
-                          </a:solidFill>
-                        </a:rPr>
-                        <a:t>PaterNestorit</a:t>
-                      </a:r>
-                    </a:p>
-                  </a:txBody>
-                  <a:tcPr>
-                    <a:solidFill>
-                      <a:schemeClr val="accent5">
-                        <a:lumMod val="40000"/>
-                        <a:lumOff val="60000"/>
-                      </a:schemeClr>
-                    </a:solidFill>
-                  </a:tcPr>
-                </a:tc>
-                <a:tc>
-                  <a:txBody>
-                    <a:bodyPr/>
-                    <a:lstStyle/>
-                    <a:p>
-                      <a:pPr lvl="0"/>
-                      <a:r>
-                        <a:rPr lang="fi-FI" b="0">
-                          <a:solidFill>
-                            <a:srgbClr val="000000"/>
-                          </a:solidFill>
-                        </a:rPr>
-                        <a:t>Pater</a:t>
-                      </a:r>
-                    </a:p>
-                  </a:txBody>
-                  <a:tcPr>
-                    <a:solidFill>
-                      <a:schemeClr val="accent5">
-                        <a:lumMod val="40000"/>
-                        <a:lumOff val="60000"/>
-                      </a:schemeClr>
-                    </a:solidFill>
-                  </a:tcPr>
-                </a:tc>
-                <a:tc>
-                  <a:txBody>
-                    <a:bodyPr/>
-                    <a:lstStyle/>
-                    <a:p>
-                      <a:pPr lvl="0"/>
-                      <a:r>
-                        <a:rPr lang="fi-FI" b="0">
-                          <a:solidFill>
-                            <a:srgbClr val="000000"/>
-                          </a:solidFill>
-                        </a:rPr>
-                        <a:t>Raisio</a:t>
-                      </a:r>
-                    </a:p>
-                  </a:txBody>
-                  <a:tcPr>
-                    <a:solidFill>
-                      <a:schemeClr val="accent5">
-                        <a:lumMod val="40000"/>
-                        <a:lumOff val="60000"/>
-                      </a:schemeClr>
-                    </a:solidFill>
-                  </a:tcPr>
-                </a:tc>
-                <a:tc>
-                  <a:txBody>
-                    <a:bodyPr/>
-                    <a:lstStyle/>
-                    <a:p>
-                      <a:pPr lvl="0"/>
-                      <a:r>
-                        <a:rPr lang="fi-FI" b="0" dirty="0">
-                          <a:solidFill>
-                            <a:srgbClr val="000000"/>
-                          </a:solidFill>
-                        </a:rPr>
-                        <a:t>Suomi</a:t>
-                      </a:r>
-                    </a:p>
-                  </a:txBody>
-                  <a:tcPr>
-                    <a:solidFill>
-                      <a:schemeClr val="accent5">
-                        <a:lumMod val="40000"/>
-                        <a:lumOff val="60000"/>
-                      </a:schemeClr>
-                    </a:solidFill>
-                  </a:tcPr>
-                </a:tc>
-                <a:extLst>
-                  <a:ext uri="{0D108BD9-81ED-4DB2-BD59-A6C34878D82A}">
-                    <a16:rowId xmlns:a16="http://schemas.microsoft.com/office/drawing/2014/main" val="860393000"/>
+                    <a16:rowId xmlns:a16="http://schemas.microsoft.com/office/drawing/2014/main" val="1590323454"/>
                   </a:ext>
                 </a:extLst>
               </a:tr>
@@ -10552,76 +10919,187 @@
           </a:p>
         </p:txBody>
       </p:sp>
-      <p:sp>
-        <p:nvSpPr>
-          <p:cNvPr id="23" name="Tekstiruutu 22"/>
-          <p:cNvSpPr txBox="1"/>
-          <p:nvPr/>
-        </p:nvSpPr>
-        <p:spPr>
-          <a:xfrm>
-            <a:off x="7642995" y="3036092"/>
-            <a:ext cx="997389" cy="369332"/>
-          </a:xfrm>
-          <a:prstGeom prst="rect">
-            <a:avLst/>
-          </a:prstGeom>
-          <a:noFill/>
-          <a:ln>
-            <a:solidFill>
-              <a:schemeClr val="tx1"/>
-            </a:solidFill>
-          </a:ln>
-        </p:spPr>
-        <p:txBody>
-          <a:bodyPr wrap="none" rtlCol="0">
-            <a:spAutoFit/>
-          </a:bodyPr>
-          <a:lstStyle/>
-          <a:p>
-            <a:r>
-              <a:rPr lang="fi-FI"/>
-              <a:t>#e6e6e6</a:t>
-            </a:r>
-            <a:endParaRPr lang="fi-FI" dirty="0"/>
-          </a:p>
-        </p:txBody>
-      </p:sp>
-      <p:cxnSp>
-        <p:nvCxnSpPr>
-          <p:cNvPr id="27" name="Suora nuoliyhdysviiva 26"/>
-          <p:cNvCxnSpPr>
-            <a:stCxn id="23" idx="1"/>
-          </p:cNvCxnSpPr>
-          <p:nvPr/>
-        </p:nvCxnSpPr>
-        <p:spPr>
-          <a:xfrm flipH="1" flipV="1">
-            <a:off x="5191433" y="2168014"/>
-            <a:ext cx="2451562" cy="1052744"/>
-          </a:xfrm>
-          <a:prstGeom prst="straightConnector1">
-            <a:avLst/>
-          </a:prstGeom>
-          <a:ln>
-            <a:tailEnd type="triangle"/>
-          </a:ln>
-        </p:spPr>
-        <p:style>
-          <a:lnRef idx="1">
-            <a:schemeClr val="dk1"/>
-          </a:lnRef>
-          <a:fillRef idx="0">
-            <a:schemeClr val="dk1"/>
-          </a:fillRef>
-          <a:effectRef idx="0">
-            <a:schemeClr val="dk1"/>
-          </a:effectRef>
-          <a:fontRef idx="minor">
-            <a:schemeClr val="tx1"/>
-          </a:fontRef>
-        </p:style>
-      </p:cxnSp>
+      <p:graphicFrame>
+        <p:nvGraphicFramePr>
+          <p:cNvPr id="18" name="Table 10"/>
+          <p:cNvGraphicFramePr>
+            <a:graphicFrameLocks noGrp="1"/>
+          </p:cNvGraphicFramePr>
+          <p:nvPr>
+            <p:extLst>
+              <p:ext uri="{D42A27DB-BD31-4B8C-83A1-F6EECF244321}">
+                <p14:modId xmlns:p14="http://schemas.microsoft.com/office/powerpoint/2010/main" val="246918306"/>
+              </p:ext>
+            </p:extLst>
+          </p:nvPr>
+        </p:nvGraphicFramePr>
+        <p:xfrm>
+          <a:off x="1142998" y="4012802"/>
+          <a:ext cx="4571999" cy="370844"/>
+        </p:xfrm>
+        <a:graphic>
+          <a:graphicData uri="http://schemas.openxmlformats.org/drawingml/2006/table">
+            <a:tbl>
+              <a:tblPr firstRow="1" bandRow="1">
+                <a:effectLst/>
+                <a:tableStyleId>{5C22544A-7EE6-4342-B048-85BDC9FD1C3A}</a:tableStyleId>
+              </a:tblPr>
+              <a:tblGrid>
+                <a:gridCol w="1460497">
+                  <a:extLst>
+                    <a:ext uri="{9D8B030D-6E8A-4147-A177-3AD203B41FA5}">
+                      <a16:colId xmlns:a16="http://schemas.microsoft.com/office/drawing/2014/main" val="3569507388"/>
+                    </a:ext>
+                  </a:extLst>
+                </a:gridCol>
+                <a:gridCol w="825502">
+                  <a:extLst>
+                    <a:ext uri="{9D8B030D-6E8A-4147-A177-3AD203B41FA5}">
+                      <a16:colId xmlns:a16="http://schemas.microsoft.com/office/drawing/2014/main" val="2907081535"/>
+                    </a:ext>
+                  </a:extLst>
+                </a:gridCol>
+                <a:gridCol w="1143000">
+                  <a:extLst>
+                    <a:ext uri="{9D8B030D-6E8A-4147-A177-3AD203B41FA5}">
+                      <a16:colId xmlns:a16="http://schemas.microsoft.com/office/drawing/2014/main" val="2631670961"/>
+                    </a:ext>
+                  </a:extLst>
+                </a:gridCol>
+                <a:gridCol w="1143000">
+                  <a:extLst>
+                    <a:ext uri="{9D8B030D-6E8A-4147-A177-3AD203B41FA5}">
+                      <a16:colId xmlns:a16="http://schemas.microsoft.com/office/drawing/2014/main" val="246348222"/>
+                    </a:ext>
+                  </a:extLst>
+                </a:gridCol>
+              </a:tblGrid>
+              <a:tr h="370844">
+                <a:tc>
+                  <a:txBody>
+                    <a:bodyPr/>
+                    <a:lstStyle/>
+                    <a:p>
+                      <a:pPr lvl="0"/>
+                      <a:r>
+                        <a:rPr lang="fi-FI" b="0" dirty="0" smtClean="0">
+                          <a:solidFill>
+                            <a:srgbClr val="000000"/>
+                          </a:solidFill>
+                        </a:rPr>
+                        <a:t>Vili kalliolinna</a:t>
+                      </a:r>
+                      <a:endParaRPr lang="fi-FI" b="0" dirty="0">
+                        <a:solidFill>
+                          <a:srgbClr val="000000"/>
+                        </a:solidFill>
+                      </a:endParaRPr>
+                    </a:p>
+                  </a:txBody>
+                  <a:tcPr>
+                    <a:solidFill>
+                      <a:schemeClr val="accent5">
+                        <a:lumMod val="40000"/>
+                        <a:lumOff val="60000"/>
+                      </a:schemeClr>
+                    </a:solidFill>
+                  </a:tcPr>
+                </a:tc>
+                <a:tc>
+                  <a:txBody>
+                    <a:bodyPr/>
+                    <a:lstStyle/>
+                    <a:p>
+                      <a:pPr lvl="0"/>
+                      <a:r>
+                        <a:rPr lang="fi-FI" b="0" dirty="0" smtClean="0">
+                          <a:solidFill>
+                            <a:srgbClr val="000000"/>
+                          </a:solidFill>
+                        </a:rPr>
+                        <a:t>Joukkue</a:t>
+                      </a:r>
+                      <a:endParaRPr lang="fi-FI" b="0" dirty="0">
+                        <a:solidFill>
+                          <a:srgbClr val="000000"/>
+                        </a:solidFill>
+                      </a:endParaRPr>
+                    </a:p>
+                  </a:txBody>
+                  <a:tcPr>
+                    <a:solidFill>
+                      <a:schemeClr val="accent5">
+                        <a:lumMod val="40000"/>
+                        <a:lumOff val="60000"/>
+                      </a:schemeClr>
+                    </a:solidFill>
+                  </a:tcPr>
+                </a:tc>
+                <a:tc>
+                  <a:txBody>
+                    <a:bodyPr/>
+                    <a:lstStyle/>
+                    <a:p>
+                      <a:pPr lvl="0"/>
+                      <a:r>
+                        <a:rPr lang="fi-FI" b="0" dirty="0" smtClean="0">
+                          <a:solidFill>
+                            <a:srgbClr val="000000"/>
+                          </a:solidFill>
+                        </a:rPr>
+                        <a:t>Tampere</a:t>
+                      </a:r>
+                      <a:endParaRPr lang="fi-FI" b="0" dirty="0">
+                        <a:solidFill>
+                          <a:srgbClr val="000000"/>
+                        </a:solidFill>
+                      </a:endParaRPr>
+                    </a:p>
+                  </a:txBody>
+                  <a:tcPr>
+                    <a:solidFill>
+                      <a:schemeClr val="accent5">
+                        <a:lumMod val="40000"/>
+                        <a:lumOff val="60000"/>
+                      </a:schemeClr>
+                    </a:solidFill>
+                  </a:tcPr>
+                </a:tc>
+                <a:tc>
+                  <a:txBody>
+                    <a:bodyPr/>
+                    <a:lstStyle/>
+                    <a:p>
+                      <a:pPr lvl="0"/>
+                      <a:r>
+                        <a:rPr lang="fi-FI" b="0" dirty="0">
+                          <a:solidFill>
+                            <a:srgbClr val="000000"/>
+                          </a:solidFill>
+                        </a:rPr>
+                        <a:t>Suomi</a:t>
+                      </a:r>
+                    </a:p>
+                  </a:txBody>
+                  <a:tcPr>
+                    <a:solidFill>
+                      <a:schemeClr val="accent5">
+                        <a:lumMod val="40000"/>
+                        <a:lumOff val="60000"/>
+                      </a:schemeClr>
+                    </a:solidFill>
+                  </a:tcPr>
+                </a:tc>
+                <a:extLst>
+                  <a:ext uri="{0D108BD9-81ED-4DB2-BD59-A6C34878D82A}">
+                    <a16:rowId xmlns:a16="http://schemas.microsoft.com/office/drawing/2014/main" val="1590323454"/>
+                  </a:ext>
+                </a:extLst>
+              </a:tr>
+            </a:tbl>
+          </a:graphicData>
+        </a:graphic>
+      </p:graphicFrame>
     </p:spTree>
     <p:extLst>
       <p:ext uri="{BB962C8B-B14F-4D97-AF65-F5344CB8AC3E}">
@@ -10635,7 +11113,7 @@
 </p:sld>
 </file>
 
-<file path=ppt/slides/slide3.xml><?xml version="1.0" encoding="utf-8"?>
+<file path=ppt/slides/slide4.xml><?xml version="1.0" encoding="utf-8"?>
 <p:sld xmlns:a="http://schemas.openxmlformats.org/drawingml/2006/main" xmlns:r="http://schemas.openxmlformats.org/officeDocument/2006/relationships" xmlns:p="http://schemas.openxmlformats.org/presentationml/2006/main">
   <p:cSld>
     <p:spTree>
@@ -11304,7 +11782,7 @@
 </p:sld>
 </file>
 
-<file path=ppt/slides/slide4.xml><?xml version="1.0" encoding="utf-8"?>
+<file path=ppt/slides/slide5.xml><?xml version="1.0" encoding="utf-8"?>
 <p:sld xmlns:a="http://schemas.openxmlformats.org/drawingml/2006/main" xmlns:r="http://schemas.openxmlformats.org/officeDocument/2006/relationships" xmlns:p="http://schemas.openxmlformats.org/presentationml/2006/main">
   <p:cSld>
     <p:spTree>
@@ -11548,7 +12026,7 @@
                     <a:p>
                       <a:pPr lvl="0"/>
                       <a:r>
-                        <a:rPr lang="fi-FI" b="0">
+                        <a:rPr lang="fi-FI" b="0" dirty="0">
                           <a:solidFill>
                             <a:srgbClr val="000000"/>
                           </a:solidFill>
@@ -11573,7 +12051,7 @@
                     <a:p>
                       <a:pPr lvl="0"/>
                       <a:r>
-                        <a:rPr lang="fi-FI" b="0">
+                        <a:rPr lang="fi-FI" b="0" dirty="0">
                           <a:solidFill>
                             <a:srgbClr val="000000"/>
                           </a:solidFill>
@@ -11604,7 +12082,7 @@
                     <a:lstStyle/>
                     <a:p>
                       <a:pPr lvl="0"/>
-                      <a:endParaRPr lang="fi-FI" b="0">
+                      <a:endParaRPr lang="fi-FI" b="0" dirty="0">
                         <a:solidFill>
                           <a:srgbClr val="000000"/>
                         </a:solidFill>
@@ -11850,7 +12328,7 @@
 </p:sld>
 </file>
 
-<file path=ppt/slides/slide5.xml><?xml version="1.0" encoding="utf-8"?>
+<file path=ppt/slides/slide6.xml><?xml version="1.0" encoding="utf-8"?>
 <p:sld xmlns:a="http://schemas.openxmlformats.org/drawingml/2006/main" xmlns:r="http://schemas.openxmlformats.org/officeDocument/2006/relationships" xmlns:p="http://schemas.openxmlformats.org/presentationml/2006/main">
   <p:cSld>
     <p:spTree>
@@ -11875,8 +12353,8 @@
         </p:nvSpPr>
         <p:spPr>
           <a:xfrm>
-            <a:off x="1703012" y="2270805"/>
-            <a:ext cx="4109139" cy="954103"/>
+            <a:off x="2747012" y="2958985"/>
+            <a:ext cx="2085827" cy="523220"/>
           </a:xfrm>
           <a:prstGeom prst="rect">
             <a:avLst/>
@@ -11912,7 +12390,7 @@
               </a:defRPr>
             </a:pPr>
             <a:r>
-              <a:rPr lang="fi-FI" sz="2800" b="1" i="0" u="none" strike="noStrike" kern="0" cap="none" spc="0" baseline="0" dirty="0">
+              <a:rPr lang="fi-FI" sz="2800" b="1" i="0" u="none" strike="noStrike" kern="0" cap="none" spc="0" baseline="0" dirty="0" smtClean="0">
                 <a:solidFill>
                   <a:srgbClr val="000000"/>
                 </a:solidFill>
@@ -11921,37 +12399,13 @@
               </a:rPr>
               <a:t>Yhteystiedot</a:t>
             </a:r>
-          </a:p>
-          <a:p>
-            <a:pPr marL="0" marR="0" lvl="0" indent="0" algn="l" defTabSz="457200" rtl="0" fontAlgn="auto" hangingPunct="1">
-              <a:lnSpc>
-                <a:spcPct val="100000"/>
-              </a:lnSpc>
-              <a:spcBef>
-                <a:spcPts val="0"/>
-              </a:spcBef>
-              <a:spcAft>
-                <a:spcPts val="0"/>
-              </a:spcAft>
-              <a:buNone/>
-              <a:tabLst/>
-              <a:defRPr sz="1800" b="0" i="0" u="none" strike="noStrike" kern="0" cap="none" spc="0" baseline="0">
-                <a:solidFill>
-                  <a:srgbClr val="000000"/>
-                </a:solidFill>
-                <a:uFillTx/>
-              </a:defRPr>
-            </a:pPr>
-            <a:r>
-              <a:rPr lang="fi-FI" sz="2800" b="1" i="0" u="none" strike="noStrike" kern="1200" cap="none" spc="0" baseline="0" dirty="0">
-                <a:solidFill>
-                  <a:srgbClr val="000000"/>
-                </a:solidFill>
-                <a:uFillTx/>
-                <a:latin typeface="Calibri"/>
-              </a:rPr>
-              <a:t>Viitenumerojärjestyksessä</a:t>
-            </a:r>
+            <a:endParaRPr lang="fi-FI" sz="2800" b="1" i="0" u="none" strike="noStrike" kern="0" cap="none" spc="0" baseline="0" dirty="0">
+              <a:solidFill>
+                <a:srgbClr val="000000"/>
+              </a:solidFill>
+              <a:uFillTx/>
+              <a:latin typeface="Calibri"/>
+            </a:endParaRPr>
           </a:p>
         </p:txBody>
       </p:sp>
@@ -13301,7 +13755,7 @@
 </p:sld>
 </file>
 
-<file path=ppt/slides/slide6.xml><?xml version="1.0" encoding="utf-8"?>
+<file path=ppt/slides/slide7.xml><?xml version="1.0" encoding="utf-8"?>
 <p:sld xmlns:a="http://schemas.openxmlformats.org/drawingml/2006/main" xmlns:r="http://schemas.openxmlformats.org/officeDocument/2006/relationships" xmlns:p="http://schemas.openxmlformats.org/presentationml/2006/main">
   <p:cSld>
     <p:spTree>
@@ -14589,7 +15043,7 @@
 </p:sld>
 </file>
 
-<file path=ppt/slides/slide7.xml><?xml version="1.0" encoding="utf-8"?>
+<file path=ppt/slides/slide8.xml><?xml version="1.0" encoding="utf-8"?>
 <p:sld xmlns:a="http://schemas.openxmlformats.org/drawingml/2006/main" xmlns:r="http://schemas.openxmlformats.org/officeDocument/2006/relationships" xmlns:p="http://schemas.openxmlformats.org/presentationml/2006/main">
   <p:cSld>
     <p:spTree>
@@ -16913,7 +17367,7 @@
 </p:sld>
 </file>
 
-<file path=ppt/slides/slide8.xml><?xml version="1.0" encoding="utf-8"?>
+<file path=ppt/slides/slide9.xml><?xml version="1.0" encoding="utf-8"?>
 <p:sld xmlns:a="http://schemas.openxmlformats.org/drawingml/2006/main" xmlns:r="http://schemas.openxmlformats.org/officeDocument/2006/relationships" xmlns:p="http://schemas.openxmlformats.org/presentationml/2006/main">
   <p:cSld>
     <p:spTree>
@@ -19022,7 +19476,6 @@
               <a:rPr lang="fi-FI" dirty="0"/>
               <a:t>#339cff</a:t>
             </a:r>
-            <a:endParaRPr lang="fi-FI" dirty="0"/>
           </a:p>
         </p:txBody>
       </p:sp>
@@ -19030,875 +19483,6 @@
     <p:extLst>
       <p:ext uri="{BB962C8B-B14F-4D97-AF65-F5344CB8AC3E}">
         <p14:creationId xmlns:p14="http://schemas.microsoft.com/office/powerpoint/2010/main" val="3196241584"/>
-      </p:ext>
-    </p:extLst>
-  </p:cSld>
-  <p:clrMapOvr>
-    <a:masterClrMapping/>
-  </p:clrMapOvr>
-</p:sld>
-</file>
-
-<file path=ppt/slides/slide9.xml><?xml version="1.0" encoding="utf-8"?>
-<p:sld xmlns:a="http://schemas.openxmlformats.org/drawingml/2006/main" xmlns:r="http://schemas.openxmlformats.org/officeDocument/2006/relationships" xmlns:p="http://schemas.openxmlformats.org/presentationml/2006/main">
-  <p:cSld>
-    <p:spTree>
-      <p:nvGrpSpPr>
-        <p:cNvPr id="1" name=""/>
-        <p:cNvGrpSpPr/>
-        <p:nvPr/>
-      </p:nvGrpSpPr>
-      <p:grpSpPr>
-        <a:xfrm>
-          <a:off x="0" y="0"/>
-          <a:ext cx="0" cy="0"/>
-          <a:chOff x="0" y="0"/>
-          <a:chExt cx="0" cy="0"/>
-        </a:xfrm>
-      </p:grpSpPr>
-      <p:sp>
-        <p:nvSpPr>
-          <p:cNvPr id="2" name="TextBox 21"/>
-          <p:cNvSpPr txBox="1"/>
-          <p:nvPr/>
-        </p:nvSpPr>
-        <p:spPr>
-          <a:xfrm>
-            <a:off x="2506982" y="2521907"/>
-            <a:ext cx="1844033" cy="523219"/>
-          </a:xfrm>
-          <a:prstGeom prst="rect">
-            <a:avLst/>
-          </a:prstGeom>
-          <a:noFill/>
-          <a:ln cap="flat">
-            <a:noFill/>
-          </a:ln>
-        </p:spPr>
-        <p:txBody>
-          <a:bodyPr vert="horz" wrap="none" lIns="91440" tIns="45720" rIns="91440" bIns="45720" anchor="t" anchorCtr="0" compatLnSpc="1">
-            <a:spAutoFit/>
-          </a:bodyPr>
-          <a:lstStyle/>
-          <a:p>
-            <a:pPr marL="0" marR="0" lvl="0" indent="0" algn="l" defTabSz="457200" rtl="0" fontAlgn="auto" hangingPunct="1">
-              <a:lnSpc>
-                <a:spcPct val="100000"/>
-              </a:lnSpc>
-              <a:spcBef>
-                <a:spcPts val="0"/>
-              </a:spcBef>
-              <a:spcAft>
-                <a:spcPts val="0"/>
-              </a:spcAft>
-              <a:buNone/>
-              <a:tabLst/>
-              <a:defRPr sz="1800" b="0" i="0" u="none" strike="noStrike" kern="0" cap="none" spc="0" baseline="0">
-                <a:solidFill>
-                  <a:srgbClr val="000000"/>
-                </a:solidFill>
-                <a:uFillTx/>
-              </a:defRPr>
-            </a:pPr>
-            <a:r>
-              <a:rPr lang="fi-FI" sz="2800" b="1" i="0" u="none" strike="noStrike" kern="1200" cap="none" spc="0" baseline="0" dirty="0">
-                <a:solidFill>
-                  <a:srgbClr val="000000"/>
-                </a:solidFill>
-                <a:uFillTx/>
-                <a:latin typeface="Calibri"/>
-              </a:rPr>
-              <a:t>Turnaukset</a:t>
-            </a:r>
-          </a:p>
-        </p:txBody>
-      </p:sp>
-      <p:graphicFrame>
-        <p:nvGraphicFramePr>
-          <p:cNvPr id="3" name="Table 4"/>
-          <p:cNvGraphicFramePr>
-            <a:graphicFrameLocks noGrp="1"/>
-          </p:cNvGraphicFramePr>
-          <p:nvPr>
-            <p:extLst>
-              <p:ext uri="{D42A27DB-BD31-4B8C-83A1-F6EECF244321}">
-                <p14:modId xmlns:p14="http://schemas.microsoft.com/office/powerpoint/2010/main" val="20820854"/>
-              </p:ext>
-            </p:extLst>
-          </p:nvPr>
-        </p:nvGraphicFramePr>
-        <p:xfrm>
-          <a:off x="1143000" y="3632792"/>
-          <a:ext cx="4571999" cy="1244608"/>
-        </p:xfrm>
-        <a:graphic>
-          <a:graphicData uri="http://schemas.openxmlformats.org/drawingml/2006/table">
-            <a:tbl>
-              <a:tblPr firstRow="1" bandRow="1">
-                <a:effectLst/>
-                <a:tableStyleId>{5C22544A-7EE6-4342-B048-85BDC9FD1C3A}</a:tableStyleId>
-              </a:tblPr>
-              <a:tblGrid>
-                <a:gridCol w="1460497">
-                  <a:extLst>
-                    <a:ext uri="{9D8B030D-6E8A-4147-A177-3AD203B41FA5}">
-                      <a16:colId xmlns:a16="http://schemas.microsoft.com/office/drawing/2014/main" val="34014137"/>
-                    </a:ext>
-                  </a:extLst>
-                </a:gridCol>
-                <a:gridCol w="825502">
-                  <a:extLst>
-                    <a:ext uri="{9D8B030D-6E8A-4147-A177-3AD203B41FA5}">
-                      <a16:colId xmlns:a16="http://schemas.microsoft.com/office/drawing/2014/main" val="655676741"/>
-                    </a:ext>
-                  </a:extLst>
-                </a:gridCol>
-                <a:gridCol w="1143000">
-                  <a:extLst>
-                    <a:ext uri="{9D8B030D-6E8A-4147-A177-3AD203B41FA5}">
-                      <a16:colId xmlns:a16="http://schemas.microsoft.com/office/drawing/2014/main" val="1168256599"/>
-                    </a:ext>
-                  </a:extLst>
-                </a:gridCol>
-                <a:gridCol w="1143000">
-                  <a:extLst>
-                    <a:ext uri="{9D8B030D-6E8A-4147-A177-3AD203B41FA5}">
-                      <a16:colId xmlns:a16="http://schemas.microsoft.com/office/drawing/2014/main" val="3129346111"/>
-                    </a:ext>
-                  </a:extLst>
-                </a:gridCol>
-              </a:tblGrid>
-              <a:tr h="370844">
-                <a:tc>
-                  <a:txBody>
-                    <a:bodyPr/>
-                    <a:lstStyle/>
-                    <a:p>
-                      <a:pPr lvl="0"/>
-                      <a:r>
-                        <a:rPr lang="fi-FI" b="0">
-                          <a:solidFill>
-                            <a:srgbClr val="000000"/>
-                          </a:solidFill>
-                        </a:rPr>
-                        <a:t>Kolibri-turnaus2017</a:t>
-                      </a:r>
-                    </a:p>
-                  </a:txBody>
-                  <a:tcPr>
-                    <a:solidFill>
-                      <a:schemeClr val="accent5">
-                        <a:lumMod val="40000"/>
-                        <a:lumOff val="60000"/>
-                      </a:schemeClr>
-                    </a:solidFill>
-                  </a:tcPr>
-                </a:tc>
-                <a:tc>
-                  <a:txBody>
-                    <a:bodyPr/>
-                    <a:lstStyle/>
-                    <a:p>
-                      <a:pPr lvl="0"/>
-                      <a:endParaRPr lang="fi-FI" b="0" u="sng">
-                        <a:solidFill>
-                          <a:srgbClr val="000000"/>
-                        </a:solidFill>
-                      </a:endParaRPr>
-                    </a:p>
-                  </a:txBody>
-                  <a:tcPr>
-                    <a:solidFill>
-                      <a:schemeClr val="accent5">
-                        <a:lumMod val="40000"/>
-                        <a:lumOff val="60000"/>
-                      </a:schemeClr>
-                    </a:solidFill>
-                  </a:tcPr>
-                </a:tc>
-                <a:tc>
-                  <a:txBody>
-                    <a:bodyPr/>
-                    <a:lstStyle/>
-                    <a:p>
-                      <a:pPr lvl="0"/>
-                      <a:r>
-                        <a:rPr lang="fi-FI" b="0" u="sng">
-                          <a:solidFill>
-                            <a:srgbClr val="000000"/>
-                          </a:solidFill>
-                        </a:rPr>
-                        <a:t>Muokkaa</a:t>
-                      </a:r>
-                    </a:p>
-                  </a:txBody>
-                  <a:tcPr>
-                    <a:solidFill>
-                      <a:schemeClr val="accent5">
-                        <a:lumMod val="40000"/>
-                        <a:lumOff val="60000"/>
-                      </a:schemeClr>
-                    </a:solidFill>
-                  </a:tcPr>
-                </a:tc>
-                <a:tc>
-                  <a:txBody>
-                    <a:bodyPr/>
-                    <a:lstStyle/>
-                    <a:p>
-                      <a:pPr lvl="0"/>
-                      <a:r>
-                        <a:rPr lang="fi-FI" b="0" u="sng">
-                          <a:solidFill>
-                            <a:srgbClr val="000000"/>
-                          </a:solidFill>
-                        </a:rPr>
-                        <a:t>Poista</a:t>
-                      </a:r>
-                    </a:p>
-                  </a:txBody>
-                  <a:tcPr>
-                    <a:solidFill>
-                      <a:schemeClr val="accent5">
-                        <a:lumMod val="40000"/>
-                        <a:lumOff val="60000"/>
-                      </a:schemeClr>
-                    </a:solidFill>
-                  </a:tcPr>
-                </a:tc>
-                <a:extLst>
-                  <a:ext uri="{0D108BD9-81ED-4DB2-BD59-A6C34878D82A}">
-                    <a16:rowId xmlns:a16="http://schemas.microsoft.com/office/drawing/2014/main" val="3441351599"/>
-                  </a:ext>
-                </a:extLst>
-              </a:tr>
-              <a:tr h="370844">
-                <a:tc>
-                  <a:txBody>
-                    <a:bodyPr/>
-                    <a:lstStyle/>
-                    <a:p>
-                      <a:pPr lvl="0"/>
-                      <a:r>
-                        <a:rPr lang="fi-FI">
-                          <a:solidFill>
-                            <a:srgbClr val="000000"/>
-                          </a:solidFill>
-                        </a:rPr>
-                        <a:t>Beach SM 2017</a:t>
-                      </a:r>
-                    </a:p>
-                  </a:txBody>
-                  <a:tcPr>
-                    <a:solidFill>
-                      <a:schemeClr val="accent5">
-                        <a:lumMod val="40000"/>
-                        <a:lumOff val="60000"/>
-                      </a:schemeClr>
-                    </a:solidFill>
-                  </a:tcPr>
-                </a:tc>
-                <a:tc>
-                  <a:txBody>
-                    <a:bodyPr/>
-                    <a:lstStyle/>
-                    <a:p>
-                      <a:pPr lvl="0"/>
-                      <a:endParaRPr lang="fi-FI" u="sng">
-                        <a:solidFill>
-                          <a:srgbClr val="000000"/>
-                        </a:solidFill>
-                      </a:endParaRPr>
-                    </a:p>
-                  </a:txBody>
-                  <a:tcPr>
-                    <a:solidFill>
-                      <a:schemeClr val="accent5">
-                        <a:lumMod val="40000"/>
-                        <a:lumOff val="60000"/>
-                      </a:schemeClr>
-                    </a:solidFill>
-                  </a:tcPr>
-                </a:tc>
-                <a:tc>
-                  <a:txBody>
-                    <a:bodyPr/>
-                    <a:lstStyle/>
-                    <a:p>
-                      <a:pPr lvl="0"/>
-                      <a:r>
-                        <a:rPr lang="fi-FI" u="sng">
-                          <a:solidFill>
-                            <a:srgbClr val="000000"/>
-                          </a:solidFill>
-                        </a:rPr>
-                        <a:t>Muokkaa</a:t>
-                      </a:r>
-                    </a:p>
-                  </a:txBody>
-                  <a:tcPr>
-                    <a:solidFill>
-                      <a:schemeClr val="accent5">
-                        <a:lumMod val="40000"/>
-                        <a:lumOff val="60000"/>
-                      </a:schemeClr>
-                    </a:solidFill>
-                  </a:tcPr>
-                </a:tc>
-                <a:tc>
-                  <a:txBody>
-                    <a:bodyPr/>
-                    <a:lstStyle/>
-                    <a:p>
-                      <a:pPr lvl="0"/>
-                      <a:r>
-                        <a:rPr lang="fi-FI" u="sng">
-                          <a:solidFill>
-                            <a:srgbClr val="000000"/>
-                          </a:solidFill>
-                        </a:rPr>
-                        <a:t>Poista</a:t>
-                      </a:r>
-                    </a:p>
-                  </a:txBody>
-                  <a:tcPr>
-                    <a:solidFill>
-                      <a:schemeClr val="accent5">
-                        <a:lumMod val="40000"/>
-                        <a:lumOff val="60000"/>
-                      </a:schemeClr>
-                    </a:solidFill>
-                  </a:tcPr>
-                </a:tc>
-                <a:extLst>
-                  <a:ext uri="{0D108BD9-81ED-4DB2-BD59-A6C34878D82A}">
-                    <a16:rowId xmlns:a16="http://schemas.microsoft.com/office/drawing/2014/main" val="3513352729"/>
-                  </a:ext>
-                </a:extLst>
-              </a:tr>
-              <a:tr h="370844">
-                <a:tc>
-                  <a:txBody>
-                    <a:bodyPr/>
-                    <a:lstStyle/>
-                    <a:p>
-                      <a:pPr lvl="0"/>
-                      <a:r>
-                        <a:rPr lang="fi-FI">
-                          <a:solidFill>
-                            <a:srgbClr val="000000"/>
-                          </a:solidFill>
-                        </a:rPr>
-                        <a:t>M65 SM</a:t>
-                      </a:r>
-                    </a:p>
-                  </a:txBody>
-                  <a:tcPr>
-                    <a:solidFill>
-                      <a:schemeClr val="accent5">
-                        <a:lumMod val="40000"/>
-                        <a:lumOff val="60000"/>
-                      </a:schemeClr>
-                    </a:solidFill>
-                  </a:tcPr>
-                </a:tc>
-                <a:tc>
-                  <a:txBody>
-                    <a:bodyPr/>
-                    <a:lstStyle/>
-                    <a:p>
-                      <a:pPr lvl="0"/>
-                      <a:endParaRPr lang="fi-FI" u="sng">
-                        <a:solidFill>
-                          <a:srgbClr val="000000"/>
-                        </a:solidFill>
-                      </a:endParaRPr>
-                    </a:p>
-                  </a:txBody>
-                  <a:tcPr>
-                    <a:solidFill>
-                      <a:schemeClr val="accent5">
-                        <a:lumMod val="40000"/>
-                        <a:lumOff val="60000"/>
-                      </a:schemeClr>
-                    </a:solidFill>
-                  </a:tcPr>
-                </a:tc>
-                <a:tc>
-                  <a:txBody>
-                    <a:bodyPr/>
-                    <a:lstStyle/>
-                    <a:p>
-                      <a:pPr lvl="0"/>
-                      <a:r>
-                        <a:rPr lang="fi-FI" u="sng">
-                          <a:solidFill>
-                            <a:srgbClr val="000000"/>
-                          </a:solidFill>
-                        </a:rPr>
-                        <a:t>Muokkaa</a:t>
-                      </a:r>
-                    </a:p>
-                  </a:txBody>
-                  <a:tcPr>
-                    <a:solidFill>
-                      <a:schemeClr val="accent5">
-                        <a:lumMod val="40000"/>
-                        <a:lumOff val="60000"/>
-                      </a:schemeClr>
-                    </a:solidFill>
-                  </a:tcPr>
-                </a:tc>
-                <a:tc>
-                  <a:txBody>
-                    <a:bodyPr/>
-                    <a:lstStyle/>
-                    <a:p>
-                      <a:pPr lvl="0"/>
-                      <a:r>
-                        <a:rPr lang="fi-FI" u="sng" dirty="0">
-                          <a:solidFill>
-                            <a:srgbClr val="000000"/>
-                          </a:solidFill>
-                        </a:rPr>
-                        <a:t>Poista</a:t>
-                      </a:r>
-                    </a:p>
-                  </a:txBody>
-                  <a:tcPr>
-                    <a:solidFill>
-                      <a:schemeClr val="accent5">
-                        <a:lumMod val="40000"/>
-                        <a:lumOff val="60000"/>
-                      </a:schemeClr>
-                    </a:solidFill>
-                  </a:tcPr>
-                </a:tc>
-                <a:extLst>
-                  <a:ext uri="{0D108BD9-81ED-4DB2-BD59-A6C34878D82A}">
-                    <a16:rowId xmlns:a16="http://schemas.microsoft.com/office/drawing/2014/main" val="3094234577"/>
-                  </a:ext>
-                </a:extLst>
-              </a:tr>
-            </a:tbl>
-          </a:graphicData>
-        </a:graphic>
-      </p:graphicFrame>
-      <p:pic>
-        <p:nvPicPr>
-          <p:cNvPr id="5" name="Kuva 4" descr="Ilmaisia Kuvia : yö-, karnevaali, valaistus, festivaali ..."/>
-          <p:cNvPicPr>
-            <a:picLocks noChangeAspect="1"/>
-          </p:cNvPicPr>
-          <p:nvPr/>
-        </p:nvPicPr>
-        <p:blipFill>
-          <a:blip r:embed="rId2" cstate="print">
-            <a:extLst>
-              <a:ext uri="{28A0092B-C50C-407E-A947-70E740481C1C}">
-                <a14:useLocalDpi xmlns:a14="http://schemas.microsoft.com/office/drawing/2010/main" val="0"/>
-              </a:ext>
-            </a:extLst>
-          </a:blip>
-          <a:stretch>
-            <a:fillRect/>
-          </a:stretch>
-        </p:blipFill>
-        <p:spPr>
-          <a:xfrm>
-            <a:off x="325632" y="-4036"/>
-            <a:ext cx="4440672" cy="1714850"/>
-          </a:xfrm>
-          <a:prstGeom prst="rect">
-            <a:avLst/>
-          </a:prstGeom>
-        </p:spPr>
-      </p:pic>
-      <p:pic>
-        <p:nvPicPr>
-          <p:cNvPr id="6" name="Kuva 5" descr="Clipart - &lt;strong&gt;Logo&lt;/strong&gt; &lt;strong&gt;Logo&lt;/strong&gt; Black on White Background"/>
-          <p:cNvPicPr>
-            <a:picLocks noChangeAspect="1"/>
-          </p:cNvPicPr>
-          <p:nvPr/>
-        </p:nvPicPr>
-        <p:blipFill>
-          <a:blip r:embed="rId3" cstate="print">
-            <a:extLst>
-              <a:ext uri="{28A0092B-C50C-407E-A947-70E740481C1C}">
-                <a14:useLocalDpi xmlns:a14="http://schemas.microsoft.com/office/drawing/2010/main" val="0"/>
-              </a:ext>
-            </a:extLst>
-          </a:blip>
-          <a:stretch>
-            <a:fillRect/>
-          </a:stretch>
-        </p:blipFill>
-        <p:spPr>
-          <a:xfrm>
-            <a:off x="4766304" y="-5268"/>
-            <a:ext cx="2091695" cy="963923"/>
-          </a:xfrm>
-          <a:prstGeom prst="rect">
-            <a:avLst/>
-          </a:prstGeom>
-        </p:spPr>
-      </p:pic>
-      <p:sp>
-        <p:nvSpPr>
-          <p:cNvPr id="7" name="Suorakulmio 6"/>
-          <p:cNvSpPr/>
-          <p:nvPr/>
-        </p:nvSpPr>
-        <p:spPr>
-          <a:xfrm>
-            <a:off x="1" y="1710814"/>
-            <a:ext cx="1886616" cy="575186"/>
-          </a:xfrm>
-          <a:prstGeom prst="rect">
-            <a:avLst/>
-          </a:prstGeom>
-        </p:spPr>
-        <p:style>
-          <a:lnRef idx="1">
-            <a:schemeClr val="accent3"/>
-          </a:lnRef>
-          <a:fillRef idx="2">
-            <a:schemeClr val="accent3"/>
-          </a:fillRef>
-          <a:effectRef idx="1">
-            <a:schemeClr val="accent3"/>
-          </a:effectRef>
-          <a:fontRef idx="minor">
-            <a:schemeClr val="dk1"/>
-          </a:fontRef>
-        </p:style>
-        <p:txBody>
-          <a:bodyPr rtlCol="0" anchor="ctr"/>
-          <a:lstStyle/>
-          <a:p>
-            <a:pPr algn="ctr"/>
-            <a:r>
-              <a:rPr lang="fi-FI" dirty="0" smtClean="0"/>
-              <a:t>Ilmoittautuneet</a:t>
-            </a:r>
-            <a:endParaRPr lang="fi-FI" dirty="0"/>
-          </a:p>
-        </p:txBody>
-      </p:sp>
-      <p:sp>
-        <p:nvSpPr>
-          <p:cNvPr id="8" name="Suorakulmio 7"/>
-          <p:cNvSpPr/>
-          <p:nvPr/>
-        </p:nvSpPr>
-        <p:spPr>
-          <a:xfrm>
-            <a:off x="1903333" y="1714241"/>
-            <a:ext cx="1886616" cy="575186"/>
-          </a:xfrm>
-          <a:prstGeom prst="rect">
-            <a:avLst/>
-          </a:prstGeom>
-        </p:spPr>
-        <p:style>
-          <a:lnRef idx="1">
-            <a:schemeClr val="accent3"/>
-          </a:lnRef>
-          <a:fillRef idx="2">
-            <a:schemeClr val="accent3"/>
-          </a:fillRef>
-          <a:effectRef idx="1">
-            <a:schemeClr val="accent3"/>
-          </a:effectRef>
-          <a:fontRef idx="minor">
-            <a:schemeClr val="dk1"/>
-          </a:fontRef>
-        </p:style>
-        <p:txBody>
-          <a:bodyPr rtlCol="0" anchor="ctr"/>
-          <a:lstStyle/>
-          <a:p>
-            <a:pPr algn="ctr"/>
-            <a:r>
-              <a:rPr lang="fi-FI" dirty="0" smtClean="0"/>
-              <a:t>Turnaukset</a:t>
-            </a:r>
-            <a:endParaRPr lang="fi-FI" dirty="0"/>
-          </a:p>
-        </p:txBody>
-      </p:sp>
-      <p:sp>
-        <p:nvSpPr>
-          <p:cNvPr id="9" name="Suorakulmio 8"/>
-          <p:cNvSpPr/>
-          <p:nvPr/>
-        </p:nvSpPr>
-        <p:spPr>
-          <a:xfrm>
-            <a:off x="3806665" y="1710814"/>
-            <a:ext cx="1886616" cy="575186"/>
-          </a:xfrm>
-          <a:prstGeom prst="rect">
-            <a:avLst/>
-          </a:prstGeom>
-        </p:spPr>
-        <p:style>
-          <a:lnRef idx="1">
-            <a:schemeClr val="accent3"/>
-          </a:lnRef>
-          <a:fillRef idx="2">
-            <a:schemeClr val="accent3"/>
-          </a:fillRef>
-          <a:effectRef idx="1">
-            <a:schemeClr val="accent3"/>
-          </a:effectRef>
-          <a:fontRef idx="minor">
-            <a:schemeClr val="dk1"/>
-          </a:fontRef>
-        </p:style>
-        <p:txBody>
-          <a:bodyPr rtlCol="0" anchor="ctr"/>
-          <a:lstStyle/>
-          <a:p>
-            <a:pPr algn="ctr"/>
-            <a:endParaRPr lang="fi-FI" dirty="0"/>
-          </a:p>
-        </p:txBody>
-      </p:sp>
-      <p:sp>
-        <p:nvSpPr>
-          <p:cNvPr id="10" name="Rectangle: Rounded Corners 12"/>
-          <p:cNvSpPr/>
-          <p:nvPr/>
-        </p:nvSpPr>
-        <p:spPr>
-          <a:xfrm>
-            <a:off x="1143000" y="5106332"/>
-            <a:ext cx="1715652" cy="612931"/>
-          </a:xfrm>
-          <a:custGeom>
-            <a:avLst>
-              <a:gd name="f10" fmla="val 3600"/>
-            </a:avLst>
-            <a:gdLst>
-              <a:gd name="f1" fmla="val 10800000"/>
-              <a:gd name="f2" fmla="val 5400000"/>
-              <a:gd name="f3" fmla="val 16200000"/>
-              <a:gd name="f4" fmla="val w"/>
-              <a:gd name="f5" fmla="val h"/>
-              <a:gd name="f6" fmla="val ss"/>
-              <a:gd name="f7" fmla="val 0"/>
-              <a:gd name="f8" fmla="*/ 5419351 1 1725033"/>
-              <a:gd name="f9" fmla="val 45"/>
-              <a:gd name="f10" fmla="val 3600"/>
-              <a:gd name="f11" fmla="abs f4"/>
-              <a:gd name="f12" fmla="abs f5"/>
-              <a:gd name="f13" fmla="abs f6"/>
-              <a:gd name="f14" fmla="*/ f8 1 180"/>
-              <a:gd name="f15" fmla="val f10"/>
-              <a:gd name="f16" fmla="+- 0 0 f2"/>
-              <a:gd name="f17" fmla="?: f11 f4 1"/>
-              <a:gd name="f18" fmla="?: f12 f5 1"/>
-              <a:gd name="f19" fmla="?: f13 f6 1"/>
-              <a:gd name="f20" fmla="*/ f9 f14 1"/>
-              <a:gd name="f21" fmla="+- f7 f15 0"/>
-              <a:gd name="f22" fmla="*/ f17 1 21600"/>
-              <a:gd name="f23" fmla="*/ f18 1 21600"/>
-              <a:gd name="f24" fmla="*/ 21600 f17 1"/>
-              <a:gd name="f25" fmla="*/ 21600 f18 1"/>
-              <a:gd name="f26" fmla="+- 0 0 f20"/>
-              <a:gd name="f27" fmla="+- f7 0 f21"/>
-              <a:gd name="f28" fmla="+- f21 0 f7"/>
-              <a:gd name="f29" fmla="min f23 f22"/>
-              <a:gd name="f30" fmla="*/ f24 1 f19"/>
-              <a:gd name="f31" fmla="*/ f25 1 f19"/>
-              <a:gd name="f32" fmla="*/ f26 f1 1"/>
-              <a:gd name="f33" fmla="abs f27"/>
-              <a:gd name="f34" fmla="abs f28"/>
-              <a:gd name="f35" fmla="?: f27 f16 f2"/>
-              <a:gd name="f36" fmla="?: f27 f2 f16"/>
-              <a:gd name="f37" fmla="?: f27 f3 f2"/>
-              <a:gd name="f38" fmla="?: f27 f2 f3"/>
-              <a:gd name="f39" fmla="?: f28 f16 f2"/>
-              <a:gd name="f40" fmla="?: f28 f2 f16"/>
-              <a:gd name="f41" fmla="?: f27 0 f1"/>
-              <a:gd name="f42" fmla="?: f27 f1 0"/>
-              <a:gd name="f43" fmla="val f30"/>
-              <a:gd name="f44" fmla="val f31"/>
-              <a:gd name="f45" fmla="*/ f32 1 f8"/>
-              <a:gd name="f46" fmla="?: f27 f38 f37"/>
-              <a:gd name="f47" fmla="?: f27 f37 f38"/>
-              <a:gd name="f48" fmla="?: f28 f36 f35"/>
-              <a:gd name="f49" fmla="*/ f21 f29 1"/>
-              <a:gd name="f50" fmla="*/ f7 f29 1"/>
-              <a:gd name="f51" fmla="*/ f33 f29 1"/>
-              <a:gd name="f52" fmla="*/ f34 f29 1"/>
-              <a:gd name="f53" fmla="+- f44 0 f15"/>
-              <a:gd name="f54" fmla="+- f43 0 f15"/>
-              <a:gd name="f55" fmla="+- f45 0 f2"/>
-              <a:gd name="f56" fmla="?: f28 f47 f46"/>
-              <a:gd name="f57" fmla="*/ f44 f29 1"/>
-              <a:gd name="f58" fmla="*/ f43 f29 1"/>
-              <a:gd name="f59" fmla="+- f55 f2 0"/>
-              <a:gd name="f60" fmla="+- f44 0 f53"/>
-              <a:gd name="f61" fmla="+- f43 0 f54"/>
-              <a:gd name="f62" fmla="+- f53 0 f44"/>
-              <a:gd name="f63" fmla="+- f54 0 f43"/>
-              <a:gd name="f64" fmla="*/ f53 f29 1"/>
-              <a:gd name="f65" fmla="*/ f54 f29 1"/>
-              <a:gd name="f66" fmla="*/ f59 f8 1"/>
-              <a:gd name="f67" fmla="abs f60"/>
-              <a:gd name="f68" fmla="?: f60 0 f1"/>
-              <a:gd name="f69" fmla="?: f60 f1 0"/>
-              <a:gd name="f70" fmla="?: f60 f39 f40"/>
-              <a:gd name="f71" fmla="abs f61"/>
-              <a:gd name="f72" fmla="abs f62"/>
-              <a:gd name="f73" fmla="?: f61 f16 f2"/>
-              <a:gd name="f74" fmla="?: f61 f2 f16"/>
-              <a:gd name="f75" fmla="?: f61 f3 f2"/>
-              <a:gd name="f76" fmla="?: f61 f2 f3"/>
-              <a:gd name="f77" fmla="abs f63"/>
-              <a:gd name="f78" fmla="?: f63 f16 f2"/>
-              <a:gd name="f79" fmla="?: f63 f2 f16"/>
-              <a:gd name="f80" fmla="?: f63 f42 f41"/>
-              <a:gd name="f81" fmla="?: f63 f41 f42"/>
-              <a:gd name="f82" fmla="*/ f66 1 f1"/>
-              <a:gd name="f83" fmla="?: f28 f69 f68"/>
-              <a:gd name="f84" fmla="?: f28 f68 f69"/>
-              <a:gd name="f85" fmla="?: f61 f76 f75"/>
-              <a:gd name="f86" fmla="?: f61 f75 f76"/>
-              <a:gd name="f87" fmla="?: f62 f74 f73"/>
-              <a:gd name="f88" fmla="?: f27 f80 f81"/>
-              <a:gd name="f89" fmla="?: f27 f78 f79"/>
-              <a:gd name="f90" fmla="*/ f67 f29 1"/>
-              <a:gd name="f91" fmla="*/ f71 f29 1"/>
-              <a:gd name="f92" fmla="*/ f72 f29 1"/>
-              <a:gd name="f93" fmla="*/ f77 f29 1"/>
-              <a:gd name="f94" fmla="+- 0 0 f82"/>
-              <a:gd name="f95" fmla="?: f60 f83 f84"/>
-              <a:gd name="f96" fmla="?: f62 f86 f85"/>
-              <a:gd name="f97" fmla="+- 0 0 f94"/>
-              <a:gd name="f98" fmla="*/ f97 f1 1"/>
-              <a:gd name="f99" fmla="*/ f98 1 f8"/>
-              <a:gd name="f100" fmla="+- f99 0 f2"/>
-              <a:gd name="f101" fmla="cos 1 f100"/>
-              <a:gd name="f102" fmla="+- 0 0 f101"/>
-              <a:gd name="f103" fmla="+- 0 0 f102"/>
-              <a:gd name="f104" fmla="val f103"/>
-              <a:gd name="f105" fmla="+- 0 0 f104"/>
-              <a:gd name="f106" fmla="*/ f15 f105 1"/>
-              <a:gd name="f107" fmla="*/ f106 3163 1"/>
-              <a:gd name="f108" fmla="*/ f107 1 7636"/>
-              <a:gd name="f109" fmla="+- f7 f108 0"/>
-              <a:gd name="f110" fmla="+- f43 0 f108"/>
-              <a:gd name="f111" fmla="+- f44 0 f108"/>
-              <a:gd name="f112" fmla="*/ f109 f29 1"/>
-              <a:gd name="f113" fmla="*/ f110 f29 1"/>
-              <a:gd name="f114" fmla="*/ f111 f29 1"/>
-            </a:gdLst>
-            <a:ahLst/>
-            <a:cxnLst>
-              <a:cxn ang="3cd4">
-                <a:pos x="hc" y="t"/>
-              </a:cxn>
-              <a:cxn ang="0">
-                <a:pos x="r" y="vc"/>
-              </a:cxn>
-              <a:cxn ang="cd4">
-                <a:pos x="hc" y="b"/>
-              </a:cxn>
-              <a:cxn ang="cd2">
-                <a:pos x="l" y="vc"/>
-              </a:cxn>
-            </a:cxnLst>
-            <a:rect l="f112" t="f112" r="f113" b="f114"/>
-            <a:pathLst>
-              <a:path>
-                <a:moveTo>
-                  <a:pt x="f49" y="f50"/>
-                </a:moveTo>
-                <a:arcTo wR="f51" hR="f52" stAng="f56" swAng="f48"/>
-                <a:lnTo>
-                  <a:pt x="f50" y="f64"/>
-                </a:lnTo>
-                <a:arcTo wR="f52" hR="f90" stAng="f95" swAng="f70"/>
-                <a:lnTo>
-                  <a:pt x="f65" y="f57"/>
-                </a:lnTo>
-                <a:arcTo wR="f91" hR="f92" stAng="f96" swAng="f87"/>
-                <a:lnTo>
-                  <a:pt x="f58" y="f49"/>
-                </a:lnTo>
-                <a:arcTo wR="f93" hR="f51" stAng="f88" swAng="f89"/>
-                <a:close/>
-              </a:path>
-            </a:pathLst>
-          </a:custGeom>
-          <a:ln/>
-        </p:spPr>
-        <p:style>
-          <a:lnRef idx="1">
-            <a:schemeClr val="accent3"/>
-          </a:lnRef>
-          <a:fillRef idx="2">
-            <a:schemeClr val="accent3"/>
-          </a:fillRef>
-          <a:effectRef idx="1">
-            <a:schemeClr val="accent3"/>
-          </a:effectRef>
-          <a:fontRef idx="minor">
-            <a:schemeClr val="dk1"/>
-          </a:fontRef>
-        </p:style>
-        <p:txBody>
-          <a:bodyPr vert="horz" wrap="square" lIns="91440" tIns="45720" rIns="91440" bIns="45720" anchor="ctr" anchorCtr="1" compatLnSpc="1">
-            <a:noAutofit/>
-          </a:bodyPr>
-          <a:lstStyle/>
-          <a:p>
-            <a:pPr marL="0" marR="0" lvl="0" indent="0" algn="ctr" defTabSz="914400" rtl="0" fontAlgn="auto" hangingPunct="1">
-              <a:lnSpc>
-                <a:spcPct val="100000"/>
-              </a:lnSpc>
-              <a:spcBef>
-                <a:spcPts val="0"/>
-              </a:spcBef>
-              <a:spcAft>
-                <a:spcPts val="0"/>
-              </a:spcAft>
-              <a:buNone/>
-              <a:tabLst/>
-              <a:defRPr sz="1800" b="0" i="0" u="none" strike="noStrike" kern="0" cap="none" spc="0" baseline="0">
-                <a:solidFill>
-                  <a:srgbClr val="000000"/>
-                </a:solidFill>
-                <a:uFillTx/>
-              </a:defRPr>
-            </a:pPr>
-            <a:r>
-              <a:rPr lang="fi-FI" dirty="0" smtClean="0">
-                <a:solidFill>
-                  <a:srgbClr val="000000"/>
-                </a:solidFill>
-                <a:latin typeface="Calibri"/>
-              </a:rPr>
-              <a:t>Lisää turnaus</a:t>
-            </a:r>
-            <a:endParaRPr lang="fi-FI" sz="1800" b="0" i="0" u="none" strike="noStrike" kern="1200" cap="none" spc="0" baseline="0" dirty="0">
-              <a:solidFill>
-                <a:srgbClr val="000000"/>
-              </a:solidFill>
-              <a:uFillTx/>
-              <a:latin typeface="Calibri"/>
-            </a:endParaRPr>
-          </a:p>
-        </p:txBody>
-      </p:sp>
-    </p:spTree>
-    <p:extLst>
-      <p:ext uri="{BB962C8B-B14F-4D97-AF65-F5344CB8AC3E}">
-        <p14:creationId xmlns:p14="http://schemas.microsoft.com/office/powerpoint/2010/main" val="1300036238"/>
       </p:ext>
     </p:extLst>
   </p:cSld>
